--- a/ClassMaterials/PairProgrammingAndSourceControl/Part5-SourceControl.pptx
+++ b/ClassMaterials/PairProgrammingAndSourceControl/Part5-SourceControl.pptx
@@ -16,15 +16,15 @@
     <p:sldId id="289" r:id="rId7"/>
     <p:sldId id="280" r:id="rId8"/>
     <p:sldId id="260" r:id="rId9"/>
-    <p:sldId id="279" r:id="rId10"/>
+    <p:sldId id="283" r:id="rId10"/>
     <p:sldId id="281" r:id="rId11"/>
-    <p:sldId id="262" r:id="rId12"/>
-    <p:sldId id="263" r:id="rId13"/>
-    <p:sldId id="264" r:id="rId14"/>
-    <p:sldId id="287" r:id="rId15"/>
-    <p:sldId id="352" r:id="rId16"/>
-    <p:sldId id="282" r:id="rId17"/>
-    <p:sldId id="283" r:id="rId18"/>
+    <p:sldId id="279" r:id="rId12"/>
+    <p:sldId id="262" r:id="rId13"/>
+    <p:sldId id="263" r:id="rId14"/>
+    <p:sldId id="264" r:id="rId15"/>
+    <p:sldId id="287" r:id="rId16"/>
+    <p:sldId id="352" r:id="rId17"/>
+    <p:sldId id="282" r:id="rId18"/>
   </p:sldIdLst>
   <p:sldSz cx="12192000" cy="6858000"/>
   <p:notesSz cx="6858000" cy="9144000"/>
@@ -136,15 +136,15 @@
             <p14:sldId id="289"/>
             <p14:sldId id="280"/>
             <p14:sldId id="260"/>
+            <p14:sldId id="283"/>
+            <p14:sldId id="281"/>
             <p14:sldId id="279"/>
-            <p14:sldId id="281"/>
             <p14:sldId id="262"/>
             <p14:sldId id="263"/>
             <p14:sldId id="264"/>
             <p14:sldId id="287"/>
             <p14:sldId id="352"/>
             <p14:sldId id="282"/>
-            <p14:sldId id="283"/>
           </p14:sldIdLst>
         </p14:section>
       </p14:sectionLst>
@@ -250,7 +250,7 @@
           <a:p>
             <a:fld id="{28F7D565-3278-47FB-82CB-054B8DCFC962}" type="datetimeFigureOut">
               <a:rPr lang="en-US" smtClean="0"/>
-              <a:t>1/29/2023</a:t>
+              <a:t>5/4/2025</a:t>
             </a:fld>
             <a:endParaRPr lang="en-US"/>
           </a:p>
@@ -643,19 +643,29 @@
       </p:grpSpPr>
       <p:sp>
         <p:nvSpPr>
-          <p:cNvPr id="2" name="Slide Image Placeholder 1"/>
+          <p:cNvPr id="55298" name="Slide Image Placeholder 1"/>
           <p:cNvSpPr>
-            <a:spLocks noGrp="1" noRot="1" noChangeAspect="1"/>
+            <a:spLocks noGrp="1" noRot="1" noChangeAspect="1" noTextEdit="1"/>
           </p:cNvSpPr>
           <p:nvPr>
             <p:ph type="sldImg"/>
           </p:nvPr>
         </p:nvSpPr>
-        <p:spPr/>
-      </p:sp>
-      <p:sp>
-        <p:nvSpPr>
-          <p:cNvPr id="3" name="Notes Placeholder 2"/>
+        <p:spPr bwMode="auto">
+          <a:noFill/>
+          <a:ln>
+            <a:solidFill>
+              <a:srgbClr val="000000"/>
+            </a:solidFill>
+            <a:miter lim="800000"/>
+            <a:headEnd/>
+            <a:tailEnd/>
+          </a:ln>
+        </p:spPr>
+      </p:sp>
+      <p:sp>
+        <p:nvSpPr>
+          <p:cNvPr id="55299" name="Notes Placeholder 2"/>
           <p:cNvSpPr>
             <a:spLocks noGrp="1"/>
           </p:cNvSpPr>
@@ -663,32 +673,42 @@
             <p:ph type="body" idx="1"/>
           </p:nvPr>
         </p:nvSpPr>
-        <p:spPr/>
+        <p:spPr>
+          <a:noFill/>
+          <a:ln/>
+        </p:spPr>
         <p:txBody>
           <a:bodyPr/>
           <a:lstStyle/>
           <a:p>
-            <a:endParaRPr lang="en-US" dirty="0"/>
-          </a:p>
-        </p:txBody>
-      </p:sp>
-      <p:sp>
-        <p:nvSpPr>
-          <p:cNvPr id="4" name="Slide Number Placeholder 3"/>
+            <a:r>
+              <a:rPr lang="en-US" dirty="0"/>
+              <a:t>Update before editing or committing to make sure you don't get out of sync with changes made by others (like your instructor, or later your teammates).</a:t>
+            </a:r>
+          </a:p>
+        </p:txBody>
+      </p:sp>
+      <p:sp>
+        <p:nvSpPr>
+          <p:cNvPr id="55300" name="Slide Number Placeholder 3"/>
           <p:cNvSpPr>
             <a:spLocks noGrp="1"/>
           </p:cNvSpPr>
           <p:nvPr>
-            <p:ph type="sldNum" sz="quarter" idx="10"/>
+            <p:ph type="sldNum" sz="quarter" idx="5"/>
           </p:nvPr>
         </p:nvSpPr>
-        <p:spPr/>
+        <p:spPr>
+          <a:noFill/>
+        </p:spPr>
         <p:txBody>
           <a:bodyPr/>
           <a:lstStyle/>
           <a:p>
-            <a:fld id="{AC522A93-4968-4B29-BB16-64A778254383}" type="slidenum">
+            <a:pPr defTabSz="895166"/>
+            <a:fld id="{4FEA20DD-5B5F-4539-9BED-2B1FCD514924}" type="slidenum">
               <a:rPr lang="en-US" smtClean="0"/>
+              <a:pPr defTabSz="895166"/>
               <a:t>9</a:t>
             </a:fld>
             <a:endParaRPr lang="en-US"/>
@@ -698,7 +718,7 @@
     </p:spTree>
     <p:extLst>
       <p:ext uri="{BB962C8B-B14F-4D97-AF65-F5344CB8AC3E}">
-        <p14:creationId xmlns:p14="http://schemas.microsoft.com/office/powerpoint/2010/main" val="3046566206"/>
+        <p14:creationId xmlns:p14="http://schemas.microsoft.com/office/powerpoint/2010/main" val="2857640000"/>
       </p:ext>
     </p:extLst>
   </p:cSld>
@@ -831,29 +851,19 @@
       </p:grpSpPr>
       <p:sp>
         <p:nvSpPr>
-          <p:cNvPr id="55298" name="Slide Image Placeholder 1"/>
+          <p:cNvPr id="2" name="Slide Image Placeholder 1"/>
           <p:cNvSpPr>
-            <a:spLocks noGrp="1" noRot="1" noChangeAspect="1" noTextEdit="1"/>
+            <a:spLocks noGrp="1" noRot="1" noChangeAspect="1"/>
           </p:cNvSpPr>
           <p:nvPr>
             <p:ph type="sldImg"/>
           </p:nvPr>
         </p:nvSpPr>
-        <p:spPr bwMode="auto">
-          <a:noFill/>
-          <a:ln>
-            <a:solidFill>
-              <a:srgbClr val="000000"/>
-            </a:solidFill>
-            <a:miter lim="800000"/>
-            <a:headEnd/>
-            <a:tailEnd/>
-          </a:ln>
-        </p:spPr>
-      </p:sp>
-      <p:sp>
-        <p:nvSpPr>
-          <p:cNvPr id="55299" name="Notes Placeholder 2"/>
+        <p:spPr/>
+      </p:sp>
+      <p:sp>
+        <p:nvSpPr>
+          <p:cNvPr id="3" name="Notes Placeholder 2"/>
           <p:cNvSpPr>
             <a:spLocks noGrp="1"/>
           </p:cNvSpPr>
@@ -861,43 +871,33 @@
             <p:ph type="body" idx="1"/>
           </p:nvPr>
         </p:nvSpPr>
-        <p:spPr>
-          <a:noFill/>
-          <a:ln/>
-        </p:spPr>
+        <p:spPr/>
         <p:txBody>
           <a:bodyPr/>
           <a:lstStyle/>
           <a:p>
-            <a:r>
-              <a:rPr lang="en-US" dirty="0"/>
-              <a:t>Update before editing or committing to make sure you don't get out of sync with changes made by others (like your instructor, or later your teammates).</a:t>
-            </a:r>
-          </a:p>
-        </p:txBody>
-      </p:sp>
-      <p:sp>
-        <p:nvSpPr>
-          <p:cNvPr id="55300" name="Slide Number Placeholder 3"/>
+            <a:endParaRPr lang="en-US" dirty="0"/>
+          </a:p>
+        </p:txBody>
+      </p:sp>
+      <p:sp>
+        <p:nvSpPr>
+          <p:cNvPr id="4" name="Slide Number Placeholder 3"/>
           <p:cNvSpPr>
             <a:spLocks noGrp="1"/>
           </p:cNvSpPr>
           <p:nvPr>
-            <p:ph type="sldNum" sz="quarter" idx="5"/>
+            <p:ph type="sldNum" sz="quarter" idx="10"/>
           </p:nvPr>
         </p:nvSpPr>
-        <p:spPr>
-          <a:noFill/>
-        </p:spPr>
+        <p:spPr/>
         <p:txBody>
           <a:bodyPr/>
           <a:lstStyle/>
           <a:p>
-            <a:pPr defTabSz="895166"/>
-            <a:fld id="{4FEA20DD-5B5F-4539-9BED-2B1FCD514924}" type="slidenum">
+            <a:fld id="{AC522A93-4968-4B29-BB16-64A778254383}" type="slidenum">
               <a:rPr lang="en-US" smtClean="0"/>
-              <a:pPr defTabSz="895166"/>
-              <a:t>16</a:t>
+              <a:t>11</a:t>
             </a:fld>
             <a:endParaRPr lang="en-US"/>
           </a:p>
@@ -906,7 +906,7 @@
     </p:spTree>
     <p:extLst>
       <p:ext uri="{BB962C8B-B14F-4D97-AF65-F5344CB8AC3E}">
-        <p14:creationId xmlns:p14="http://schemas.microsoft.com/office/powerpoint/2010/main" val="3609165513"/>
+        <p14:creationId xmlns:p14="http://schemas.microsoft.com/office/powerpoint/2010/main" val="3046566206"/>
       </p:ext>
     </p:extLst>
   </p:cSld>
@@ -1010,7 +1010,7 @@
     </p:spTree>
     <p:extLst>
       <p:ext uri="{BB962C8B-B14F-4D97-AF65-F5344CB8AC3E}">
-        <p14:creationId xmlns:p14="http://schemas.microsoft.com/office/powerpoint/2010/main" val="2857640000"/>
+        <p14:creationId xmlns:p14="http://schemas.microsoft.com/office/powerpoint/2010/main" val="3609165513"/>
       </p:ext>
     </p:extLst>
   </p:cSld>
@@ -1151,7 +1151,7 @@
           <a:p>
             <a:fld id="{846CE7D5-CF57-46EF-B807-FDD0502418D4}" type="datetimeFigureOut">
               <a:rPr lang="en-US" smtClean="0"/>
-              <a:t>1/29/2023</a:t>
+              <a:t>5/4/2025</a:t>
             </a:fld>
             <a:endParaRPr lang="en-US"/>
           </a:p>
@@ -1321,7 +1321,7 @@
           <a:p>
             <a:fld id="{846CE7D5-CF57-46EF-B807-FDD0502418D4}" type="datetimeFigureOut">
               <a:rPr lang="en-US" smtClean="0"/>
-              <a:t>1/29/2023</a:t>
+              <a:t>5/4/2025</a:t>
             </a:fld>
             <a:endParaRPr lang="en-US"/>
           </a:p>
@@ -1501,7 +1501,7 @@
           <a:p>
             <a:fld id="{846CE7D5-CF57-46EF-B807-FDD0502418D4}" type="datetimeFigureOut">
               <a:rPr lang="en-US" smtClean="0"/>
-              <a:t>1/29/2023</a:t>
+              <a:t>5/4/2025</a:t>
             </a:fld>
             <a:endParaRPr lang="en-US"/>
           </a:p>
@@ -1671,7 +1671,7 @@
           <a:p>
             <a:fld id="{846CE7D5-CF57-46EF-B807-FDD0502418D4}" type="datetimeFigureOut">
               <a:rPr lang="en-US" smtClean="0"/>
-              <a:t>1/29/2023</a:t>
+              <a:t>5/4/2025</a:t>
             </a:fld>
             <a:endParaRPr lang="en-US"/>
           </a:p>
@@ -1917,7 +1917,7 @@
           <a:p>
             <a:fld id="{846CE7D5-CF57-46EF-B807-FDD0502418D4}" type="datetimeFigureOut">
               <a:rPr lang="en-US" smtClean="0"/>
-              <a:t>1/29/2023</a:t>
+              <a:t>5/4/2025</a:t>
             </a:fld>
             <a:endParaRPr lang="en-US"/>
           </a:p>
@@ -2149,7 +2149,7 @@
           <a:p>
             <a:fld id="{846CE7D5-CF57-46EF-B807-FDD0502418D4}" type="datetimeFigureOut">
               <a:rPr lang="en-US" smtClean="0"/>
-              <a:t>1/29/2023</a:t>
+              <a:t>5/4/2025</a:t>
             </a:fld>
             <a:endParaRPr lang="en-US"/>
           </a:p>
@@ -2516,7 +2516,7 @@
           <a:p>
             <a:fld id="{846CE7D5-CF57-46EF-B807-FDD0502418D4}" type="datetimeFigureOut">
               <a:rPr lang="en-US" smtClean="0"/>
-              <a:t>1/29/2023</a:t>
+              <a:t>5/4/2025</a:t>
             </a:fld>
             <a:endParaRPr lang="en-US"/>
           </a:p>
@@ -2634,7 +2634,7 @@
           <a:p>
             <a:fld id="{846CE7D5-CF57-46EF-B807-FDD0502418D4}" type="datetimeFigureOut">
               <a:rPr lang="en-US" smtClean="0"/>
-              <a:t>1/29/2023</a:t>
+              <a:t>5/4/2025</a:t>
             </a:fld>
             <a:endParaRPr lang="en-US"/>
           </a:p>
@@ -2729,7 +2729,7 @@
           <a:p>
             <a:fld id="{846CE7D5-CF57-46EF-B807-FDD0502418D4}" type="datetimeFigureOut">
               <a:rPr lang="en-US" smtClean="0"/>
-              <a:t>1/29/2023</a:t>
+              <a:t>5/4/2025</a:t>
             </a:fld>
             <a:endParaRPr lang="en-US"/>
           </a:p>
@@ -3006,7 +3006,7 @@
           <a:p>
             <a:fld id="{846CE7D5-CF57-46EF-B807-FDD0502418D4}" type="datetimeFigureOut">
               <a:rPr lang="en-US" smtClean="0"/>
-              <a:t>1/29/2023</a:t>
+              <a:t>5/4/2025</a:t>
             </a:fld>
             <a:endParaRPr lang="en-US"/>
           </a:p>
@@ -3263,7 +3263,7 @@
           <a:p>
             <a:fld id="{846CE7D5-CF57-46EF-B807-FDD0502418D4}" type="datetimeFigureOut">
               <a:rPr lang="en-US" smtClean="0"/>
-              <a:t>1/29/2023</a:t>
+              <a:t>5/4/2025</a:t>
             </a:fld>
             <a:endParaRPr lang="en-US"/>
           </a:p>
@@ -3476,7 +3476,7 @@
           <a:p>
             <a:fld id="{846CE7D5-CF57-46EF-B807-FDD0502418D4}" type="datetimeFigureOut">
               <a:rPr lang="en-US" smtClean="0"/>
-              <a:t>1/29/2023</a:t>
+              <a:t>5/4/2025</a:t>
             </a:fld>
             <a:endParaRPr lang="en-US"/>
           </a:p>
@@ -3926,7 +3926,7 @@
           <a:p>
             <a:r>
               <a:rPr lang="en-US" strike="sngStrike" dirty="0"/>
-              <a:t>Driver, Navigator, Reviewer Role (Teams of 3)</a:t>
+              <a:t>Tester, Reviewer, Navigator, Driver Roles (Teams of 3-4)</a:t>
             </a:r>
           </a:p>
           <a:p>
@@ -4580,6 +4580,638 @@
       </p:grpSpPr>
       <p:sp>
         <p:nvSpPr>
+          <p:cNvPr id="2" name="Title 1"/>
+          <p:cNvSpPr>
+            <a:spLocks noGrp="1"/>
+          </p:cNvSpPr>
+          <p:nvPr>
+            <p:ph type="title"/>
+          </p:nvPr>
+        </p:nvSpPr>
+        <p:spPr/>
+        <p:txBody>
+          <a:bodyPr>
+            <a:normAutofit/>
+          </a:bodyPr>
+          <a:lstStyle/>
+          <a:p>
+            <a:r>
+              <a:rPr lang="en-US" sz="3800" dirty="0"/>
+              <a:t>What if Two+ People Edit the Same Code?</a:t>
+            </a:r>
+          </a:p>
+        </p:txBody>
+      </p:sp>
+      <p:sp>
+        <p:nvSpPr>
+          <p:cNvPr id="4" name="Rectangle 3"/>
+          <p:cNvSpPr/>
+          <p:nvPr/>
+        </p:nvSpPr>
+        <p:spPr>
+          <a:xfrm>
+            <a:off x="3886200" y="2758440"/>
+            <a:ext cx="1392936" cy="685800"/>
+          </a:xfrm>
+          <a:prstGeom prst="rect">
+            <a:avLst/>
+          </a:prstGeom>
+        </p:spPr>
+        <p:style>
+          <a:lnRef idx="2">
+            <a:schemeClr val="accent1">
+              <a:shade val="50000"/>
+            </a:schemeClr>
+          </a:lnRef>
+          <a:fillRef idx="1">
+            <a:schemeClr val="accent1"/>
+          </a:fillRef>
+          <a:effectRef idx="0">
+            <a:schemeClr val="accent1"/>
+          </a:effectRef>
+          <a:fontRef idx="minor">
+            <a:schemeClr val="lt1"/>
+          </a:fontRef>
+        </p:style>
+        <p:txBody>
+          <a:bodyPr rtlCol="0" anchor="ctr"/>
+          <a:lstStyle/>
+          <a:p>
+            <a:pPr algn="ctr"/>
+            <a:r>
+              <a:rPr lang="en-US" dirty="0"/>
+              <a:t>Alice edits </a:t>
+            </a:r>
+            <a:r>
+              <a:rPr lang="en-US" dirty="0" err="1"/>
+              <a:t>sqrt</a:t>
+            </a:r>
+            <a:r>
+              <a:rPr lang="en-US" dirty="0"/>
+              <a:t> method</a:t>
+            </a:r>
+          </a:p>
+        </p:txBody>
+      </p:sp>
+      <p:sp>
+        <p:nvSpPr>
+          <p:cNvPr id="6" name="Rectangle 5"/>
+          <p:cNvSpPr/>
+          <p:nvPr/>
+        </p:nvSpPr>
+        <p:spPr>
+          <a:xfrm>
+            <a:off x="5279136" y="1295400"/>
+            <a:ext cx="1219200" cy="685800"/>
+          </a:xfrm>
+          <a:prstGeom prst="rect">
+            <a:avLst/>
+          </a:prstGeom>
+        </p:spPr>
+        <p:style>
+          <a:lnRef idx="2">
+            <a:schemeClr val="accent1">
+              <a:shade val="50000"/>
+            </a:schemeClr>
+          </a:lnRef>
+          <a:fillRef idx="1">
+            <a:schemeClr val="accent1"/>
+          </a:fillRef>
+          <a:effectRef idx="0">
+            <a:schemeClr val="accent1"/>
+          </a:effectRef>
+          <a:fontRef idx="minor">
+            <a:schemeClr val="lt1"/>
+          </a:fontRef>
+        </p:style>
+        <p:txBody>
+          <a:bodyPr rtlCol="0" anchor="ctr"/>
+          <a:lstStyle/>
+          <a:p>
+            <a:pPr algn="ctr"/>
+            <a:r>
+              <a:rPr lang="en-US" dirty="0"/>
+              <a:t>Math.java</a:t>
+            </a:r>
+          </a:p>
+        </p:txBody>
+      </p:sp>
+      <p:sp>
+        <p:nvSpPr>
+          <p:cNvPr id="7" name="Rectangle 6"/>
+          <p:cNvSpPr/>
+          <p:nvPr/>
+        </p:nvSpPr>
+        <p:spPr>
+          <a:xfrm>
+            <a:off x="6498336" y="2819400"/>
+            <a:ext cx="1392936" cy="685800"/>
+          </a:xfrm>
+          <a:prstGeom prst="rect">
+            <a:avLst/>
+          </a:prstGeom>
+        </p:spPr>
+        <p:style>
+          <a:lnRef idx="2">
+            <a:schemeClr val="accent1">
+              <a:shade val="50000"/>
+            </a:schemeClr>
+          </a:lnRef>
+          <a:fillRef idx="1">
+            <a:schemeClr val="accent1"/>
+          </a:fillRef>
+          <a:effectRef idx="0">
+            <a:schemeClr val="accent1"/>
+          </a:effectRef>
+          <a:fontRef idx="minor">
+            <a:schemeClr val="lt1"/>
+          </a:fontRef>
+        </p:style>
+        <p:txBody>
+          <a:bodyPr rtlCol="0" anchor="ctr"/>
+          <a:lstStyle/>
+          <a:p>
+            <a:pPr algn="ctr"/>
+            <a:r>
+              <a:rPr lang="en-US" dirty="0"/>
+              <a:t>Bob edits </a:t>
+            </a:r>
+            <a:r>
+              <a:rPr lang="en-US" dirty="0" err="1"/>
+              <a:t>sqrt</a:t>
+            </a:r>
+            <a:r>
+              <a:rPr lang="en-US" dirty="0"/>
+              <a:t> method</a:t>
+            </a:r>
+          </a:p>
+        </p:txBody>
+      </p:sp>
+      <p:sp>
+        <p:nvSpPr>
+          <p:cNvPr id="8" name="Rectangle 7"/>
+          <p:cNvSpPr/>
+          <p:nvPr/>
+        </p:nvSpPr>
+        <p:spPr>
+          <a:xfrm>
+            <a:off x="3782568" y="4000500"/>
+            <a:ext cx="1600200" cy="807720"/>
+          </a:xfrm>
+          <a:prstGeom prst="rect">
+            <a:avLst/>
+          </a:prstGeom>
+        </p:spPr>
+        <p:style>
+          <a:lnRef idx="2">
+            <a:schemeClr val="accent1">
+              <a:shade val="50000"/>
+            </a:schemeClr>
+          </a:lnRef>
+          <a:fillRef idx="1">
+            <a:schemeClr val="accent1"/>
+          </a:fillRef>
+          <a:effectRef idx="0">
+            <a:schemeClr val="accent1"/>
+          </a:effectRef>
+          <a:fontRef idx="minor">
+            <a:schemeClr val="lt1"/>
+          </a:fontRef>
+        </p:style>
+        <p:txBody>
+          <a:bodyPr rtlCol="0" anchor="ctr"/>
+          <a:lstStyle/>
+          <a:p>
+            <a:pPr algn="ctr"/>
+            <a:r>
+              <a:rPr lang="en-US" dirty="0"/>
+              <a:t>Alice commits and pushes changes</a:t>
+            </a:r>
+          </a:p>
+        </p:txBody>
+      </p:sp>
+      <p:sp>
+        <p:nvSpPr>
+          <p:cNvPr id="9" name="Rectangle 8"/>
+          <p:cNvSpPr/>
+          <p:nvPr/>
+        </p:nvSpPr>
+        <p:spPr>
+          <a:xfrm>
+            <a:off x="7413342" y="3951469"/>
+            <a:ext cx="1725168" cy="798147"/>
+          </a:xfrm>
+          <a:prstGeom prst="rect">
+            <a:avLst/>
+          </a:prstGeom>
+        </p:spPr>
+        <p:style>
+          <a:lnRef idx="2">
+            <a:schemeClr val="accent1">
+              <a:shade val="50000"/>
+            </a:schemeClr>
+          </a:lnRef>
+          <a:fillRef idx="1">
+            <a:schemeClr val="accent1"/>
+          </a:fillRef>
+          <a:effectRef idx="0">
+            <a:schemeClr val="accent1"/>
+          </a:effectRef>
+          <a:fontRef idx="minor">
+            <a:schemeClr val="lt1"/>
+          </a:fontRef>
+        </p:style>
+        <p:txBody>
+          <a:bodyPr rtlCol="0" anchor="ctr"/>
+          <a:lstStyle/>
+          <a:p>
+            <a:pPr algn="ctr"/>
+            <a:r>
+              <a:rPr lang="en-US" dirty="0"/>
+              <a:t>Bob attempts to commit and push changes</a:t>
+            </a:r>
+          </a:p>
+        </p:txBody>
+      </p:sp>
+      <p:cxnSp>
+        <p:nvCxnSpPr>
+          <p:cNvPr id="11" name="Straight Arrow Connector 10"/>
+          <p:cNvCxnSpPr>
+            <a:stCxn id="6" idx="2"/>
+            <a:endCxn id="7" idx="0"/>
+          </p:cNvCxnSpPr>
+          <p:nvPr/>
+        </p:nvCxnSpPr>
+        <p:spPr>
+          <a:xfrm>
+            <a:off x="5888736" y="1981200"/>
+            <a:ext cx="1306068" cy="838200"/>
+          </a:xfrm>
+          <a:prstGeom prst="straightConnector1">
+            <a:avLst/>
+          </a:prstGeom>
+          <a:ln>
+            <a:tailEnd type="triangle"/>
+          </a:ln>
+        </p:spPr>
+        <p:style>
+          <a:lnRef idx="1">
+            <a:schemeClr val="accent1"/>
+          </a:lnRef>
+          <a:fillRef idx="0">
+            <a:schemeClr val="accent1"/>
+          </a:fillRef>
+          <a:effectRef idx="0">
+            <a:schemeClr val="accent1"/>
+          </a:effectRef>
+          <a:fontRef idx="minor">
+            <a:schemeClr val="tx1"/>
+          </a:fontRef>
+        </p:style>
+      </p:cxnSp>
+      <p:cxnSp>
+        <p:nvCxnSpPr>
+          <p:cNvPr id="13" name="Straight Arrow Connector 12"/>
+          <p:cNvCxnSpPr>
+            <a:stCxn id="6" idx="2"/>
+            <a:endCxn id="4" idx="0"/>
+          </p:cNvCxnSpPr>
+          <p:nvPr/>
+        </p:nvCxnSpPr>
+        <p:spPr>
+          <a:xfrm flipH="1">
+            <a:off x="4582668" y="1981200"/>
+            <a:ext cx="1306068" cy="777240"/>
+          </a:xfrm>
+          <a:prstGeom prst="straightConnector1">
+            <a:avLst/>
+          </a:prstGeom>
+          <a:ln>
+            <a:tailEnd type="triangle"/>
+          </a:ln>
+        </p:spPr>
+        <p:style>
+          <a:lnRef idx="1">
+            <a:schemeClr val="accent1"/>
+          </a:lnRef>
+          <a:fillRef idx="0">
+            <a:schemeClr val="accent1"/>
+          </a:fillRef>
+          <a:effectRef idx="0">
+            <a:schemeClr val="accent1"/>
+          </a:effectRef>
+          <a:fontRef idx="minor">
+            <a:schemeClr val="tx1"/>
+          </a:fontRef>
+        </p:style>
+      </p:cxnSp>
+      <p:cxnSp>
+        <p:nvCxnSpPr>
+          <p:cNvPr id="15" name="Straight Arrow Connector 14"/>
+          <p:cNvCxnSpPr>
+            <a:stCxn id="4" idx="2"/>
+            <a:endCxn id="8" idx="0"/>
+          </p:cNvCxnSpPr>
+          <p:nvPr/>
+        </p:nvCxnSpPr>
+        <p:spPr>
+          <a:xfrm>
+            <a:off x="4582668" y="3444240"/>
+            <a:ext cx="0" cy="556260"/>
+          </a:xfrm>
+          <a:prstGeom prst="straightConnector1">
+            <a:avLst/>
+          </a:prstGeom>
+          <a:ln>
+            <a:tailEnd type="triangle"/>
+          </a:ln>
+        </p:spPr>
+        <p:style>
+          <a:lnRef idx="1">
+            <a:schemeClr val="accent1"/>
+          </a:lnRef>
+          <a:fillRef idx="0">
+            <a:schemeClr val="accent1"/>
+          </a:fillRef>
+          <a:effectRef idx="0">
+            <a:schemeClr val="accent1"/>
+          </a:effectRef>
+          <a:fontRef idx="minor">
+            <a:schemeClr val="tx1"/>
+          </a:fontRef>
+        </p:style>
+      </p:cxnSp>
+      <p:cxnSp>
+        <p:nvCxnSpPr>
+          <p:cNvPr id="17" name="Straight Arrow Connector 16"/>
+          <p:cNvCxnSpPr>
+            <a:stCxn id="7" idx="2"/>
+            <a:endCxn id="9" idx="0"/>
+          </p:cNvCxnSpPr>
+          <p:nvPr/>
+        </p:nvCxnSpPr>
+        <p:spPr>
+          <a:xfrm>
+            <a:off x="7194804" y="3505200"/>
+            <a:ext cx="1081122" cy="446270"/>
+          </a:xfrm>
+          <a:prstGeom prst="straightConnector1">
+            <a:avLst/>
+          </a:prstGeom>
+          <a:ln>
+            <a:tailEnd type="triangle"/>
+          </a:ln>
+        </p:spPr>
+        <p:style>
+          <a:lnRef idx="1">
+            <a:schemeClr val="accent1"/>
+          </a:lnRef>
+          <a:fillRef idx="0">
+            <a:schemeClr val="accent1"/>
+          </a:fillRef>
+          <a:effectRef idx="0">
+            <a:schemeClr val="accent1"/>
+          </a:effectRef>
+          <a:fontRef idx="minor">
+            <a:schemeClr val="tx1"/>
+          </a:fontRef>
+        </p:style>
+      </p:cxnSp>
+      <p:sp>
+        <p:nvSpPr>
+          <p:cNvPr id="18" name="TextBox 17"/>
+          <p:cNvSpPr txBox="1"/>
+          <p:nvPr/>
+        </p:nvSpPr>
+        <p:spPr>
+          <a:xfrm>
+            <a:off x="8153400" y="4897166"/>
+            <a:ext cx="1060098" cy="461665"/>
+          </a:xfrm>
+          <a:prstGeom prst="rect">
+            <a:avLst/>
+          </a:prstGeom>
+          <a:solidFill>
+            <a:schemeClr val="bg1"/>
+          </a:solidFill>
+        </p:spPr>
+        <p:txBody>
+          <a:bodyPr wrap="none" rtlCol="0">
+            <a:spAutoFit/>
+          </a:bodyPr>
+          <a:lstStyle/>
+          <a:p>
+            <a:r>
+              <a:rPr lang="en-US" sz="2400" b="1" dirty="0">
+                <a:solidFill>
+                  <a:srgbClr val="FF0000"/>
+                </a:solidFill>
+              </a:rPr>
+              <a:t>ERROR</a:t>
+            </a:r>
+          </a:p>
+        </p:txBody>
+      </p:sp>
+      <p:sp>
+        <p:nvSpPr>
+          <p:cNvPr id="22" name="Rectangle 21"/>
+          <p:cNvSpPr/>
+          <p:nvPr/>
+        </p:nvSpPr>
+        <p:spPr>
+          <a:xfrm>
+            <a:off x="4800600" y="5585460"/>
+            <a:ext cx="1600200" cy="685800"/>
+          </a:xfrm>
+          <a:prstGeom prst="rect">
+            <a:avLst/>
+          </a:prstGeom>
+        </p:spPr>
+        <p:style>
+          <a:lnRef idx="2">
+            <a:schemeClr val="accent1">
+              <a:shade val="50000"/>
+            </a:schemeClr>
+          </a:lnRef>
+          <a:fillRef idx="1">
+            <a:schemeClr val="accent1"/>
+          </a:fillRef>
+          <a:effectRef idx="0">
+            <a:schemeClr val="accent1"/>
+          </a:effectRef>
+          <a:fontRef idx="minor">
+            <a:schemeClr val="lt1"/>
+          </a:fontRef>
+        </p:style>
+        <p:txBody>
+          <a:bodyPr rtlCol="0" anchor="ctr"/>
+          <a:lstStyle/>
+          <a:p>
+            <a:pPr algn="ctr"/>
+            <a:r>
+              <a:rPr lang="en-US" dirty="0"/>
+              <a:t>Updated Math.java</a:t>
+            </a:r>
+          </a:p>
+        </p:txBody>
+      </p:sp>
+      <p:cxnSp>
+        <p:nvCxnSpPr>
+          <p:cNvPr id="24" name="Straight Arrow Connector 23"/>
+          <p:cNvCxnSpPr>
+            <a:stCxn id="8" idx="2"/>
+            <a:endCxn id="22" idx="0"/>
+          </p:cNvCxnSpPr>
+          <p:nvPr/>
+        </p:nvCxnSpPr>
+        <p:spPr>
+          <a:xfrm>
+            <a:off x="4582668" y="4808220"/>
+            <a:ext cx="1018032" cy="777240"/>
+          </a:xfrm>
+          <a:prstGeom prst="straightConnector1">
+            <a:avLst/>
+          </a:prstGeom>
+          <a:ln>
+            <a:tailEnd type="triangle"/>
+          </a:ln>
+        </p:spPr>
+        <p:style>
+          <a:lnRef idx="1">
+            <a:schemeClr val="accent1"/>
+          </a:lnRef>
+          <a:fillRef idx="0">
+            <a:schemeClr val="accent1"/>
+          </a:fillRef>
+          <a:effectRef idx="0">
+            <a:schemeClr val="accent1"/>
+          </a:effectRef>
+          <a:fontRef idx="minor">
+            <a:schemeClr val="tx1"/>
+          </a:fontRef>
+        </p:style>
+      </p:cxnSp>
+      <p:cxnSp>
+        <p:nvCxnSpPr>
+          <p:cNvPr id="26" name="Straight Arrow Connector 25"/>
+          <p:cNvCxnSpPr>
+            <a:stCxn id="9" idx="2"/>
+            <a:endCxn id="18" idx="0"/>
+          </p:cNvCxnSpPr>
+          <p:nvPr/>
+        </p:nvCxnSpPr>
+        <p:spPr>
+          <a:xfrm>
+            <a:off x="8275926" y="4749616"/>
+            <a:ext cx="407523" cy="147550"/>
+          </a:xfrm>
+          <a:prstGeom prst="straightConnector1">
+            <a:avLst/>
+          </a:prstGeom>
+          <a:ln>
+            <a:tailEnd type="triangle"/>
+          </a:ln>
+        </p:spPr>
+        <p:style>
+          <a:lnRef idx="1">
+            <a:schemeClr val="accent1"/>
+          </a:lnRef>
+          <a:fillRef idx="0">
+            <a:schemeClr val="accent1"/>
+          </a:fillRef>
+          <a:effectRef idx="0">
+            <a:schemeClr val="accent1"/>
+          </a:effectRef>
+          <a:fontRef idx="minor">
+            <a:schemeClr val="tx1"/>
+          </a:fontRef>
+        </p:style>
+      </p:cxnSp>
+      <p:sp>
+        <p:nvSpPr>
+          <p:cNvPr id="30" name="TextBox 29"/>
+          <p:cNvSpPr txBox="1"/>
+          <p:nvPr/>
+        </p:nvSpPr>
+        <p:spPr>
+          <a:xfrm>
+            <a:off x="7194804" y="5328195"/>
+            <a:ext cx="3224794" cy="1477328"/>
+          </a:xfrm>
+          <a:prstGeom prst="rect">
+            <a:avLst/>
+          </a:prstGeom>
+          <a:noFill/>
+        </p:spPr>
+        <p:txBody>
+          <a:bodyPr wrap="none" rtlCol="0">
+            <a:spAutoFit/>
+          </a:bodyPr>
+          <a:lstStyle/>
+          <a:p>
+            <a:r>
+              <a:rPr lang="en-US" dirty="0"/>
+              <a:t>Source control system cannot </a:t>
+            </a:r>
+          </a:p>
+          <a:p>
+            <a:r>
+              <a:rPr lang="en-US" dirty="0"/>
+              <a:t>resolve multiple changes on the </a:t>
+            </a:r>
+          </a:p>
+          <a:p>
+            <a:r>
+              <a:rPr lang="en-US" dirty="0"/>
+              <a:t>same code, Bob should have </a:t>
+            </a:r>
+          </a:p>
+          <a:p>
+            <a:r>
+              <a:rPr lang="en-US" dirty="0"/>
+              <a:t>updated and resolved conflicts</a:t>
+            </a:r>
+          </a:p>
+          <a:p>
+            <a:r>
+              <a:rPr lang="en-US" dirty="0"/>
+              <a:t>before committing.</a:t>
+            </a:r>
+          </a:p>
+        </p:txBody>
+      </p:sp>
+    </p:spTree>
+    <p:extLst>
+      <p:ext uri="{BB962C8B-B14F-4D97-AF65-F5344CB8AC3E}">
+        <p14:creationId xmlns:p14="http://schemas.microsoft.com/office/powerpoint/2010/main" val="4265926495"/>
+      </p:ext>
+    </p:extLst>
+  </p:cSld>
+  <p:clrMapOvr>
+    <a:masterClrMapping/>
+  </p:clrMapOvr>
+</p:sld>
+</file>
+
+<file path=ppt/slides/slide12.xml><?xml version="1.0" encoding="utf-8"?>
+<p:sld xmlns:a="http://schemas.openxmlformats.org/drawingml/2006/main" xmlns:r="http://schemas.openxmlformats.org/officeDocument/2006/relationships" xmlns:p="http://schemas.openxmlformats.org/presentationml/2006/main">
+  <p:cSld>
+    <p:spTree>
+      <p:nvGrpSpPr>
+        <p:cNvPr id="1" name=""/>
+        <p:cNvGrpSpPr/>
+        <p:nvPr/>
+      </p:nvGrpSpPr>
+      <p:grpSpPr>
+        <a:xfrm>
+          <a:off x="0" y="0"/>
+          <a:ext cx="0" cy="0"/>
+          <a:chOff x="0" y="0"/>
+          <a:chExt cx="0" cy="0"/>
+        </a:xfrm>
+      </p:grpSpPr>
+      <p:sp>
+        <p:nvSpPr>
           <p:cNvPr id="2" name="Title 1">
             <a:extLst>
               <a:ext uri="{FF2B5EF4-FFF2-40B4-BE49-F238E27FC236}">
@@ -4780,7 +5412,7 @@
 </p:sld>
 </file>
 
-<file path=ppt/slides/slide12.xml><?xml version="1.0" encoding="utf-8"?>
+<file path=ppt/slides/slide13.xml><?xml version="1.0" encoding="utf-8"?>
 <p:sld xmlns:a="http://schemas.openxmlformats.org/drawingml/2006/main" xmlns:r="http://schemas.openxmlformats.org/officeDocument/2006/relationships" xmlns:p="http://schemas.openxmlformats.org/presentationml/2006/main">
   <p:cSld>
     <p:spTree>
@@ -5265,134 +5897,6 @@
 </p:sld>
 </file>
 
-<file path=ppt/slides/slide13.xml><?xml version="1.0" encoding="utf-8"?>
-<p:sld xmlns:a="http://schemas.openxmlformats.org/drawingml/2006/main" xmlns:r="http://schemas.openxmlformats.org/officeDocument/2006/relationships" xmlns:p="http://schemas.openxmlformats.org/presentationml/2006/main">
-  <p:cSld>
-    <p:spTree>
-      <p:nvGrpSpPr>
-        <p:cNvPr id="1" name=""/>
-        <p:cNvGrpSpPr/>
-        <p:nvPr/>
-      </p:nvGrpSpPr>
-      <p:grpSpPr>
-        <a:xfrm>
-          <a:off x="0" y="0"/>
-          <a:ext cx="0" cy="0"/>
-          <a:chOff x="0" y="0"/>
-          <a:chExt cx="0" cy="0"/>
-        </a:xfrm>
-      </p:grpSpPr>
-      <p:sp>
-        <p:nvSpPr>
-          <p:cNvPr id="2" name="Title 1">
-            <a:extLst>
-              <a:ext uri="{FF2B5EF4-FFF2-40B4-BE49-F238E27FC236}">
-                <a16:creationId xmlns:a16="http://schemas.microsoft.com/office/drawing/2014/main" id="{F46749E6-6E01-4D3B-A111-E4E77DE1628A}"/>
-              </a:ext>
-            </a:extLst>
-          </p:cNvPr>
-          <p:cNvSpPr>
-            <a:spLocks noGrp="1"/>
-          </p:cNvSpPr>
-          <p:nvPr>
-            <p:ph type="title"/>
-          </p:nvPr>
-        </p:nvSpPr>
-        <p:spPr/>
-        <p:txBody>
-          <a:bodyPr/>
-          <a:lstStyle/>
-          <a:p>
-            <a:r>
-              <a:rPr lang="en-US" dirty="0">
-                <a:cs typeface="Calibri Light"/>
-              </a:rPr>
-              <a:t>To Reduce the Occurrence of Conflicts</a:t>
-            </a:r>
-          </a:p>
-        </p:txBody>
-      </p:sp>
-      <p:sp>
-        <p:nvSpPr>
-          <p:cNvPr id="3" name="Content Placeholder 2">
-            <a:extLst>
-              <a:ext uri="{FF2B5EF4-FFF2-40B4-BE49-F238E27FC236}">
-                <a16:creationId xmlns:a16="http://schemas.microsoft.com/office/drawing/2014/main" id="{06B07C55-FA2D-4492-8512-07DA95D10A23}"/>
-              </a:ext>
-            </a:extLst>
-          </p:cNvPr>
-          <p:cNvSpPr>
-            <a:spLocks noGrp="1"/>
-          </p:cNvSpPr>
-          <p:nvPr>
-            <p:ph idx="1"/>
-          </p:nvPr>
-        </p:nvSpPr>
-        <p:spPr/>
-        <p:txBody>
-          <a:bodyPr vert="horz" lIns="91440" tIns="45720" rIns="91440" bIns="45720" rtlCol="0" anchor="t">
-            <a:normAutofit/>
-          </a:bodyPr>
-          <a:lstStyle/>
-          <a:p>
-            <a:r>
-              <a:rPr lang="en-US" dirty="0">
-                <a:cs typeface="Calibri"/>
-              </a:rPr>
-              <a:t>Always PULL before you begin coding</a:t>
-            </a:r>
-          </a:p>
-          <a:p>
-            <a:r>
-              <a:rPr lang="en-US" dirty="0">
-                <a:cs typeface="Calibri"/>
-              </a:rPr>
-              <a:t>Quickly COMMIT-&gt;PULL-&gt;PUSH after you finish</a:t>
-            </a:r>
-          </a:p>
-          <a:p>
-            <a:r>
-              <a:rPr lang="en-US" dirty="0">
-                <a:cs typeface="Calibri"/>
-              </a:rPr>
-              <a:t>Pair program so each member of the team is not  modifying the same code in two DIFFERENT local copies at the same time</a:t>
-            </a:r>
-          </a:p>
-          <a:p>
-            <a:r>
-              <a:rPr lang="en-US" dirty="0">
-                <a:hlinkClick r:id="rId2"/>
-              </a:rPr>
-              <a:t>https://www.codetogether.com/</a:t>
-            </a:r>
-            <a:r>
-              <a:rPr lang="en-US" dirty="0"/>
-              <a:t> Eclipse plugin allows you to both edit, but it is only linked to ONE local set of files.</a:t>
-            </a:r>
-            <a:endParaRPr lang="en-US" dirty="0">
-              <a:cs typeface="Calibri"/>
-            </a:endParaRPr>
-          </a:p>
-          <a:p>
-            <a:endParaRPr lang="en-US" dirty="0">
-              <a:cs typeface="Calibri"/>
-            </a:endParaRPr>
-          </a:p>
-        </p:txBody>
-      </p:sp>
-    </p:spTree>
-    <p:extLst>
-      <p:ext uri="{BB962C8B-B14F-4D97-AF65-F5344CB8AC3E}">
-        <p14:creationId xmlns:p14="http://schemas.microsoft.com/office/powerpoint/2010/main" val="2696005012"/>
-      </p:ext>
-    </p:extLst>
-  </p:cSld>
-  <p:clrMapOvr>
-    <a:masterClrMapping/>
-  </p:clrMapOvr>
-</p:sld>
-</file>
-
 <file path=ppt/slides/slide14.xml><?xml version="1.0" encoding="utf-8"?>
 <p:sld xmlns:a="http://schemas.openxmlformats.org/drawingml/2006/main" xmlns:r="http://schemas.openxmlformats.org/officeDocument/2006/relationships" xmlns:p="http://schemas.openxmlformats.org/presentationml/2006/main">
   <p:cSld>
@@ -5426,33 +5930,17 @@
             <p:ph type="title"/>
           </p:nvPr>
         </p:nvSpPr>
-        <p:spPr>
-          <a:xfrm>
-            <a:off x="838200" y="97106"/>
-            <a:ext cx="10515600" cy="1325563"/>
-          </a:xfrm>
-        </p:spPr>
+        <p:spPr/>
         <p:txBody>
           <a:bodyPr/>
           <a:lstStyle/>
           <a:p>
-            <a:r>
-              <a:rPr lang="en-US" dirty="0" err="1">
-                <a:cs typeface="Calibri Light"/>
-                <a:hlinkClick r:id="rId2"/>
-              </a:rPr>
-              <a:t>Git</a:t>
-            </a:r>
             <a:r>
               <a:rPr lang="en-US" dirty="0">
                 <a:cs typeface="Calibri Light"/>
-                <a:hlinkClick r:id="rId2"/>
               </a:rPr>
-              <a:t> Problem Resolution Guide</a:t>
-            </a:r>
-            <a:endParaRPr lang="en-US" dirty="0">
-              <a:cs typeface="Calibri Light"/>
-            </a:endParaRPr>
+              <a:t>To Reduce the Occurrence of Conflicts</a:t>
+            </a:r>
           </a:p>
         </p:txBody>
       </p:sp>
@@ -5472,177 +5960,46 @@
             <p:ph idx="1"/>
           </p:nvPr>
         </p:nvSpPr>
-        <p:spPr>
-          <a:xfrm>
-            <a:off x="92990" y="1422669"/>
-            <a:ext cx="12099009" cy="4351338"/>
-          </a:xfrm>
-        </p:spPr>
+        <p:spPr/>
         <p:txBody>
           <a:bodyPr vert="horz" lIns="91440" tIns="45720" rIns="91440" bIns="45720" rtlCol="0" anchor="t">
-            <a:normAutofit lnSpcReduction="10000"/>
+            <a:normAutofit/>
           </a:bodyPr>
           <a:lstStyle/>
           <a:p>
-            <a:pPr marL="514350" indent="-514350" fontAlgn="base">
-              <a:buFont typeface="+mj-lt"/>
-              <a:buAutoNum type="arabicPeriod"/>
-            </a:pPr>
-            <a:r>
-              <a:rPr lang="en-US" dirty="0"/>
-              <a:t>How to update to latest version of code </a:t>
-            </a:r>
-            <a:r>
-              <a:rPr lang="en-US" b="1" u="sng" dirty="0"/>
-              <a:t>when you don’t care about your local changes</a:t>
-            </a:r>
-            <a:r>
-              <a:rPr lang="en-US" dirty="0"/>
-              <a:t> (i.e. Team-&gt;Pull gives a “</a:t>
-            </a:r>
             <a:r>
               <a:rPr lang="en-US" dirty="0">
                 <a:cs typeface="Calibri"/>
               </a:rPr>
-              <a:t>'not fast forward“ error)</a:t>
-            </a:r>
-            <a:endParaRPr lang="en-US" dirty="0"/>
-          </a:p>
-          <a:p>
-            <a:pPr marL="914400" lvl="1" indent="-457200" fontAlgn="base">
-              <a:buFont typeface="+mj-lt"/>
-              <a:buAutoNum type="alphaLcPeriod"/>
-            </a:pPr>
+              <a:t>Always PULL before you begin coding</a:t>
+            </a:r>
+          </a:p>
+          <a:p>
+            <a:r>
+              <a:rPr lang="en-US" dirty="0">
+                <a:cs typeface="Calibri"/>
+              </a:rPr>
+              <a:t>Quickly COMMIT-&gt;PULL-&gt;PUSH after you finish</a:t>
+            </a:r>
+          </a:p>
+          <a:p>
+            <a:r>
+              <a:rPr lang="en-US" dirty="0">
+                <a:cs typeface="Calibri"/>
+              </a:rPr>
+              <a:t>Pair program so each member of the team is not  modifying the same code in two DIFFERENT local copies at the same time</a:t>
+            </a:r>
+          </a:p>
+          <a:p>
+            <a:r>
+              <a:rPr lang="en-US" dirty="0">
+                <a:hlinkClick r:id="rId2"/>
+              </a:rPr>
+              <a:t>https://www.codetogether.com/</a:t>
+            </a:r>
             <a:r>
               <a:rPr lang="en-US" dirty="0"/>
-              <a:t>Replace With-&gt; HEAD and then Pull (removes all local changes)</a:t>
-            </a:r>
-          </a:p>
-          <a:p>
-            <a:pPr marL="914400" lvl="1" indent="-457200" fontAlgn="base">
-              <a:buFont typeface="+mj-lt"/>
-              <a:buAutoNum type="alphaLcPeriod"/>
-            </a:pPr>
-            <a:r>
-              <a:rPr lang="en-US" dirty="0"/>
-              <a:t>Still unable to Pull?</a:t>
-            </a:r>
-          </a:p>
-          <a:p>
-            <a:pPr marL="1371600" lvl="2" indent="-457200" fontAlgn="base">
-              <a:buFont typeface="+mj-lt"/>
-              <a:buAutoNum type="alphaLcPeriod"/>
-            </a:pPr>
-            <a:r>
-              <a:rPr lang="en-US" dirty="0"/>
-              <a:t>Simply delete project and re-clone</a:t>
-            </a:r>
-          </a:p>
-          <a:p>
-            <a:pPr marL="514350" indent="-514350" fontAlgn="base">
-              <a:buFont typeface="+mj-lt"/>
-              <a:buAutoNum type="arabicPeriod"/>
-            </a:pPr>
-            <a:r>
-              <a:rPr lang="en-US" dirty="0"/>
-              <a:t>Want to revert to an earlier commit? Simplest way:</a:t>
-            </a:r>
-          </a:p>
-          <a:p>
-            <a:pPr marL="914400" lvl="1" indent="-457200" fontAlgn="base">
-              <a:buFont typeface="+mj-lt"/>
-              <a:buAutoNum type="alphaLcPeriod"/>
-            </a:pPr>
-            <a:r>
-              <a:rPr lang="en-US" dirty="0"/>
-              <a:t>clone the repo again as a </a:t>
-            </a:r>
-            <a:r>
-              <a:rPr lang="en-US" u="sng" dirty="0"/>
-              <a:t>new project</a:t>
-            </a:r>
-            <a:r>
-              <a:rPr lang="en-US" dirty="0"/>
-              <a:t> (use a different name for new project)</a:t>
-            </a:r>
-          </a:p>
-          <a:p>
-            <a:pPr marL="914400" lvl="1" indent="-457200" fontAlgn="base">
-              <a:buFont typeface="+mj-lt"/>
-              <a:buAutoNum type="alphaLcPeriod"/>
-            </a:pPr>
-            <a:r>
-              <a:rPr lang="en-US" dirty="0"/>
-              <a:t>checkout the version you want (</a:t>
-            </a:r>
-            <a:r>
-              <a:rPr lang="en-US" u="sng" dirty="0">
-                <a:hlinkClick r:id="rId3"/>
-              </a:rPr>
-              <a:t>How to go to previous commits in eclipse and </a:t>
-            </a:r>
-            <a:r>
-              <a:rPr lang="en-US" u="sng" dirty="0" err="1">
-                <a:hlinkClick r:id="rId3"/>
-              </a:rPr>
-              <a:t>egit</a:t>
-            </a:r>
-            <a:r>
-              <a:rPr lang="en-US" dirty="0"/>
-              <a:t>)</a:t>
-            </a:r>
-          </a:p>
-          <a:p>
-            <a:pPr marL="914400" lvl="2" indent="0" fontAlgn="base">
-              <a:buNone/>
-            </a:pPr>
-            <a:r>
-              <a:rPr lang="en-US" sz="1800" b="0" i="0" u="sng" strike="noStrike" dirty="0">
-                <a:solidFill>
-                  <a:srgbClr val="1155CC"/>
-                </a:solidFill>
-                <a:effectLst/>
-                <a:latin typeface="Arial" panose="020B0604020202020204" pitchFamily="34" charset="0"/>
-                <a:hlinkClick r:id="rId4"/>
-              </a:rPr>
-              <a:t>Dr. Holly's Guide on How to Checkout the Git History</a:t>
-            </a:r>
-            <a:endParaRPr lang="en-US" dirty="0"/>
-          </a:p>
-          <a:p>
-            <a:pPr marL="914400" lvl="1" indent="-457200" fontAlgn="base">
-              <a:buFont typeface="+mj-lt"/>
-              <a:buAutoNum type="alphaLcPeriod"/>
-            </a:pPr>
-            <a:r>
-              <a:rPr lang="en-US" dirty="0"/>
-              <a:t>copy the files you want from this </a:t>
-            </a:r>
-            <a:r>
-              <a:rPr lang="en-US" u="sng" dirty="0"/>
-              <a:t>new project</a:t>
-            </a:r>
-            <a:r>
-              <a:rPr lang="en-US" dirty="0"/>
-              <a:t> into your original and then commit + push</a:t>
-            </a:r>
-          </a:p>
-          <a:p>
-            <a:pPr marL="914400" lvl="1" indent="-457200">
-              <a:buFont typeface="+mj-lt"/>
-              <a:buAutoNum type="alphaLcPeriod"/>
-            </a:pPr>
-            <a:r>
-              <a:rPr lang="en-US" dirty="0"/>
-              <a:t>delete the </a:t>
-            </a:r>
-            <a:r>
-              <a:rPr lang="en-US" u="sng" dirty="0"/>
-              <a:t>new project</a:t>
-            </a:r>
-            <a:r>
-              <a:rPr lang="en-US" dirty="0"/>
-              <a:t> since you don't want to get them mixed up</a:t>
+              <a:t> Eclipse plugin allows you to both edit, but it is only linked to ONE local set of files.</a:t>
             </a:r>
             <a:endParaRPr lang="en-US" dirty="0">
               <a:cs typeface="Calibri"/>
@@ -5653,17 +6010,12 @@
               <a:cs typeface="Calibri"/>
             </a:endParaRPr>
           </a:p>
-          <a:p>
-            <a:endParaRPr lang="en-US" dirty="0">
-              <a:cs typeface="Calibri"/>
-            </a:endParaRPr>
-          </a:p>
         </p:txBody>
       </p:sp>
     </p:spTree>
     <p:extLst>
       <p:ext uri="{BB962C8B-B14F-4D97-AF65-F5344CB8AC3E}">
-        <p14:creationId xmlns:p14="http://schemas.microsoft.com/office/powerpoint/2010/main" val="849483290"/>
+        <p14:creationId xmlns:p14="http://schemas.microsoft.com/office/powerpoint/2010/main" val="2696005012"/>
       </p:ext>
     </p:extLst>
   </p:cSld>
@@ -5695,7 +6047,7 @@
           <p:cNvPr id="2" name="Title 1">
             <a:extLst>
               <a:ext uri="{FF2B5EF4-FFF2-40B4-BE49-F238E27FC236}">
-                <a16:creationId xmlns:a16="http://schemas.microsoft.com/office/drawing/2014/main" id="{081BF672-BC31-9F76-ACDE-193AC53B951C}"/>
+                <a16:creationId xmlns:a16="http://schemas.microsoft.com/office/drawing/2014/main" id="{F46749E6-6E01-4D3B-A111-E4E77DE1628A}"/>
               </a:ext>
             </a:extLst>
           </p:cNvPr>
@@ -5706,15 +6058,33 @@
             <p:ph type="title"/>
           </p:nvPr>
         </p:nvSpPr>
-        <p:spPr/>
+        <p:spPr>
+          <a:xfrm>
+            <a:off x="838200" y="97106"/>
+            <a:ext cx="10515600" cy="1325563"/>
+          </a:xfrm>
+        </p:spPr>
         <p:txBody>
           <a:bodyPr/>
           <a:lstStyle/>
           <a:p>
             <a:r>
-              <a:rPr lang="en-US" dirty="0"/>
-              <a:t>If you want to do pair programming remotely</a:t>
-            </a:r>
+              <a:rPr lang="en-US" dirty="0" err="1">
+                <a:cs typeface="Calibri Light"/>
+                <a:hlinkClick r:id="rId2"/>
+              </a:rPr>
+              <a:t>Git</a:t>
+            </a:r>
+            <a:r>
+              <a:rPr lang="en-US" dirty="0">
+                <a:cs typeface="Calibri Light"/>
+                <a:hlinkClick r:id="rId2"/>
+              </a:rPr>
+              <a:t> Problem Resolution Guide</a:t>
+            </a:r>
+            <a:endParaRPr lang="en-US" dirty="0">
+              <a:cs typeface="Calibri Light"/>
+            </a:endParaRPr>
           </a:p>
         </p:txBody>
       </p:sp>
@@ -5723,7 +6093,7 @@
           <p:cNvPr id="3" name="Content Placeholder 2">
             <a:extLst>
               <a:ext uri="{FF2B5EF4-FFF2-40B4-BE49-F238E27FC236}">
-                <a16:creationId xmlns:a16="http://schemas.microsoft.com/office/drawing/2014/main" id="{E7004B11-C2E3-E08C-A757-5675AD7E67C4}"/>
+                <a16:creationId xmlns:a16="http://schemas.microsoft.com/office/drawing/2014/main" id="{06B07C55-FA2D-4492-8512-07DA95D10A23}"/>
               </a:ext>
             </a:extLst>
           </p:cNvPr>
@@ -5734,42 +6104,198 @@
             <p:ph idx="1"/>
           </p:nvPr>
         </p:nvSpPr>
-        <p:spPr/>
-        <p:txBody>
-          <a:bodyPr/>
-          <a:lstStyle/>
-          <a:p>
+        <p:spPr>
+          <a:xfrm>
+            <a:off x="92990" y="1422669"/>
+            <a:ext cx="12099009" cy="4351338"/>
+          </a:xfrm>
+        </p:spPr>
+        <p:txBody>
+          <a:bodyPr vert="horz" lIns="91440" tIns="45720" rIns="91440" bIns="45720" rtlCol="0" anchor="t">
+            <a:normAutofit lnSpcReduction="10000"/>
+          </a:bodyPr>
+          <a:lstStyle/>
+          <a:p>
+            <a:pPr marL="514350" indent="-514350" fontAlgn="base">
+              <a:buFont typeface="+mj-lt"/>
+              <a:buAutoNum type="arabicPeriod"/>
+            </a:pPr>
             <a:r>
               <a:rPr lang="en-US" dirty="0"/>
-              <a:t>Code Together works well</a:t>
-            </a:r>
-          </a:p>
-          <a:p>
-            <a:pPr lvl="1"/>
+              <a:t>How to update to latest version of code </a:t>
+            </a:r>
+            <a:r>
+              <a:rPr lang="en-US" b="1" u="sng" dirty="0"/>
+              <a:t>when you don’t care about your local changes</a:t>
+            </a:r>
             <a:r>
               <a:rPr lang="en-US" dirty="0"/>
-              <a:t>Two people both have access to edit the code on one computer</a:t>
-            </a:r>
-          </a:p>
-          <a:p>
+              <a:t> (i.e. Team-&gt;Pull gives a “</a:t>
+            </a:r>
+            <a:r>
+              <a:rPr lang="en-US" dirty="0">
+                <a:cs typeface="Calibri"/>
+              </a:rPr>
+              <a:t>'not fast forward“ error)</a:t>
+            </a:r>
+            <a:endParaRPr lang="en-US" dirty="0"/>
+          </a:p>
+          <a:p>
+            <a:pPr marL="914400" lvl="1" indent="-457200" fontAlgn="base">
+              <a:buFont typeface="+mj-lt"/>
+              <a:buAutoNum type="alphaLcPeriod"/>
+            </a:pPr>
             <a:r>
               <a:rPr lang="en-US" dirty="0"/>
-              <a:t>The next two slides provide a visual guide</a:t>
-            </a:r>
-          </a:p>
-          <a:p>
-            <a:pPr lvl="1"/>
+              <a:t>Replace With-&gt; HEAD and then Pull (removes all local changes)</a:t>
+            </a:r>
+          </a:p>
+          <a:p>
+            <a:pPr marL="914400" lvl="1" indent="-457200" fontAlgn="base">
+              <a:buFont typeface="+mj-lt"/>
+              <a:buAutoNum type="alphaLcPeriod"/>
+            </a:pPr>
             <a:r>
               <a:rPr lang="en-US" dirty="0"/>
-              <a:t>It shows how to use Git effectively with this approach</a:t>
-            </a:r>
+              <a:t>Still unable to Pull?</a:t>
+            </a:r>
+          </a:p>
+          <a:p>
+            <a:pPr marL="1371600" lvl="2" indent="-457200" fontAlgn="base">
+              <a:buFont typeface="+mj-lt"/>
+              <a:buAutoNum type="alphaLcPeriod"/>
+            </a:pPr>
+            <a:r>
+              <a:rPr lang="en-US" dirty="0"/>
+              <a:t>Simply delete project and re-clone</a:t>
+            </a:r>
+          </a:p>
+          <a:p>
+            <a:pPr marL="514350" indent="-514350" fontAlgn="base">
+              <a:buFont typeface="+mj-lt"/>
+              <a:buAutoNum type="arabicPeriod"/>
+            </a:pPr>
+            <a:r>
+              <a:rPr lang="en-US" dirty="0"/>
+              <a:t>Want to revert to an earlier commit? Simplest way:</a:t>
+            </a:r>
+          </a:p>
+          <a:p>
+            <a:pPr marL="914400" lvl="1" indent="-457200" fontAlgn="base">
+              <a:buFont typeface="+mj-lt"/>
+              <a:buAutoNum type="alphaLcPeriod"/>
+            </a:pPr>
+            <a:r>
+              <a:rPr lang="en-US" dirty="0"/>
+              <a:t>clone the repo again as a </a:t>
+            </a:r>
+            <a:r>
+              <a:rPr lang="en-US" u="sng" dirty="0"/>
+              <a:t>new project</a:t>
+            </a:r>
+            <a:r>
+              <a:rPr lang="en-US" dirty="0"/>
+              <a:t> (use a different name for new project)</a:t>
+            </a:r>
+          </a:p>
+          <a:p>
+            <a:pPr marL="914400" lvl="1" indent="-457200" fontAlgn="base">
+              <a:buFont typeface="+mj-lt"/>
+              <a:buAutoNum type="alphaLcPeriod"/>
+            </a:pPr>
+            <a:r>
+              <a:rPr lang="en-US" dirty="0"/>
+              <a:t>checkout the version you want (</a:t>
+            </a:r>
+            <a:r>
+              <a:rPr lang="en-US" u="sng" dirty="0">
+                <a:hlinkClick r:id="rId3"/>
+              </a:rPr>
+              <a:t>How to go to previous commits in eclipse and </a:t>
+            </a:r>
+            <a:r>
+              <a:rPr lang="en-US" u="sng" dirty="0" err="1">
+                <a:hlinkClick r:id="rId3"/>
+              </a:rPr>
+              <a:t>egit</a:t>
+            </a:r>
+            <a:r>
+              <a:rPr lang="en-US" dirty="0"/>
+              <a:t>)</a:t>
+            </a:r>
+          </a:p>
+          <a:p>
+            <a:pPr marL="914400" lvl="2" indent="0" fontAlgn="base">
+              <a:buNone/>
+            </a:pPr>
+            <a:r>
+              <a:rPr lang="en-US" sz="1800" b="0" i="0" u="sng" strike="noStrike" dirty="0">
+                <a:solidFill>
+                  <a:srgbClr val="1155CC"/>
+                </a:solidFill>
+                <a:effectLst/>
+                <a:latin typeface="Arial" panose="020B0604020202020204" pitchFamily="34" charset="0"/>
+                <a:hlinkClick r:id="rId4"/>
+              </a:rPr>
+              <a:t>Dr. Holly's Guide on How to Checkout the Git History</a:t>
+            </a:r>
+            <a:endParaRPr lang="en-US" dirty="0"/>
+          </a:p>
+          <a:p>
+            <a:pPr marL="914400" lvl="1" indent="-457200" fontAlgn="base">
+              <a:buFont typeface="+mj-lt"/>
+              <a:buAutoNum type="alphaLcPeriod"/>
+            </a:pPr>
+            <a:r>
+              <a:rPr lang="en-US" dirty="0"/>
+              <a:t>copy the files you want from this </a:t>
+            </a:r>
+            <a:r>
+              <a:rPr lang="en-US" u="sng" dirty="0"/>
+              <a:t>new project</a:t>
+            </a:r>
+            <a:r>
+              <a:rPr lang="en-US" dirty="0"/>
+              <a:t> into your original and then commit + push</a:t>
+            </a:r>
+          </a:p>
+          <a:p>
+            <a:pPr marL="914400" lvl="1" indent="-457200">
+              <a:buFont typeface="+mj-lt"/>
+              <a:buAutoNum type="alphaLcPeriod"/>
+            </a:pPr>
+            <a:r>
+              <a:rPr lang="en-US" dirty="0"/>
+              <a:t>delete the </a:t>
+            </a:r>
+            <a:r>
+              <a:rPr lang="en-US" u="sng" dirty="0"/>
+              <a:t>new project</a:t>
+            </a:r>
+            <a:r>
+              <a:rPr lang="en-US" dirty="0"/>
+              <a:t> since you don't want to get them mixed up</a:t>
+            </a:r>
+            <a:endParaRPr lang="en-US" dirty="0">
+              <a:cs typeface="Calibri"/>
+            </a:endParaRPr>
+          </a:p>
+          <a:p>
+            <a:endParaRPr lang="en-US" dirty="0">
+              <a:cs typeface="Calibri"/>
+            </a:endParaRPr>
+          </a:p>
+          <a:p>
+            <a:endParaRPr lang="en-US" dirty="0">
+              <a:cs typeface="Calibri"/>
+            </a:endParaRPr>
           </a:p>
         </p:txBody>
       </p:sp>
     </p:spTree>
     <p:extLst>
       <p:ext uri="{BB962C8B-B14F-4D97-AF65-F5344CB8AC3E}">
-        <p14:creationId xmlns:p14="http://schemas.microsoft.com/office/powerpoint/2010/main" val="2757888610"/>
+        <p14:creationId xmlns:p14="http://schemas.microsoft.com/office/powerpoint/2010/main" val="849483290"/>
       </p:ext>
     </p:extLst>
   </p:cSld>
@@ -5798,7 +6324,13 @@
       </p:grpSpPr>
       <p:sp>
         <p:nvSpPr>
-          <p:cNvPr id="23554" name="Title 1"/>
+          <p:cNvPr id="2" name="Title 1">
+            <a:extLst>
+              <a:ext uri="{FF2B5EF4-FFF2-40B4-BE49-F238E27FC236}">
+                <a16:creationId xmlns:a16="http://schemas.microsoft.com/office/drawing/2014/main" id="{081BF672-BC31-9F76-ACDE-193AC53B951C}"/>
+              </a:ext>
+            </a:extLst>
+          </p:cNvPr>
           <p:cNvSpPr>
             <a:spLocks noGrp="1"/>
           </p:cNvSpPr>
@@ -5806,712 +6338,70 @@
             <p:ph type="title"/>
           </p:nvPr>
         </p:nvSpPr>
-        <p:spPr>
-          <a:xfrm>
-            <a:off x="635976" y="-81976"/>
-            <a:ext cx="10515600" cy="1325563"/>
-          </a:xfrm>
-        </p:spPr>
+        <p:spPr/>
         <p:txBody>
           <a:bodyPr/>
           <a:lstStyle/>
           <a:p>
             <a:r>
               <a:rPr lang="en-US" dirty="0"/>
-              <a:t>Code Together Workflow</a:t>
-            </a:r>
-          </a:p>
-        </p:txBody>
-      </p:sp>
-      <p:sp>
-        <p:nvSpPr>
-          <p:cNvPr id="3" name="Rounded Rectangle 2"/>
-          <p:cNvSpPr/>
-          <p:nvPr/>
-        </p:nvSpPr>
-        <p:spPr>
-          <a:xfrm>
-            <a:off x="338014" y="1227136"/>
-            <a:ext cx="2786673" cy="1469171"/>
-          </a:xfrm>
-          <a:prstGeom prst="roundRect">
-            <a:avLst/>
-          </a:prstGeom>
-        </p:spPr>
-        <p:style>
-          <a:lnRef idx="2">
-            <a:schemeClr val="accent1">
-              <a:shade val="50000"/>
-            </a:schemeClr>
-          </a:lnRef>
-          <a:fillRef idx="1">
-            <a:schemeClr val="accent1"/>
-          </a:fillRef>
-          <a:effectRef idx="0">
-            <a:schemeClr val="accent1"/>
-          </a:effectRef>
-          <a:fontRef idx="minor">
-            <a:schemeClr val="lt1"/>
-          </a:fontRef>
-        </p:style>
-        <p:txBody>
-          <a:bodyPr anchor="ctr"/>
-          <a:lstStyle/>
-          <a:p>
-            <a:pPr algn="ctr">
-              <a:defRPr/>
-            </a:pPr>
-            <a:r>
-              <a:rPr lang="en-US" sz="2400" dirty="0" err="1"/>
-              <a:t>git</a:t>
-            </a:r>
-            <a:r>
-              <a:rPr lang="en-US" sz="2400" dirty="0"/>
-              <a:t> clone</a:t>
-            </a:r>
-          </a:p>
-          <a:p>
-            <a:pPr algn="ctr">
-              <a:defRPr/>
-            </a:pPr>
-            <a:r>
-              <a:rPr lang="en-US" sz="2400" dirty="0"/>
-              <a:t>(one time, both Driver and Navigator)</a:t>
-            </a:r>
-          </a:p>
-        </p:txBody>
-      </p:sp>
-      <p:sp>
-        <p:nvSpPr>
-          <p:cNvPr id="4" name="Rounded Rectangle 3"/>
-          <p:cNvSpPr/>
-          <p:nvPr/>
-        </p:nvSpPr>
-        <p:spPr>
-          <a:xfrm>
-            <a:off x="6984998" y="5037956"/>
-            <a:ext cx="4652109" cy="1737981"/>
-          </a:xfrm>
-          <a:prstGeom prst="roundRect">
-            <a:avLst/>
-          </a:prstGeom>
-        </p:spPr>
-        <p:style>
-          <a:lnRef idx="2">
-            <a:schemeClr val="accent1">
-              <a:shade val="50000"/>
-            </a:schemeClr>
-          </a:lnRef>
-          <a:fillRef idx="1">
-            <a:schemeClr val="accent1"/>
-          </a:fillRef>
-          <a:effectRef idx="0">
-            <a:schemeClr val="accent1"/>
-          </a:effectRef>
-          <a:fontRef idx="minor">
-            <a:schemeClr val="lt1"/>
-          </a:fontRef>
-        </p:style>
-        <p:txBody>
-          <a:bodyPr anchor="ctr"/>
-          <a:lstStyle/>
-          <a:p>
-            <a:pPr algn="ctr">
-              <a:defRPr/>
-            </a:pPr>
-            <a:r>
-              <a:rPr lang="en-US" sz="2400" dirty="0"/>
-              <a:t>Driver + Navigator work together to make progress and then save their files AND commit</a:t>
-            </a:r>
-          </a:p>
-          <a:p>
-            <a:pPr algn="ctr">
-              <a:defRPr/>
-            </a:pPr>
-            <a:r>
-              <a:rPr lang="en-US" sz="2400" dirty="0"/>
-              <a:t>(only on Driver’s computer)</a:t>
-            </a:r>
-          </a:p>
-        </p:txBody>
-      </p:sp>
-      <p:sp>
-        <p:nvSpPr>
-          <p:cNvPr id="5" name="Rounded Rectangle 4"/>
-          <p:cNvSpPr/>
-          <p:nvPr/>
-        </p:nvSpPr>
-        <p:spPr>
-          <a:xfrm>
-            <a:off x="3573583" y="1237236"/>
-            <a:ext cx="1828800" cy="1217039"/>
-          </a:xfrm>
-          <a:prstGeom prst="roundRect">
-            <a:avLst/>
-          </a:prstGeom>
-        </p:spPr>
-        <p:style>
-          <a:lnRef idx="2">
-            <a:schemeClr val="accent1">
-              <a:shade val="50000"/>
-            </a:schemeClr>
-          </a:lnRef>
-          <a:fillRef idx="1">
-            <a:schemeClr val="accent1"/>
-          </a:fillRef>
-          <a:effectRef idx="0">
-            <a:schemeClr val="accent1"/>
-          </a:effectRef>
-          <a:fontRef idx="minor">
-            <a:schemeClr val="lt1"/>
-          </a:fontRef>
-        </p:style>
-        <p:txBody>
-          <a:bodyPr anchor="ctr"/>
-          <a:lstStyle/>
-          <a:p>
-            <a:pPr algn="ctr">
-              <a:defRPr/>
-            </a:pPr>
-            <a:r>
-              <a:rPr lang="en-US" sz="2400" dirty="0"/>
-              <a:t>Pull</a:t>
-            </a:r>
-          </a:p>
-          <a:p>
-            <a:pPr algn="ctr">
-              <a:defRPr/>
-            </a:pPr>
-            <a:r>
-              <a:rPr lang="en-US" sz="2400" dirty="0"/>
-              <a:t>(Driver’s computer)</a:t>
-            </a:r>
-          </a:p>
-        </p:txBody>
-      </p:sp>
-      <p:sp>
-        <p:nvSpPr>
-          <p:cNvPr id="6" name="Rounded Rectangle 5"/>
-          <p:cNvSpPr/>
-          <p:nvPr/>
-        </p:nvSpPr>
-        <p:spPr>
-          <a:xfrm>
-            <a:off x="734645" y="4914622"/>
-            <a:ext cx="3438768" cy="1290880"/>
-          </a:xfrm>
-          <a:prstGeom prst="roundRect">
-            <a:avLst/>
-          </a:prstGeom>
-        </p:spPr>
-        <p:style>
-          <a:lnRef idx="2">
-            <a:schemeClr val="accent1">
-              <a:shade val="50000"/>
-            </a:schemeClr>
-          </a:lnRef>
-          <a:fillRef idx="1">
-            <a:schemeClr val="accent1"/>
-          </a:fillRef>
-          <a:effectRef idx="0">
-            <a:schemeClr val="accent1"/>
-          </a:effectRef>
-          <a:fontRef idx="minor">
-            <a:schemeClr val="lt1"/>
-          </a:fontRef>
-        </p:style>
-        <p:txBody>
-          <a:bodyPr anchor="ctr"/>
-          <a:lstStyle/>
-          <a:p>
-            <a:pPr algn="ctr">
-              <a:defRPr/>
-            </a:pPr>
-            <a:r>
-              <a:rPr lang="en-US" sz="2400" dirty="0"/>
-              <a:t>Driver: Push</a:t>
-            </a:r>
-          </a:p>
-          <a:p>
-            <a:pPr algn="ctr">
-              <a:defRPr/>
-            </a:pPr>
-            <a:r>
-              <a:rPr lang="en-US" sz="2400" dirty="0"/>
-              <a:t>(files are now on Driver and github.com)</a:t>
-            </a:r>
-          </a:p>
-        </p:txBody>
-      </p:sp>
-      <p:sp>
-        <p:nvSpPr>
-          <p:cNvPr id="7" name="Rounded Rectangle 6"/>
-          <p:cNvSpPr/>
-          <p:nvPr/>
-        </p:nvSpPr>
-        <p:spPr>
-          <a:xfrm>
-            <a:off x="4603261" y="5102862"/>
-            <a:ext cx="1828800" cy="914400"/>
-          </a:xfrm>
-          <a:prstGeom prst="roundRect">
-            <a:avLst/>
-          </a:prstGeom>
-        </p:spPr>
-        <p:style>
-          <a:lnRef idx="2">
-            <a:schemeClr val="accent1">
-              <a:shade val="50000"/>
-            </a:schemeClr>
-          </a:lnRef>
-          <a:fillRef idx="1">
-            <a:schemeClr val="accent1"/>
-          </a:fillRef>
-          <a:effectRef idx="0">
-            <a:schemeClr val="accent1"/>
-          </a:effectRef>
-          <a:fontRef idx="minor">
-            <a:schemeClr val="lt1"/>
-          </a:fontRef>
-        </p:style>
-        <p:txBody>
-          <a:bodyPr anchor="ctr"/>
-          <a:lstStyle/>
-          <a:p>
-            <a:pPr algn="ctr">
-              <a:defRPr/>
-            </a:pPr>
-            <a:r>
-              <a:rPr lang="en-US" sz="2400" dirty="0"/>
-              <a:t>Pull</a:t>
-            </a:r>
-          </a:p>
-        </p:txBody>
-      </p:sp>
-      <p:cxnSp>
-        <p:nvCxnSpPr>
-          <p:cNvPr id="8" name="Straight Arrow Connector 7"/>
-          <p:cNvCxnSpPr/>
-          <p:nvPr/>
-        </p:nvCxnSpPr>
-        <p:spPr>
-          <a:xfrm flipV="1">
-            <a:off x="3124688" y="1684337"/>
-            <a:ext cx="431311" cy="5461"/>
-          </a:xfrm>
-          <a:prstGeom prst="straightConnector1">
-            <a:avLst/>
-          </a:prstGeom>
-          <a:ln>
-            <a:tailEnd type="arrow"/>
-          </a:ln>
-        </p:spPr>
-        <p:style>
-          <a:lnRef idx="3">
-            <a:schemeClr val="accent2"/>
-          </a:lnRef>
-          <a:fillRef idx="0">
-            <a:schemeClr val="accent2"/>
-          </a:fillRef>
-          <a:effectRef idx="2">
-            <a:schemeClr val="accent2"/>
-          </a:effectRef>
-          <a:fontRef idx="minor">
-            <a:schemeClr val="tx1"/>
-          </a:fontRef>
-        </p:style>
-      </p:cxnSp>
-      <p:cxnSp>
-        <p:nvCxnSpPr>
-          <p:cNvPr id="11" name="Straight Arrow Connector 10"/>
-          <p:cNvCxnSpPr>
-            <a:endCxn id="4" idx="1"/>
-          </p:cNvCxnSpPr>
-          <p:nvPr/>
-        </p:nvCxnSpPr>
-        <p:spPr>
-          <a:xfrm>
-            <a:off x="5384799" y="1689798"/>
-            <a:ext cx="1600200" cy="1588"/>
-          </a:xfrm>
-          <a:prstGeom prst="straightConnector1">
-            <a:avLst/>
-          </a:prstGeom>
-          <a:ln>
-            <a:tailEnd type="arrow"/>
-          </a:ln>
-        </p:spPr>
-        <p:style>
-          <a:lnRef idx="3">
-            <a:schemeClr val="accent2"/>
-          </a:lnRef>
-          <a:fillRef idx="0">
-            <a:schemeClr val="accent2"/>
-          </a:fillRef>
-          <a:effectRef idx="2">
-            <a:schemeClr val="accent2"/>
-          </a:effectRef>
-          <a:fontRef idx="minor">
-            <a:schemeClr val="tx1"/>
-          </a:fontRef>
-        </p:style>
-      </p:cxnSp>
-      <p:cxnSp>
-        <p:nvCxnSpPr>
-          <p:cNvPr id="15" name="Straight Arrow Connector 14"/>
-          <p:cNvCxnSpPr/>
-          <p:nvPr/>
-        </p:nvCxnSpPr>
-        <p:spPr>
-          <a:xfrm flipH="1">
-            <a:off x="8565662" y="2482696"/>
-            <a:ext cx="7450" cy="534045"/>
-          </a:xfrm>
-          <a:prstGeom prst="straightConnector1">
-            <a:avLst/>
-          </a:prstGeom>
-          <a:ln>
-            <a:tailEnd type="arrow"/>
-          </a:ln>
-        </p:spPr>
-        <p:style>
-          <a:lnRef idx="3">
-            <a:schemeClr val="accent2"/>
-          </a:lnRef>
-          <a:fillRef idx="0">
-            <a:schemeClr val="accent2"/>
-          </a:fillRef>
-          <a:effectRef idx="2">
-            <a:schemeClr val="accent2"/>
-          </a:effectRef>
-          <a:fontRef idx="minor">
-            <a:schemeClr val="tx1"/>
-          </a:fontRef>
-        </p:style>
-      </p:cxnSp>
-      <p:cxnSp>
-        <p:nvCxnSpPr>
-          <p:cNvPr id="18" name="Straight Arrow Connector 17"/>
-          <p:cNvCxnSpPr/>
-          <p:nvPr/>
-        </p:nvCxnSpPr>
-        <p:spPr>
-          <a:xfrm flipH="1" flipV="1">
-            <a:off x="6432062" y="5485057"/>
-            <a:ext cx="552937" cy="11688"/>
-          </a:xfrm>
-          <a:prstGeom prst="straightConnector1">
-            <a:avLst/>
-          </a:prstGeom>
-          <a:ln>
-            <a:tailEnd type="arrow"/>
-          </a:ln>
-        </p:spPr>
-        <p:style>
-          <a:lnRef idx="3">
-            <a:schemeClr val="accent2"/>
-          </a:lnRef>
-          <a:fillRef idx="0">
-            <a:schemeClr val="accent2"/>
-          </a:fillRef>
-          <a:effectRef idx="2">
-            <a:schemeClr val="accent2"/>
-          </a:effectRef>
-          <a:fontRef idx="minor">
-            <a:schemeClr val="tx1"/>
-          </a:fontRef>
-        </p:style>
-      </p:cxnSp>
-      <p:cxnSp>
-        <p:nvCxnSpPr>
-          <p:cNvPr id="22" name="Straight Arrow Connector 21"/>
-          <p:cNvCxnSpPr/>
-          <p:nvPr/>
-        </p:nvCxnSpPr>
-        <p:spPr>
-          <a:xfrm flipV="1">
-            <a:off x="2341439" y="4520358"/>
-            <a:ext cx="3177" cy="394264"/>
-          </a:xfrm>
-          <a:prstGeom prst="straightConnector1">
-            <a:avLst/>
-          </a:prstGeom>
-          <a:ln>
-            <a:tailEnd type="arrow"/>
-          </a:ln>
-        </p:spPr>
-        <p:style>
-          <a:lnRef idx="3">
-            <a:schemeClr val="accent2"/>
-          </a:lnRef>
-          <a:fillRef idx="0">
-            <a:schemeClr val="accent2"/>
-          </a:fillRef>
-          <a:effectRef idx="2">
-            <a:schemeClr val="accent2"/>
-          </a:effectRef>
-          <a:fontRef idx="minor">
-            <a:schemeClr val="tx1"/>
-          </a:fontRef>
-        </p:style>
-      </p:cxnSp>
-      <p:cxnSp>
-        <p:nvCxnSpPr>
-          <p:cNvPr id="17" name="Straight Arrow Connector 16"/>
-          <p:cNvCxnSpPr/>
-          <p:nvPr/>
-        </p:nvCxnSpPr>
-        <p:spPr>
-          <a:xfrm flipH="1">
-            <a:off x="4173415" y="5523515"/>
-            <a:ext cx="429845" cy="5033"/>
-          </a:xfrm>
-          <a:prstGeom prst="straightConnector1">
-            <a:avLst/>
-          </a:prstGeom>
-          <a:ln>
-            <a:tailEnd type="arrow"/>
-          </a:ln>
-        </p:spPr>
-        <p:style>
-          <a:lnRef idx="3">
-            <a:schemeClr val="accent2"/>
-          </a:lnRef>
-          <a:fillRef idx="0">
-            <a:schemeClr val="accent2"/>
-          </a:fillRef>
-          <a:effectRef idx="2">
-            <a:schemeClr val="accent2"/>
-          </a:effectRef>
-          <a:fontRef idx="minor">
-            <a:schemeClr val="tx1"/>
-          </a:fontRef>
-        </p:style>
-      </p:cxnSp>
-      <p:sp>
-        <p:nvSpPr>
-          <p:cNvPr id="19" name="Rounded Rectangle 18"/>
-          <p:cNvSpPr/>
-          <p:nvPr/>
-        </p:nvSpPr>
-        <p:spPr>
-          <a:xfrm>
-            <a:off x="6984999" y="927394"/>
-            <a:ext cx="3292232" cy="1587281"/>
-          </a:xfrm>
-          <a:prstGeom prst="roundRect">
-            <a:avLst/>
-          </a:prstGeom>
-        </p:spPr>
-        <p:style>
-          <a:lnRef idx="2">
-            <a:schemeClr val="accent1">
-              <a:shade val="50000"/>
-            </a:schemeClr>
-          </a:lnRef>
-          <a:fillRef idx="1">
-            <a:schemeClr val="accent1"/>
-          </a:fillRef>
-          <a:effectRef idx="0">
-            <a:schemeClr val="accent1"/>
-          </a:effectRef>
-          <a:fontRef idx="minor">
-            <a:schemeClr val="lt1"/>
-          </a:fontRef>
-        </p:style>
-        <p:txBody>
-          <a:bodyPr anchor="ctr"/>
-          <a:lstStyle/>
-          <a:p>
-            <a:pPr algn="ctr">
-              <a:defRPr/>
-            </a:pPr>
-            <a:r>
-              <a:rPr lang="en-US" sz="2400" dirty="0"/>
-              <a:t>Driver initiates a </a:t>
-            </a:r>
-            <a:r>
-              <a:rPr lang="en-US" sz="2400" dirty="0" err="1"/>
-              <a:t>CodeTogether</a:t>
-            </a:r>
-            <a:r>
-              <a:rPr lang="en-US" sz="2400" dirty="0"/>
-              <a:t> session and shares it with Navigator</a:t>
-            </a:r>
-          </a:p>
-        </p:txBody>
-      </p:sp>
-      <p:sp>
-        <p:nvSpPr>
-          <p:cNvPr id="20" name="Rounded Rectangle 19"/>
-          <p:cNvSpPr/>
-          <p:nvPr/>
-        </p:nvSpPr>
-        <p:spPr>
-          <a:xfrm>
-            <a:off x="6924432" y="3054559"/>
-            <a:ext cx="3352799" cy="1607209"/>
-          </a:xfrm>
-          <a:prstGeom prst="roundRect">
-            <a:avLst/>
-          </a:prstGeom>
-        </p:spPr>
-        <p:style>
-          <a:lnRef idx="2">
-            <a:schemeClr val="accent1">
-              <a:shade val="50000"/>
-            </a:schemeClr>
-          </a:lnRef>
-          <a:fillRef idx="1">
-            <a:schemeClr val="accent1"/>
-          </a:fillRef>
-          <a:effectRef idx="0">
-            <a:schemeClr val="accent1"/>
-          </a:effectRef>
-          <a:fontRef idx="minor">
-            <a:schemeClr val="lt1"/>
-          </a:fontRef>
-        </p:style>
-        <p:txBody>
-          <a:bodyPr anchor="ctr"/>
-          <a:lstStyle/>
-          <a:p>
-            <a:pPr algn="ctr">
-              <a:defRPr/>
-            </a:pPr>
-            <a:r>
-              <a:rPr lang="en-US" sz="2400" dirty="0"/>
-              <a:t>Navigator connects and then watches and gives feedback via phone/conference call</a:t>
-            </a:r>
-          </a:p>
-        </p:txBody>
-      </p:sp>
-      <p:cxnSp>
-        <p:nvCxnSpPr>
-          <p:cNvPr id="21" name="Straight Arrow Connector 20"/>
-          <p:cNvCxnSpPr/>
-          <p:nvPr/>
-        </p:nvCxnSpPr>
-        <p:spPr>
-          <a:xfrm flipH="1">
-            <a:off x="8561937" y="4503912"/>
-            <a:ext cx="7450" cy="534045"/>
-          </a:xfrm>
-          <a:prstGeom prst="straightConnector1">
-            <a:avLst/>
-          </a:prstGeom>
-          <a:ln>
-            <a:tailEnd type="arrow"/>
-          </a:ln>
-        </p:spPr>
-        <p:style>
-          <a:lnRef idx="3">
-            <a:schemeClr val="accent2"/>
-          </a:lnRef>
-          <a:fillRef idx="0">
-            <a:schemeClr val="accent2"/>
-          </a:fillRef>
-          <a:effectRef idx="2">
-            <a:schemeClr val="accent2"/>
-          </a:effectRef>
-          <a:fontRef idx="minor">
-            <a:schemeClr val="tx1"/>
-          </a:fontRef>
-        </p:style>
-      </p:cxnSp>
-      <p:sp>
-        <p:nvSpPr>
-          <p:cNvPr id="26" name="Rounded Rectangle 25"/>
-          <p:cNvSpPr/>
-          <p:nvPr/>
-        </p:nvSpPr>
-        <p:spPr>
-          <a:xfrm>
-            <a:off x="541212" y="3286873"/>
-            <a:ext cx="3946771" cy="1217039"/>
-          </a:xfrm>
-          <a:prstGeom prst="roundRect">
-            <a:avLst/>
-          </a:prstGeom>
-        </p:spPr>
-        <p:style>
-          <a:lnRef idx="2">
-            <a:schemeClr val="accent1">
-              <a:shade val="50000"/>
-            </a:schemeClr>
-          </a:lnRef>
-          <a:fillRef idx="1">
-            <a:schemeClr val="accent1"/>
-          </a:fillRef>
-          <a:effectRef idx="0">
-            <a:schemeClr val="accent1"/>
-          </a:effectRef>
-          <a:fontRef idx="minor">
-            <a:schemeClr val="lt1"/>
-          </a:fontRef>
-        </p:style>
-        <p:txBody>
-          <a:bodyPr anchor="ctr"/>
-          <a:lstStyle/>
-          <a:p>
-            <a:pPr algn="ctr">
-              <a:defRPr/>
-            </a:pPr>
-            <a:r>
-              <a:rPr lang="en-US" sz="2400" dirty="0"/>
-              <a:t>Navigator: Pull</a:t>
-            </a:r>
-          </a:p>
-          <a:p>
-            <a:pPr algn="ctr">
-              <a:defRPr/>
-            </a:pPr>
-            <a:r>
-              <a:rPr lang="en-US" sz="2400" dirty="0"/>
-              <a:t>(files are now on Driver, Navigator, AND github.com)</a:t>
-            </a:r>
-          </a:p>
-        </p:txBody>
-      </p:sp>
-      <p:cxnSp>
-        <p:nvCxnSpPr>
-          <p:cNvPr id="29" name="Straight Arrow Connector 28"/>
-          <p:cNvCxnSpPr>
-            <a:endCxn id="5" idx="2"/>
-          </p:cNvCxnSpPr>
-          <p:nvPr/>
-        </p:nvCxnSpPr>
-        <p:spPr>
-          <a:xfrm flipV="1">
-            <a:off x="2450852" y="2454275"/>
-            <a:ext cx="2037131" cy="832598"/>
-          </a:xfrm>
-          <a:prstGeom prst="straightConnector1">
-            <a:avLst/>
-          </a:prstGeom>
-          <a:ln>
-            <a:tailEnd type="arrow"/>
-          </a:ln>
-        </p:spPr>
-        <p:style>
-          <a:lnRef idx="3">
-            <a:schemeClr val="accent2"/>
-          </a:lnRef>
-          <a:fillRef idx="0">
-            <a:schemeClr val="accent2"/>
-          </a:fillRef>
-          <a:effectRef idx="2">
-            <a:schemeClr val="accent2"/>
-          </a:effectRef>
-          <a:fontRef idx="minor">
-            <a:schemeClr val="tx1"/>
-          </a:fontRef>
-        </p:style>
-      </p:cxnSp>
+              <a:t>If you want to do pair programming remotely</a:t>
+            </a:r>
+          </a:p>
+        </p:txBody>
+      </p:sp>
+      <p:sp>
+        <p:nvSpPr>
+          <p:cNvPr id="3" name="Content Placeholder 2">
+            <a:extLst>
+              <a:ext uri="{FF2B5EF4-FFF2-40B4-BE49-F238E27FC236}">
+                <a16:creationId xmlns:a16="http://schemas.microsoft.com/office/drawing/2014/main" id="{E7004B11-C2E3-E08C-A757-5675AD7E67C4}"/>
+              </a:ext>
+            </a:extLst>
+          </p:cNvPr>
+          <p:cNvSpPr>
+            <a:spLocks noGrp="1"/>
+          </p:cNvSpPr>
+          <p:nvPr>
+            <p:ph idx="1"/>
+          </p:nvPr>
+        </p:nvSpPr>
+        <p:spPr/>
+        <p:txBody>
+          <a:bodyPr/>
+          <a:lstStyle/>
+          <a:p>
+            <a:r>
+              <a:rPr lang="en-US" dirty="0"/>
+              <a:t>Code Together works well</a:t>
+            </a:r>
+          </a:p>
+          <a:p>
+            <a:pPr lvl="1"/>
+            <a:r>
+              <a:rPr lang="en-US" dirty="0"/>
+              <a:t>Two people both have access to edit the code on one computer</a:t>
+            </a:r>
+          </a:p>
+          <a:p>
+            <a:r>
+              <a:rPr lang="en-US" dirty="0"/>
+              <a:t>The next two slides provide a visual guide</a:t>
+            </a:r>
+          </a:p>
+          <a:p>
+            <a:pPr lvl="1"/>
+            <a:r>
+              <a:rPr lang="en-US" dirty="0"/>
+              <a:t>It shows how to use Git effectively with this approach</a:t>
+            </a:r>
+          </a:p>
+        </p:txBody>
+      </p:sp>
     </p:spTree>
     <p:extLst>
       <p:ext uri="{BB962C8B-B14F-4D97-AF65-F5344CB8AC3E}">
-        <p14:creationId xmlns:p14="http://schemas.microsoft.com/office/powerpoint/2010/main" val="3006182696"/>
+        <p14:creationId xmlns:p14="http://schemas.microsoft.com/office/powerpoint/2010/main" val="2757888610"/>
       </p:ext>
     </p:extLst>
   </p:cSld>
@@ -6538,26 +6428,313 @@
           <a:chExt cx="0" cy="0"/>
         </a:xfrm>
       </p:grpSpPr>
+      <p:sp>
+        <p:nvSpPr>
+          <p:cNvPr id="23554" name="Title 1"/>
+          <p:cNvSpPr>
+            <a:spLocks noGrp="1"/>
+          </p:cNvSpPr>
+          <p:nvPr>
+            <p:ph type="title"/>
+          </p:nvPr>
+        </p:nvSpPr>
+        <p:spPr>
+          <a:xfrm>
+            <a:off x="635976" y="-81976"/>
+            <a:ext cx="10515600" cy="1325563"/>
+          </a:xfrm>
+        </p:spPr>
+        <p:txBody>
+          <a:bodyPr/>
+          <a:lstStyle/>
+          <a:p>
+            <a:r>
+              <a:rPr lang="en-US" dirty="0"/>
+              <a:t>Code Together Workflow</a:t>
+            </a:r>
+          </a:p>
+        </p:txBody>
+      </p:sp>
+      <p:sp>
+        <p:nvSpPr>
+          <p:cNvPr id="3" name="Rounded Rectangle 2"/>
+          <p:cNvSpPr/>
+          <p:nvPr/>
+        </p:nvSpPr>
+        <p:spPr>
+          <a:xfrm>
+            <a:off x="338014" y="1227136"/>
+            <a:ext cx="2786673" cy="1469171"/>
+          </a:xfrm>
+          <a:prstGeom prst="roundRect">
+            <a:avLst/>
+          </a:prstGeom>
+        </p:spPr>
+        <p:style>
+          <a:lnRef idx="2">
+            <a:schemeClr val="accent1">
+              <a:shade val="50000"/>
+            </a:schemeClr>
+          </a:lnRef>
+          <a:fillRef idx="1">
+            <a:schemeClr val="accent1"/>
+          </a:fillRef>
+          <a:effectRef idx="0">
+            <a:schemeClr val="accent1"/>
+          </a:effectRef>
+          <a:fontRef idx="minor">
+            <a:schemeClr val="lt1"/>
+          </a:fontRef>
+        </p:style>
+        <p:txBody>
+          <a:bodyPr anchor="ctr"/>
+          <a:lstStyle/>
+          <a:p>
+            <a:pPr algn="ctr">
+              <a:defRPr/>
+            </a:pPr>
+            <a:r>
+              <a:rPr lang="en-US" sz="2400" dirty="0" err="1"/>
+              <a:t>git</a:t>
+            </a:r>
+            <a:r>
+              <a:rPr lang="en-US" sz="2400" dirty="0"/>
+              <a:t> clone</a:t>
+            </a:r>
+          </a:p>
+          <a:p>
+            <a:pPr algn="ctr">
+              <a:defRPr/>
+            </a:pPr>
+            <a:r>
+              <a:rPr lang="en-US" sz="2400" dirty="0"/>
+              <a:t>(one time, both Driver and Navigator)</a:t>
+            </a:r>
+          </a:p>
+        </p:txBody>
+      </p:sp>
+      <p:sp>
+        <p:nvSpPr>
+          <p:cNvPr id="4" name="Rounded Rectangle 3"/>
+          <p:cNvSpPr/>
+          <p:nvPr/>
+        </p:nvSpPr>
+        <p:spPr>
+          <a:xfrm>
+            <a:off x="6984998" y="5037956"/>
+            <a:ext cx="4652109" cy="1737981"/>
+          </a:xfrm>
+          <a:prstGeom prst="roundRect">
+            <a:avLst/>
+          </a:prstGeom>
+        </p:spPr>
+        <p:style>
+          <a:lnRef idx="2">
+            <a:schemeClr val="accent1">
+              <a:shade val="50000"/>
+            </a:schemeClr>
+          </a:lnRef>
+          <a:fillRef idx="1">
+            <a:schemeClr val="accent1"/>
+          </a:fillRef>
+          <a:effectRef idx="0">
+            <a:schemeClr val="accent1"/>
+          </a:effectRef>
+          <a:fontRef idx="minor">
+            <a:schemeClr val="lt1"/>
+          </a:fontRef>
+        </p:style>
+        <p:txBody>
+          <a:bodyPr anchor="ctr"/>
+          <a:lstStyle/>
+          <a:p>
+            <a:pPr algn="ctr">
+              <a:defRPr/>
+            </a:pPr>
+            <a:r>
+              <a:rPr lang="en-US" sz="2400" dirty="0"/>
+              <a:t>Driver + Navigator work together to make progress and then save their files AND commit</a:t>
+            </a:r>
+          </a:p>
+          <a:p>
+            <a:pPr algn="ctr">
+              <a:defRPr/>
+            </a:pPr>
+            <a:r>
+              <a:rPr lang="en-US" sz="2400" dirty="0"/>
+              <a:t>(only on Driver’s computer)</a:t>
+            </a:r>
+          </a:p>
+        </p:txBody>
+      </p:sp>
+      <p:sp>
+        <p:nvSpPr>
+          <p:cNvPr id="5" name="Rounded Rectangle 4"/>
+          <p:cNvSpPr/>
+          <p:nvPr/>
+        </p:nvSpPr>
+        <p:spPr>
+          <a:xfrm>
+            <a:off x="3573583" y="1237236"/>
+            <a:ext cx="1828800" cy="1217039"/>
+          </a:xfrm>
+          <a:prstGeom prst="roundRect">
+            <a:avLst/>
+          </a:prstGeom>
+        </p:spPr>
+        <p:style>
+          <a:lnRef idx="2">
+            <a:schemeClr val="accent1">
+              <a:shade val="50000"/>
+            </a:schemeClr>
+          </a:lnRef>
+          <a:fillRef idx="1">
+            <a:schemeClr val="accent1"/>
+          </a:fillRef>
+          <a:effectRef idx="0">
+            <a:schemeClr val="accent1"/>
+          </a:effectRef>
+          <a:fontRef idx="minor">
+            <a:schemeClr val="lt1"/>
+          </a:fontRef>
+        </p:style>
+        <p:txBody>
+          <a:bodyPr anchor="ctr"/>
+          <a:lstStyle/>
+          <a:p>
+            <a:pPr algn="ctr">
+              <a:defRPr/>
+            </a:pPr>
+            <a:r>
+              <a:rPr lang="en-US" sz="2400" dirty="0"/>
+              <a:t>Pull</a:t>
+            </a:r>
+          </a:p>
+          <a:p>
+            <a:pPr algn="ctr">
+              <a:defRPr/>
+            </a:pPr>
+            <a:r>
+              <a:rPr lang="en-US" sz="2400" dirty="0"/>
+              <a:t>(Driver’s computer)</a:t>
+            </a:r>
+          </a:p>
+        </p:txBody>
+      </p:sp>
+      <p:sp>
+        <p:nvSpPr>
+          <p:cNvPr id="6" name="Rounded Rectangle 5"/>
+          <p:cNvSpPr/>
+          <p:nvPr/>
+        </p:nvSpPr>
+        <p:spPr>
+          <a:xfrm>
+            <a:off x="734645" y="4914622"/>
+            <a:ext cx="3438768" cy="1290880"/>
+          </a:xfrm>
+          <a:prstGeom prst="roundRect">
+            <a:avLst/>
+          </a:prstGeom>
+        </p:spPr>
+        <p:style>
+          <a:lnRef idx="2">
+            <a:schemeClr val="accent1">
+              <a:shade val="50000"/>
+            </a:schemeClr>
+          </a:lnRef>
+          <a:fillRef idx="1">
+            <a:schemeClr val="accent1"/>
+          </a:fillRef>
+          <a:effectRef idx="0">
+            <a:schemeClr val="accent1"/>
+          </a:effectRef>
+          <a:fontRef idx="minor">
+            <a:schemeClr val="lt1"/>
+          </a:fontRef>
+        </p:style>
+        <p:txBody>
+          <a:bodyPr anchor="ctr"/>
+          <a:lstStyle/>
+          <a:p>
+            <a:pPr algn="ctr">
+              <a:defRPr/>
+            </a:pPr>
+            <a:r>
+              <a:rPr lang="en-US" sz="2400" dirty="0"/>
+              <a:t>Driver: Push</a:t>
+            </a:r>
+          </a:p>
+          <a:p>
+            <a:pPr algn="ctr">
+              <a:defRPr/>
+            </a:pPr>
+            <a:r>
+              <a:rPr lang="en-US" sz="2400" dirty="0"/>
+              <a:t>(files are now on Driver and github.com)</a:t>
+            </a:r>
+          </a:p>
+        </p:txBody>
+      </p:sp>
+      <p:sp>
+        <p:nvSpPr>
+          <p:cNvPr id="7" name="Rounded Rectangle 6"/>
+          <p:cNvSpPr/>
+          <p:nvPr/>
+        </p:nvSpPr>
+        <p:spPr>
+          <a:xfrm>
+            <a:off x="4603261" y="5102862"/>
+            <a:ext cx="1828800" cy="914400"/>
+          </a:xfrm>
+          <a:prstGeom prst="roundRect">
+            <a:avLst/>
+          </a:prstGeom>
+        </p:spPr>
+        <p:style>
+          <a:lnRef idx="2">
+            <a:schemeClr val="accent1">
+              <a:shade val="50000"/>
+            </a:schemeClr>
+          </a:lnRef>
+          <a:fillRef idx="1">
+            <a:schemeClr val="accent1"/>
+          </a:fillRef>
+          <a:effectRef idx="0">
+            <a:schemeClr val="accent1"/>
+          </a:effectRef>
+          <a:fontRef idx="minor">
+            <a:schemeClr val="lt1"/>
+          </a:fontRef>
+        </p:style>
+        <p:txBody>
+          <a:bodyPr anchor="ctr"/>
+          <a:lstStyle/>
+          <a:p>
+            <a:pPr algn="ctr">
+              <a:defRPr/>
+            </a:pPr>
+            <a:r>
+              <a:rPr lang="en-US" sz="2400" dirty="0"/>
+              <a:t>Pull</a:t>
+            </a:r>
+          </a:p>
+        </p:txBody>
+      </p:sp>
       <p:cxnSp>
         <p:nvCxnSpPr>
-          <p:cNvPr id="53" name="Straight Arrow Connector 52"/>
-          <p:cNvCxnSpPr>
-            <a:endCxn id="51" idx="1"/>
-          </p:cNvCxnSpPr>
+          <p:cNvPr id="8" name="Straight Arrow Connector 7"/>
+          <p:cNvCxnSpPr/>
           <p:nvPr/>
         </p:nvCxnSpPr>
         <p:spPr>
-          <a:xfrm>
-            <a:off x="3805736" y="6178967"/>
-            <a:ext cx="5369558" cy="1"/>
+          <a:xfrm flipV="1">
+            <a:off x="3124688" y="1684337"/>
+            <a:ext cx="431311" cy="5461"/>
           </a:xfrm>
           <a:prstGeom prst="straightConnector1">
             <a:avLst/>
           </a:prstGeom>
-          <a:ln w="34925">
-            <a:solidFill>
-              <a:schemeClr val="tx1"/>
-            </a:solidFill>
+          <a:ln>
             <a:tailEnd type="arrow"/>
           </a:ln>
         </p:spPr>
@@ -6578,941 +6755,21 @@
       </p:cxnSp>
       <p:cxnSp>
         <p:nvCxnSpPr>
-          <p:cNvPr id="41" name="Straight Arrow Connector 40"/>
+          <p:cNvPr id="11" name="Straight Arrow Connector 10"/>
           <p:cNvCxnSpPr>
-            <a:stCxn id="24" idx="3"/>
-            <a:endCxn id="33" idx="1"/>
+            <a:endCxn id="4" idx="1"/>
           </p:cNvCxnSpPr>
           <p:nvPr/>
         </p:nvCxnSpPr>
         <p:spPr>
           <a:xfrm>
-            <a:off x="3805736" y="1407901"/>
-            <a:ext cx="5369558" cy="1187248"/>
+            <a:off x="5384799" y="1689798"/>
+            <a:ext cx="1600200" cy="1588"/>
           </a:xfrm>
           <a:prstGeom prst="straightConnector1">
             <a:avLst/>
           </a:prstGeom>
-          <a:ln w="34925">
-            <a:solidFill>
-              <a:schemeClr val="tx1"/>
-            </a:solidFill>
-            <a:tailEnd type="arrow"/>
-          </a:ln>
-        </p:spPr>
-        <p:style>
-          <a:lnRef idx="3">
-            <a:schemeClr val="accent2"/>
-          </a:lnRef>
-          <a:fillRef idx="0">
-            <a:schemeClr val="accent2"/>
-          </a:fillRef>
-          <a:effectRef idx="2">
-            <a:schemeClr val="accent2"/>
-          </a:effectRef>
-          <a:fontRef idx="minor">
-            <a:schemeClr val="tx1"/>
-          </a:fontRef>
-        </p:style>
-      </p:cxnSp>
-      <p:sp>
-        <p:nvSpPr>
-          <p:cNvPr id="23554" name="Title 1"/>
-          <p:cNvSpPr>
-            <a:spLocks noGrp="1"/>
-          </p:cNvSpPr>
-          <p:nvPr>
-            <p:ph type="title"/>
-          </p:nvPr>
-        </p:nvSpPr>
-        <p:spPr>
-          <a:xfrm>
-            <a:off x="620478" y="-337698"/>
-            <a:ext cx="10515600" cy="1325563"/>
-          </a:xfrm>
-        </p:spPr>
-        <p:txBody>
-          <a:bodyPr/>
-          <a:lstStyle/>
-          <a:p>
-            <a:r>
-              <a:rPr lang="en-US" dirty="0"/>
-              <a:t>Remote Programming Code Edits Visualized</a:t>
-            </a:r>
-          </a:p>
-        </p:txBody>
-      </p:sp>
-      <p:sp>
-        <p:nvSpPr>
-          <p:cNvPr id="3" name="Rounded Rectangle 2"/>
-          <p:cNvSpPr/>
-          <p:nvPr/>
-        </p:nvSpPr>
-        <p:spPr>
-          <a:xfrm>
-            <a:off x="5445890" y="900084"/>
-            <a:ext cx="2786673" cy="1005840"/>
-          </a:xfrm>
-          <a:prstGeom prst="roundRect">
-            <a:avLst/>
-          </a:prstGeom>
-          <a:solidFill>
-            <a:schemeClr val="accent2">
-              <a:lumMod val="75000"/>
-            </a:schemeClr>
-          </a:solidFill>
-        </p:spPr>
-        <p:style>
-          <a:lnRef idx="2">
-            <a:schemeClr val="accent1">
-              <a:shade val="50000"/>
-            </a:schemeClr>
-          </a:lnRef>
-          <a:fillRef idx="1">
-            <a:schemeClr val="accent1"/>
-          </a:fillRef>
-          <a:effectRef idx="0">
-            <a:schemeClr val="accent1"/>
-          </a:effectRef>
-          <a:fontRef idx="minor">
-            <a:schemeClr val="lt1"/>
-          </a:fontRef>
-        </p:style>
-        <p:txBody>
-          <a:bodyPr anchor="ctr"/>
-          <a:lstStyle/>
-          <a:p>
-            <a:pPr>
-              <a:defRPr/>
-            </a:pPr>
-            <a:r>
-              <a:rPr lang="en-US" sz="2400" dirty="0"/>
-              <a:t>David (Driver)</a:t>
-            </a:r>
-          </a:p>
-          <a:p>
-            <a:pPr>
-              <a:defRPr/>
-            </a:pPr>
-            <a:endParaRPr lang="en-US" sz="2400" dirty="0"/>
-          </a:p>
-          <a:p>
-            <a:pPr>
-              <a:defRPr/>
-            </a:pPr>
-            <a:endParaRPr lang="en-US" sz="2400" dirty="0"/>
-          </a:p>
-        </p:txBody>
-      </p:sp>
-      <p:cxnSp>
-        <p:nvCxnSpPr>
-          <p:cNvPr id="8" name="Straight Arrow Connector 7"/>
-          <p:cNvCxnSpPr>
-            <a:endCxn id="32" idx="1"/>
-          </p:cNvCxnSpPr>
-          <p:nvPr/>
-        </p:nvCxnSpPr>
-        <p:spPr>
-          <a:xfrm>
-            <a:off x="3805736" y="1403004"/>
-            <a:ext cx="1640154" cy="1192144"/>
-          </a:xfrm>
-          <a:prstGeom prst="straightConnector1">
-            <a:avLst/>
-          </a:prstGeom>
-          <a:ln w="34925">
-            <a:solidFill>
-              <a:schemeClr val="tx1"/>
-            </a:solidFill>
-            <a:tailEnd type="arrow"/>
-          </a:ln>
-        </p:spPr>
-        <p:style>
-          <a:lnRef idx="3">
-            <a:schemeClr val="accent2"/>
-          </a:lnRef>
-          <a:fillRef idx="0">
-            <a:schemeClr val="accent2"/>
-          </a:fillRef>
-          <a:effectRef idx="2">
-            <a:schemeClr val="accent2"/>
-          </a:effectRef>
-          <a:fontRef idx="minor">
-            <a:schemeClr val="tx1"/>
-          </a:fontRef>
-        </p:style>
-      </p:cxnSp>
-      <p:sp>
-        <p:nvSpPr>
-          <p:cNvPr id="23" name="Rounded Rectangle 22"/>
-          <p:cNvSpPr/>
-          <p:nvPr/>
-        </p:nvSpPr>
-        <p:spPr>
-          <a:xfrm>
-            <a:off x="9175294" y="900085"/>
-            <a:ext cx="2786673" cy="1005840"/>
-          </a:xfrm>
-          <a:prstGeom prst="roundRect">
-            <a:avLst/>
-          </a:prstGeom>
-        </p:spPr>
-        <p:style>
-          <a:lnRef idx="2">
-            <a:schemeClr val="accent1">
-              <a:shade val="50000"/>
-            </a:schemeClr>
-          </a:lnRef>
-          <a:fillRef idx="1">
-            <a:schemeClr val="accent1"/>
-          </a:fillRef>
-          <a:effectRef idx="0">
-            <a:schemeClr val="accent1"/>
-          </a:effectRef>
-          <a:fontRef idx="minor">
-            <a:schemeClr val="lt1"/>
-          </a:fontRef>
-        </p:style>
-        <p:txBody>
-          <a:bodyPr anchor="ctr"/>
-          <a:lstStyle/>
-          <a:p>
-            <a:pPr algn="ctr">
-              <a:defRPr/>
-            </a:pPr>
-            <a:r>
-              <a:rPr lang="en-US" sz="2400" dirty="0"/>
-              <a:t>Natalie (Navigator)</a:t>
-            </a:r>
-          </a:p>
-          <a:p>
-            <a:pPr algn="ctr">
-              <a:defRPr/>
-            </a:pPr>
-            <a:endParaRPr lang="en-US" sz="2400" dirty="0"/>
-          </a:p>
-          <a:p>
-            <a:pPr algn="ctr">
-              <a:defRPr/>
-            </a:pPr>
-            <a:endParaRPr lang="en-US" sz="2400" dirty="0"/>
-          </a:p>
-        </p:txBody>
-      </p:sp>
-      <p:sp>
-        <p:nvSpPr>
-          <p:cNvPr id="24" name="Rounded Rectangle 23"/>
-          <p:cNvSpPr/>
-          <p:nvPr/>
-        </p:nvSpPr>
-        <p:spPr>
-          <a:xfrm>
-            <a:off x="1019063" y="904981"/>
-            <a:ext cx="2786673" cy="1005840"/>
-          </a:xfrm>
-          <a:prstGeom prst="roundRect">
-            <a:avLst/>
-          </a:prstGeom>
-          <a:solidFill>
-            <a:srgbClr val="00B050"/>
-          </a:solidFill>
-        </p:spPr>
-        <p:style>
-          <a:lnRef idx="2">
-            <a:schemeClr val="accent1">
-              <a:shade val="50000"/>
-            </a:schemeClr>
-          </a:lnRef>
-          <a:fillRef idx="1">
-            <a:schemeClr val="accent1"/>
-          </a:fillRef>
-          <a:effectRef idx="0">
-            <a:schemeClr val="accent1"/>
-          </a:effectRef>
-          <a:fontRef idx="minor">
-            <a:schemeClr val="lt1"/>
-          </a:fontRef>
-        </p:style>
-        <p:txBody>
-          <a:bodyPr anchor="ctr"/>
-          <a:lstStyle/>
-          <a:p>
-            <a:pPr algn="ctr">
-              <a:defRPr/>
-            </a:pPr>
-            <a:r>
-              <a:rPr lang="en-US" sz="2400" dirty="0"/>
-              <a:t>Github.com repo</a:t>
-            </a:r>
-          </a:p>
-          <a:p>
-            <a:pPr algn="ctr">
-              <a:defRPr/>
-            </a:pPr>
-            <a:r>
-              <a:rPr lang="en-US" sz="2400" dirty="0"/>
-              <a:t>Main.java</a:t>
-            </a:r>
-          </a:p>
-          <a:p>
-            <a:pPr algn="ctr">
-              <a:defRPr/>
-            </a:pPr>
-            <a:endParaRPr lang="en-US" sz="2400" dirty="0"/>
-          </a:p>
-        </p:txBody>
-      </p:sp>
-      <p:sp>
-        <p:nvSpPr>
-          <p:cNvPr id="32" name="Rounded Rectangle 31"/>
-          <p:cNvSpPr/>
-          <p:nvPr/>
-        </p:nvSpPr>
-        <p:spPr>
-          <a:xfrm>
-            <a:off x="5445890" y="2092228"/>
-            <a:ext cx="2786673" cy="1005840"/>
-          </a:xfrm>
-          <a:prstGeom prst="roundRect">
-            <a:avLst/>
-          </a:prstGeom>
-          <a:solidFill>
-            <a:schemeClr val="accent2">
-              <a:lumMod val="75000"/>
-            </a:schemeClr>
-          </a:solidFill>
-        </p:spPr>
-        <p:style>
-          <a:lnRef idx="2">
-            <a:schemeClr val="accent1">
-              <a:shade val="50000"/>
-            </a:schemeClr>
-          </a:lnRef>
-          <a:fillRef idx="1">
-            <a:schemeClr val="accent1"/>
-          </a:fillRef>
-          <a:effectRef idx="0">
-            <a:schemeClr val="accent1"/>
-          </a:effectRef>
-          <a:fontRef idx="minor">
-            <a:schemeClr val="lt1"/>
-          </a:fontRef>
-        </p:style>
-        <p:txBody>
-          <a:bodyPr anchor="ctr"/>
-          <a:lstStyle/>
-          <a:p>
-            <a:pPr>
-              <a:defRPr/>
-            </a:pPr>
-            <a:r>
-              <a:rPr lang="en-US" sz="2400" dirty="0"/>
-              <a:t>David (Driver)</a:t>
-            </a:r>
-          </a:p>
-          <a:p>
-            <a:pPr>
-              <a:defRPr/>
-            </a:pPr>
-            <a:r>
-              <a:rPr lang="en-US" sz="2400" dirty="0"/>
-              <a:t>Main.java</a:t>
-            </a:r>
-          </a:p>
-          <a:p>
-            <a:pPr>
-              <a:defRPr/>
-            </a:pPr>
-            <a:endParaRPr lang="en-US" sz="2400" dirty="0"/>
-          </a:p>
-        </p:txBody>
-      </p:sp>
-      <p:sp>
-        <p:nvSpPr>
-          <p:cNvPr id="33" name="Rounded Rectangle 32"/>
-          <p:cNvSpPr/>
-          <p:nvPr/>
-        </p:nvSpPr>
-        <p:spPr>
-          <a:xfrm>
-            <a:off x="9175294" y="2092229"/>
-            <a:ext cx="2786673" cy="1005840"/>
-          </a:xfrm>
-          <a:prstGeom prst="roundRect">
-            <a:avLst/>
-          </a:prstGeom>
-        </p:spPr>
-        <p:style>
-          <a:lnRef idx="2">
-            <a:schemeClr val="accent1">
-              <a:shade val="50000"/>
-            </a:schemeClr>
-          </a:lnRef>
-          <a:fillRef idx="1">
-            <a:schemeClr val="accent1"/>
-          </a:fillRef>
-          <a:effectRef idx="0">
-            <a:schemeClr val="accent1"/>
-          </a:effectRef>
-          <a:fontRef idx="minor">
-            <a:schemeClr val="lt1"/>
-          </a:fontRef>
-        </p:style>
-        <p:txBody>
-          <a:bodyPr anchor="ctr"/>
-          <a:lstStyle/>
-          <a:p>
-            <a:pPr algn="ctr">
-              <a:defRPr/>
-            </a:pPr>
-            <a:r>
-              <a:rPr lang="en-US" sz="2400" dirty="0"/>
-              <a:t>Natalie (Navigator)</a:t>
-            </a:r>
-          </a:p>
-          <a:p>
-            <a:pPr algn="ctr">
-              <a:defRPr/>
-            </a:pPr>
-            <a:r>
-              <a:rPr lang="en-US" sz="2400" dirty="0"/>
-              <a:t>Main.java</a:t>
-            </a:r>
-          </a:p>
-          <a:p>
-            <a:pPr algn="ctr">
-              <a:defRPr/>
-            </a:pPr>
-            <a:endParaRPr lang="en-US" sz="2400" dirty="0"/>
-          </a:p>
-        </p:txBody>
-      </p:sp>
-      <p:sp>
-        <p:nvSpPr>
-          <p:cNvPr id="34" name="Rounded Rectangle 33"/>
-          <p:cNvSpPr/>
-          <p:nvPr/>
-        </p:nvSpPr>
-        <p:spPr>
-          <a:xfrm>
-            <a:off x="1019063" y="2097125"/>
-            <a:ext cx="2786673" cy="1005840"/>
-          </a:xfrm>
-          <a:prstGeom prst="roundRect">
-            <a:avLst/>
-          </a:prstGeom>
-          <a:solidFill>
-            <a:srgbClr val="00B050"/>
-          </a:solidFill>
-        </p:spPr>
-        <p:style>
-          <a:lnRef idx="2">
-            <a:schemeClr val="accent1">
-              <a:shade val="50000"/>
-            </a:schemeClr>
-          </a:lnRef>
-          <a:fillRef idx="1">
-            <a:schemeClr val="accent1"/>
-          </a:fillRef>
-          <a:effectRef idx="0">
-            <a:schemeClr val="accent1"/>
-          </a:effectRef>
-          <a:fontRef idx="minor">
-            <a:schemeClr val="lt1"/>
-          </a:fontRef>
-        </p:style>
-        <p:txBody>
-          <a:bodyPr anchor="ctr"/>
-          <a:lstStyle/>
-          <a:p>
-            <a:pPr algn="ctr">
-              <a:defRPr/>
-            </a:pPr>
-            <a:r>
-              <a:rPr lang="en-US" sz="2400" dirty="0"/>
-              <a:t>Github.com repo</a:t>
-            </a:r>
-          </a:p>
-          <a:p>
-            <a:pPr algn="ctr">
-              <a:defRPr/>
-            </a:pPr>
-            <a:r>
-              <a:rPr lang="en-US" sz="2400" dirty="0"/>
-              <a:t>Main.java</a:t>
-            </a:r>
-          </a:p>
-          <a:p>
-            <a:pPr algn="ctr">
-              <a:defRPr/>
-            </a:pPr>
-            <a:endParaRPr lang="en-US" sz="2400" dirty="0"/>
-          </a:p>
-        </p:txBody>
-      </p:sp>
-      <p:sp>
-        <p:nvSpPr>
-          <p:cNvPr id="35" name="Rounded Rectangle 34"/>
-          <p:cNvSpPr/>
-          <p:nvPr/>
-        </p:nvSpPr>
-        <p:spPr>
-          <a:xfrm>
-            <a:off x="5445890" y="3284372"/>
-            <a:ext cx="2786673" cy="1005840"/>
-          </a:xfrm>
-          <a:prstGeom prst="roundRect">
-            <a:avLst/>
-          </a:prstGeom>
-          <a:solidFill>
-            <a:schemeClr val="accent2">
-              <a:lumMod val="75000"/>
-            </a:schemeClr>
-          </a:solidFill>
-        </p:spPr>
-        <p:style>
-          <a:lnRef idx="2">
-            <a:schemeClr val="accent1">
-              <a:shade val="50000"/>
-            </a:schemeClr>
-          </a:lnRef>
-          <a:fillRef idx="1">
-            <a:schemeClr val="accent1"/>
-          </a:fillRef>
-          <a:effectRef idx="0">
-            <a:schemeClr val="accent1"/>
-          </a:effectRef>
-          <a:fontRef idx="minor">
-            <a:schemeClr val="lt1"/>
-          </a:fontRef>
-        </p:style>
-        <p:txBody>
-          <a:bodyPr anchor="ctr"/>
-          <a:lstStyle/>
-          <a:p>
-            <a:pPr>
-              <a:defRPr/>
-            </a:pPr>
-            <a:r>
-              <a:rPr lang="en-US" sz="2400" dirty="0"/>
-              <a:t>David (Driver)</a:t>
-            </a:r>
-          </a:p>
-          <a:p>
-            <a:pPr>
-              <a:defRPr/>
-            </a:pPr>
-            <a:r>
-              <a:rPr lang="en-US" sz="2400" dirty="0"/>
-              <a:t>Main.java</a:t>
-            </a:r>
-          </a:p>
-          <a:p>
-            <a:pPr>
-              <a:defRPr/>
-            </a:pPr>
-            <a:r>
-              <a:rPr lang="en-US" sz="2400" dirty="0"/>
-              <a:t>Level.java</a:t>
-            </a:r>
-          </a:p>
-        </p:txBody>
-      </p:sp>
-      <p:sp>
-        <p:nvSpPr>
-          <p:cNvPr id="36" name="Rounded Rectangle 35"/>
-          <p:cNvSpPr/>
-          <p:nvPr/>
-        </p:nvSpPr>
-        <p:spPr>
-          <a:xfrm>
-            <a:off x="9175294" y="3284373"/>
-            <a:ext cx="2786673" cy="1005840"/>
-          </a:xfrm>
-          <a:prstGeom prst="roundRect">
-            <a:avLst/>
-          </a:prstGeom>
-        </p:spPr>
-        <p:style>
-          <a:lnRef idx="2">
-            <a:schemeClr val="accent1">
-              <a:shade val="50000"/>
-            </a:schemeClr>
-          </a:lnRef>
-          <a:fillRef idx="1">
-            <a:schemeClr val="accent1"/>
-          </a:fillRef>
-          <a:effectRef idx="0">
-            <a:schemeClr val="accent1"/>
-          </a:effectRef>
-          <a:fontRef idx="minor">
-            <a:schemeClr val="lt1"/>
-          </a:fontRef>
-        </p:style>
-        <p:txBody>
-          <a:bodyPr anchor="ctr"/>
-          <a:lstStyle/>
-          <a:p>
-            <a:pPr algn="ctr">
-              <a:defRPr/>
-            </a:pPr>
-            <a:r>
-              <a:rPr lang="en-US" sz="2400" dirty="0"/>
-              <a:t>Natalie (Navigator)</a:t>
-            </a:r>
-          </a:p>
-          <a:p>
-            <a:pPr algn="ctr">
-              <a:defRPr/>
-            </a:pPr>
-            <a:r>
-              <a:rPr lang="en-US" sz="2400" dirty="0"/>
-              <a:t>Main.java</a:t>
-            </a:r>
-          </a:p>
-          <a:p>
-            <a:pPr algn="ctr">
-              <a:defRPr/>
-            </a:pPr>
-            <a:endParaRPr lang="en-US" sz="2400" dirty="0"/>
-          </a:p>
-        </p:txBody>
-      </p:sp>
-      <p:sp>
-        <p:nvSpPr>
-          <p:cNvPr id="37" name="Rounded Rectangle 36"/>
-          <p:cNvSpPr/>
-          <p:nvPr/>
-        </p:nvSpPr>
-        <p:spPr>
-          <a:xfrm>
-            <a:off x="1019063" y="3289269"/>
-            <a:ext cx="2786673" cy="1005840"/>
-          </a:xfrm>
-          <a:prstGeom prst="roundRect">
-            <a:avLst/>
-          </a:prstGeom>
-          <a:solidFill>
-            <a:srgbClr val="00B050"/>
-          </a:solidFill>
-        </p:spPr>
-        <p:style>
-          <a:lnRef idx="2">
-            <a:schemeClr val="accent1">
-              <a:shade val="50000"/>
-            </a:schemeClr>
-          </a:lnRef>
-          <a:fillRef idx="1">
-            <a:schemeClr val="accent1"/>
-          </a:fillRef>
-          <a:effectRef idx="0">
-            <a:schemeClr val="accent1"/>
-          </a:effectRef>
-          <a:fontRef idx="minor">
-            <a:schemeClr val="lt1"/>
-          </a:fontRef>
-        </p:style>
-        <p:txBody>
-          <a:bodyPr anchor="ctr"/>
-          <a:lstStyle/>
-          <a:p>
-            <a:pPr algn="ctr">
-              <a:defRPr/>
-            </a:pPr>
-            <a:r>
-              <a:rPr lang="en-US" sz="2400" dirty="0"/>
-              <a:t>Github.com repo</a:t>
-            </a:r>
-          </a:p>
-          <a:p>
-            <a:pPr algn="ctr">
-              <a:defRPr/>
-            </a:pPr>
-            <a:r>
-              <a:rPr lang="en-US" sz="2400" dirty="0"/>
-              <a:t>Main.java</a:t>
-            </a:r>
-          </a:p>
-          <a:p>
-            <a:pPr algn="ctr">
-              <a:defRPr/>
-            </a:pPr>
-            <a:endParaRPr lang="en-US" sz="2400" dirty="0"/>
-          </a:p>
-        </p:txBody>
-      </p:sp>
-      <p:sp>
-        <p:nvSpPr>
-          <p:cNvPr id="38" name="Rounded Rectangle 37"/>
-          <p:cNvSpPr/>
-          <p:nvPr/>
-        </p:nvSpPr>
-        <p:spPr>
-          <a:xfrm>
-            <a:off x="5445890" y="4476516"/>
-            <a:ext cx="2786673" cy="1005840"/>
-          </a:xfrm>
-          <a:prstGeom prst="roundRect">
-            <a:avLst/>
-          </a:prstGeom>
-          <a:solidFill>
-            <a:schemeClr val="accent2">
-              <a:lumMod val="75000"/>
-            </a:schemeClr>
-          </a:solidFill>
-        </p:spPr>
-        <p:style>
-          <a:lnRef idx="2">
-            <a:schemeClr val="accent1">
-              <a:shade val="50000"/>
-            </a:schemeClr>
-          </a:lnRef>
-          <a:fillRef idx="1">
-            <a:schemeClr val="accent1"/>
-          </a:fillRef>
-          <a:effectRef idx="0">
-            <a:schemeClr val="accent1"/>
-          </a:effectRef>
-          <a:fontRef idx="minor">
-            <a:schemeClr val="lt1"/>
-          </a:fontRef>
-        </p:style>
-        <p:txBody>
-          <a:bodyPr anchor="ctr"/>
-          <a:lstStyle/>
-          <a:p>
-            <a:pPr>
-              <a:defRPr/>
-            </a:pPr>
-            <a:r>
-              <a:rPr lang="en-US" sz="2400" dirty="0"/>
-              <a:t>David (Driver)</a:t>
-            </a:r>
-          </a:p>
-          <a:p>
-            <a:pPr>
-              <a:defRPr/>
-            </a:pPr>
-            <a:r>
-              <a:rPr lang="en-US" sz="2400" dirty="0"/>
-              <a:t>Main.java</a:t>
-            </a:r>
-          </a:p>
-          <a:p>
-            <a:pPr>
-              <a:defRPr/>
-            </a:pPr>
-            <a:r>
-              <a:rPr lang="en-US" sz="2400" dirty="0"/>
-              <a:t>Level.java</a:t>
-            </a:r>
-          </a:p>
-        </p:txBody>
-      </p:sp>
-      <p:sp>
-        <p:nvSpPr>
-          <p:cNvPr id="39" name="Rounded Rectangle 38"/>
-          <p:cNvSpPr/>
-          <p:nvPr/>
-        </p:nvSpPr>
-        <p:spPr>
-          <a:xfrm>
-            <a:off x="9175294" y="4476517"/>
-            <a:ext cx="2786673" cy="1005840"/>
-          </a:xfrm>
-          <a:prstGeom prst="roundRect">
-            <a:avLst/>
-          </a:prstGeom>
-        </p:spPr>
-        <p:style>
-          <a:lnRef idx="2">
-            <a:schemeClr val="accent1">
-              <a:shade val="50000"/>
-            </a:schemeClr>
-          </a:lnRef>
-          <a:fillRef idx="1">
-            <a:schemeClr val="accent1"/>
-          </a:fillRef>
-          <a:effectRef idx="0">
-            <a:schemeClr val="accent1"/>
-          </a:effectRef>
-          <a:fontRef idx="minor">
-            <a:schemeClr val="lt1"/>
-          </a:fontRef>
-        </p:style>
-        <p:txBody>
-          <a:bodyPr anchor="ctr"/>
-          <a:lstStyle/>
-          <a:p>
-            <a:pPr algn="ctr">
-              <a:defRPr/>
-            </a:pPr>
-            <a:r>
-              <a:rPr lang="en-US" sz="2400" dirty="0"/>
-              <a:t>Natalie (Navigator)</a:t>
-            </a:r>
-          </a:p>
-          <a:p>
-            <a:pPr algn="ctr">
-              <a:defRPr/>
-            </a:pPr>
-            <a:r>
-              <a:rPr lang="en-US" sz="2400" dirty="0"/>
-              <a:t>Main.java</a:t>
-            </a:r>
-          </a:p>
-          <a:p>
-            <a:pPr algn="ctr">
-              <a:defRPr/>
-            </a:pPr>
-            <a:endParaRPr lang="en-US" sz="2400" dirty="0"/>
-          </a:p>
-        </p:txBody>
-      </p:sp>
-      <p:sp>
-        <p:nvSpPr>
-          <p:cNvPr id="40" name="Rounded Rectangle 39"/>
-          <p:cNvSpPr/>
-          <p:nvPr/>
-        </p:nvSpPr>
-        <p:spPr>
-          <a:xfrm>
-            <a:off x="1019063" y="4481413"/>
-            <a:ext cx="2786673" cy="1005840"/>
-          </a:xfrm>
-          <a:prstGeom prst="roundRect">
-            <a:avLst/>
-          </a:prstGeom>
-          <a:solidFill>
-            <a:srgbClr val="00B050"/>
-          </a:solidFill>
-        </p:spPr>
-        <p:style>
-          <a:lnRef idx="2">
-            <a:schemeClr val="accent1">
-              <a:shade val="50000"/>
-            </a:schemeClr>
-          </a:lnRef>
-          <a:fillRef idx="1">
-            <a:schemeClr val="accent1"/>
-          </a:fillRef>
-          <a:effectRef idx="0">
-            <a:schemeClr val="accent1"/>
-          </a:effectRef>
-          <a:fontRef idx="minor">
-            <a:schemeClr val="lt1"/>
-          </a:fontRef>
-        </p:style>
-        <p:txBody>
-          <a:bodyPr anchor="ctr"/>
-          <a:lstStyle/>
-          <a:p>
-            <a:pPr algn="ctr">
-              <a:defRPr/>
-            </a:pPr>
-            <a:r>
-              <a:rPr lang="en-US" sz="2400" dirty="0"/>
-              <a:t>Github.com repo</a:t>
-            </a:r>
-          </a:p>
-          <a:p>
-            <a:pPr algn="ctr">
-              <a:defRPr/>
-            </a:pPr>
-            <a:r>
-              <a:rPr lang="en-US" sz="2400" dirty="0"/>
-              <a:t>Main.java</a:t>
-            </a:r>
-          </a:p>
-          <a:p>
-            <a:pPr algn="ctr">
-              <a:defRPr/>
-            </a:pPr>
-            <a:r>
-              <a:rPr lang="en-US" sz="2400" dirty="0"/>
-              <a:t>Level.java</a:t>
-            </a:r>
-          </a:p>
-        </p:txBody>
-      </p:sp>
-      <p:sp>
-        <p:nvSpPr>
-          <p:cNvPr id="14" name="TextBox 13"/>
-          <p:cNvSpPr txBox="1"/>
-          <p:nvPr/>
-        </p:nvSpPr>
-        <p:spPr>
-          <a:xfrm>
-            <a:off x="3894421" y="1077563"/>
-            <a:ext cx="909223" cy="461665"/>
-          </a:xfrm>
-          <a:prstGeom prst="rect">
-            <a:avLst/>
-          </a:prstGeom>
-          <a:noFill/>
-        </p:spPr>
-        <p:txBody>
-          <a:bodyPr wrap="none" rtlCol="0">
-            <a:spAutoFit/>
-          </a:bodyPr>
-          <a:lstStyle/>
-          <a:p>
-            <a:r>
-              <a:rPr lang="en-US" sz="2400" b="1" dirty="0"/>
-              <a:t>Clone</a:t>
-            </a:r>
-          </a:p>
-        </p:txBody>
-      </p:sp>
-      <p:sp>
-        <p:nvSpPr>
-          <p:cNvPr id="42" name="TextBox 41"/>
-          <p:cNvSpPr txBox="1"/>
-          <p:nvPr/>
-        </p:nvSpPr>
-        <p:spPr>
-          <a:xfrm>
-            <a:off x="6225795" y="2595148"/>
-            <a:ext cx="2129422" cy="461665"/>
-          </a:xfrm>
-          <a:prstGeom prst="rect">
-            <a:avLst/>
-          </a:prstGeom>
-          <a:noFill/>
-        </p:spPr>
-        <p:txBody>
-          <a:bodyPr wrap="square" rtlCol="0">
-            <a:spAutoFit/>
-          </a:bodyPr>
-          <a:lstStyle/>
-          <a:p>
-            <a:r>
-              <a:rPr lang="en-US" sz="2400" b="1" dirty="0"/>
-              <a:t>Edit + Commit</a:t>
-            </a:r>
-          </a:p>
-        </p:txBody>
-      </p:sp>
-      <p:cxnSp>
-        <p:nvCxnSpPr>
-          <p:cNvPr id="43" name="Straight Arrow Connector 42"/>
-          <p:cNvCxnSpPr>
-            <a:endCxn id="40" idx="3"/>
-          </p:cNvCxnSpPr>
-          <p:nvPr/>
-        </p:nvCxnSpPr>
-        <p:spPr>
-          <a:xfrm flipH="1">
-            <a:off x="3805736" y="4138047"/>
-            <a:ext cx="1640155" cy="846286"/>
-          </a:xfrm>
-          <a:prstGeom prst="straightConnector1">
-            <a:avLst/>
-          </a:prstGeom>
-          <a:ln w="34925">
-            <a:solidFill>
-              <a:schemeClr val="tx1"/>
-            </a:solidFill>
+          <a:ln>
             <a:tailEnd type="arrow"/>
           </a:ln>
         </p:spPr>
@@ -7533,22 +6790,19 @@
       </p:cxnSp>
       <p:cxnSp>
         <p:nvCxnSpPr>
-          <p:cNvPr id="46" name="Straight Arrow Connector 45"/>
+          <p:cNvPr id="15" name="Straight Arrow Connector 14"/>
           <p:cNvCxnSpPr/>
           <p:nvPr/>
         </p:nvCxnSpPr>
         <p:spPr>
           <a:xfrm flipH="1">
-            <a:off x="6919994" y="2885111"/>
-            <a:ext cx="615145" cy="1248039"/>
+            <a:off x="8565662" y="2482696"/>
+            <a:ext cx="7450" cy="534045"/>
           </a:xfrm>
           <a:prstGeom prst="straightConnector1">
             <a:avLst/>
           </a:prstGeom>
-          <a:ln w="34925">
-            <a:solidFill>
-              <a:schemeClr val="tx1"/>
-            </a:solidFill>
+          <a:ln>
             <a:tailEnd type="arrow"/>
           </a:ln>
         </p:spPr>
@@ -7567,54 +6821,119 @@
           </a:fontRef>
         </p:style>
       </p:cxnSp>
-      <p:sp>
-        <p:nvSpPr>
-          <p:cNvPr id="49" name="TextBox 48"/>
-          <p:cNvSpPr txBox="1"/>
+      <p:cxnSp>
+        <p:nvCxnSpPr>
+          <p:cNvPr id="18" name="Straight Arrow Connector 17"/>
+          <p:cNvCxnSpPr/>
           <p:nvPr/>
-        </p:nvSpPr>
-        <p:spPr>
-          <a:xfrm>
-            <a:off x="4087770" y="4068763"/>
-            <a:ext cx="801823" cy="461665"/>
-          </a:xfrm>
-          <a:prstGeom prst="rect">
+        </p:nvCxnSpPr>
+        <p:spPr>
+          <a:xfrm flipH="1" flipV="1">
+            <a:off x="6432062" y="5485057"/>
+            <a:ext cx="552937" cy="11688"/>
+          </a:xfrm>
+          <a:prstGeom prst="straightConnector1">
             <a:avLst/>
           </a:prstGeom>
-          <a:noFill/>
-        </p:spPr>
-        <p:txBody>
-          <a:bodyPr wrap="none" rtlCol="0">
-            <a:spAutoFit/>
-          </a:bodyPr>
-          <a:lstStyle/>
-          <a:p>
-            <a:r>
-              <a:rPr lang="en-US" sz="2400" b="1" dirty="0"/>
-              <a:t>Push</a:t>
-            </a:r>
-          </a:p>
-        </p:txBody>
-      </p:sp>
-      <p:sp>
-        <p:nvSpPr>
-          <p:cNvPr id="50" name="Rounded Rectangle 49"/>
+          <a:ln>
+            <a:tailEnd type="arrow"/>
+          </a:ln>
+        </p:spPr>
+        <p:style>
+          <a:lnRef idx="3">
+            <a:schemeClr val="accent2"/>
+          </a:lnRef>
+          <a:fillRef idx="0">
+            <a:schemeClr val="accent2"/>
+          </a:fillRef>
+          <a:effectRef idx="2">
+            <a:schemeClr val="accent2"/>
+          </a:effectRef>
+          <a:fontRef idx="minor">
+            <a:schemeClr val="tx1"/>
+          </a:fontRef>
+        </p:style>
+      </p:cxnSp>
+      <p:cxnSp>
+        <p:nvCxnSpPr>
+          <p:cNvPr id="22" name="Straight Arrow Connector 21"/>
+          <p:cNvCxnSpPr/>
+          <p:nvPr/>
+        </p:nvCxnSpPr>
+        <p:spPr>
+          <a:xfrm flipV="1">
+            <a:off x="2341439" y="4520358"/>
+            <a:ext cx="3177" cy="394264"/>
+          </a:xfrm>
+          <a:prstGeom prst="straightConnector1">
+            <a:avLst/>
+          </a:prstGeom>
+          <a:ln>
+            <a:tailEnd type="arrow"/>
+          </a:ln>
+        </p:spPr>
+        <p:style>
+          <a:lnRef idx="3">
+            <a:schemeClr val="accent2"/>
+          </a:lnRef>
+          <a:fillRef idx="0">
+            <a:schemeClr val="accent2"/>
+          </a:fillRef>
+          <a:effectRef idx="2">
+            <a:schemeClr val="accent2"/>
+          </a:effectRef>
+          <a:fontRef idx="minor">
+            <a:schemeClr val="tx1"/>
+          </a:fontRef>
+        </p:style>
+      </p:cxnSp>
+      <p:cxnSp>
+        <p:nvCxnSpPr>
+          <p:cNvPr id="17" name="Straight Arrow Connector 16"/>
+          <p:cNvCxnSpPr/>
+          <p:nvPr/>
+        </p:nvCxnSpPr>
+        <p:spPr>
+          <a:xfrm flipH="1">
+            <a:off x="4173415" y="5523515"/>
+            <a:ext cx="429845" cy="5033"/>
+          </a:xfrm>
+          <a:prstGeom prst="straightConnector1">
+            <a:avLst/>
+          </a:prstGeom>
+          <a:ln>
+            <a:tailEnd type="arrow"/>
+          </a:ln>
+        </p:spPr>
+        <p:style>
+          <a:lnRef idx="3">
+            <a:schemeClr val="accent2"/>
+          </a:lnRef>
+          <a:fillRef idx="0">
+            <a:schemeClr val="accent2"/>
+          </a:fillRef>
+          <a:effectRef idx="2">
+            <a:schemeClr val="accent2"/>
+          </a:effectRef>
+          <a:fontRef idx="minor">
+            <a:schemeClr val="tx1"/>
+          </a:fontRef>
+        </p:style>
+      </p:cxnSp>
+      <p:sp>
+        <p:nvSpPr>
+          <p:cNvPr id="19" name="Rounded Rectangle 18"/>
           <p:cNvSpPr/>
           <p:nvPr/>
         </p:nvSpPr>
         <p:spPr>
           <a:xfrm>
-            <a:off x="5445890" y="5676047"/>
-            <a:ext cx="2786673" cy="1005840"/>
+            <a:off x="6984999" y="927394"/>
+            <a:ext cx="3292232" cy="1587281"/>
           </a:xfrm>
           <a:prstGeom prst="roundRect">
             <a:avLst/>
           </a:prstGeom>
-          <a:solidFill>
-            <a:schemeClr val="accent2">
-              <a:lumMod val="75000"/>
-            </a:schemeClr>
-          </a:solidFill>
         </p:spPr>
         <p:style>
           <a:lnRef idx="2">
@@ -7636,44 +6955,34 @@
           <a:bodyPr anchor="ctr"/>
           <a:lstStyle/>
           <a:p>
-            <a:pPr>
+            <a:pPr algn="ctr">
               <a:defRPr/>
             </a:pPr>
             <a:r>
               <a:rPr lang="en-US" sz="2400" dirty="0"/>
-              <a:t>David (Driver)</a:t>
-            </a:r>
-          </a:p>
-          <a:p>
-            <a:pPr>
-              <a:defRPr/>
-            </a:pPr>
+              <a:t>Driver initiates a </a:t>
+            </a:r>
+            <a:r>
+              <a:rPr lang="en-US" sz="2400" dirty="0" err="1"/>
+              <a:t>CodeTogether</a:t>
+            </a:r>
             <a:r>
               <a:rPr lang="en-US" sz="2400" dirty="0"/>
-              <a:t>Main.java</a:t>
-            </a:r>
-          </a:p>
-          <a:p>
-            <a:pPr>
-              <a:defRPr/>
-            </a:pPr>
-            <a:r>
-              <a:rPr lang="en-US" sz="2400" dirty="0"/>
-              <a:t>Level.java</a:t>
-            </a:r>
-          </a:p>
-        </p:txBody>
-      </p:sp>
-      <p:sp>
-        <p:nvSpPr>
-          <p:cNvPr id="51" name="Rounded Rectangle 50"/>
+              <a:t> session and shares it with Navigator</a:t>
+            </a:r>
+          </a:p>
+        </p:txBody>
+      </p:sp>
+      <p:sp>
+        <p:nvSpPr>
+          <p:cNvPr id="20" name="Rounded Rectangle 19"/>
           <p:cNvSpPr/>
           <p:nvPr/>
         </p:nvSpPr>
         <p:spPr>
           <a:xfrm>
-            <a:off x="9175294" y="5676048"/>
-            <a:ext cx="2786673" cy="1005840"/>
+            <a:off x="6924432" y="3054559"/>
+            <a:ext cx="3352799" cy="1607209"/>
           </a:xfrm>
           <a:prstGeom prst="roundRect">
             <a:avLst/>
@@ -7704,46 +7013,58 @@
             </a:pPr>
             <a:r>
               <a:rPr lang="en-US" sz="2400" dirty="0"/>
-              <a:t>Natalie (Navigator)</a:t>
-            </a:r>
-          </a:p>
-          <a:p>
-            <a:pPr algn="ctr">
-              <a:defRPr/>
-            </a:pPr>
-            <a:r>
-              <a:rPr lang="en-US" sz="2400" dirty="0"/>
-              <a:t>Main.java</a:t>
-            </a:r>
-          </a:p>
-          <a:p>
-            <a:pPr algn="ctr">
-              <a:defRPr/>
-            </a:pPr>
-            <a:r>
-              <a:rPr lang="en-US" sz="2400" dirty="0"/>
-              <a:t>Level.java</a:t>
-            </a:r>
-          </a:p>
-        </p:txBody>
-      </p:sp>
-      <p:sp>
-        <p:nvSpPr>
-          <p:cNvPr id="52" name="Rounded Rectangle 51"/>
+              <a:t>Navigator connects and then watches and gives feedback via phone/conference call</a:t>
+            </a:r>
+          </a:p>
+        </p:txBody>
+      </p:sp>
+      <p:cxnSp>
+        <p:nvCxnSpPr>
+          <p:cNvPr id="21" name="Straight Arrow Connector 20"/>
+          <p:cNvCxnSpPr/>
+          <p:nvPr/>
+        </p:nvCxnSpPr>
+        <p:spPr>
+          <a:xfrm flipH="1">
+            <a:off x="8561937" y="4503912"/>
+            <a:ext cx="7450" cy="534045"/>
+          </a:xfrm>
+          <a:prstGeom prst="straightConnector1">
+            <a:avLst/>
+          </a:prstGeom>
+          <a:ln>
+            <a:tailEnd type="arrow"/>
+          </a:ln>
+        </p:spPr>
+        <p:style>
+          <a:lnRef idx="3">
+            <a:schemeClr val="accent2"/>
+          </a:lnRef>
+          <a:fillRef idx="0">
+            <a:schemeClr val="accent2"/>
+          </a:fillRef>
+          <a:effectRef idx="2">
+            <a:schemeClr val="accent2"/>
+          </a:effectRef>
+          <a:fontRef idx="minor">
+            <a:schemeClr val="tx1"/>
+          </a:fontRef>
+        </p:style>
+      </p:cxnSp>
+      <p:sp>
+        <p:nvSpPr>
+          <p:cNvPr id="26" name="Rounded Rectangle 25"/>
           <p:cNvSpPr/>
           <p:nvPr/>
         </p:nvSpPr>
         <p:spPr>
           <a:xfrm>
-            <a:off x="1019063" y="5680944"/>
-            <a:ext cx="2786673" cy="1005840"/>
+            <a:off x="541212" y="3286873"/>
+            <a:ext cx="3946771" cy="1217039"/>
           </a:xfrm>
           <a:prstGeom prst="roundRect">
             <a:avLst/>
           </a:prstGeom>
-          <a:solidFill>
-            <a:srgbClr val="00B050"/>
-          </a:solidFill>
         </p:spPr>
         <p:style>
           <a:lnRef idx="2">
@@ -7770,7 +7091,7 @@
             </a:pPr>
             <a:r>
               <a:rPr lang="en-US" sz="2400" dirty="0"/>
-              <a:t>Github.com repo</a:t>
+              <a:t>Navigator: Pull</a:t>
             </a:r>
           </a:p>
           <a:p>
@@ -7779,53 +7100,50 @@
             </a:pPr>
             <a:r>
               <a:rPr lang="en-US" sz="2400" dirty="0"/>
-              <a:t>Main.java</a:t>
-            </a:r>
-          </a:p>
-          <a:p>
-            <a:pPr algn="ctr">
-              <a:defRPr/>
-            </a:pPr>
-            <a:r>
-              <a:rPr lang="en-US" sz="2400" dirty="0"/>
-              <a:t>Level.java</a:t>
-            </a:r>
-          </a:p>
-        </p:txBody>
-      </p:sp>
-      <p:sp>
-        <p:nvSpPr>
-          <p:cNvPr id="23557" name="Rectangle 23556"/>
-          <p:cNvSpPr/>
+              <a:t>(files are now on Driver, Navigator, AND github.com)</a:t>
+            </a:r>
+          </a:p>
+        </p:txBody>
+      </p:sp>
+      <p:cxnSp>
+        <p:nvCxnSpPr>
+          <p:cNvPr id="29" name="Straight Arrow Connector 28"/>
+          <p:cNvCxnSpPr>
+            <a:endCxn id="5" idx="2"/>
+          </p:cNvCxnSpPr>
           <p:nvPr/>
-        </p:nvSpPr>
-        <p:spPr>
-          <a:xfrm>
-            <a:off x="3878823" y="5759855"/>
-            <a:ext cx="663964" cy="461665"/>
-          </a:xfrm>
-          <a:prstGeom prst="rect">
+        </p:nvCxnSpPr>
+        <p:spPr>
+          <a:xfrm flipV="1">
+            <a:off x="2450852" y="2454275"/>
+            <a:ext cx="2037131" cy="832598"/>
+          </a:xfrm>
+          <a:prstGeom prst="straightConnector1">
             <a:avLst/>
           </a:prstGeom>
-        </p:spPr>
-        <p:txBody>
-          <a:bodyPr wrap="none">
-            <a:spAutoFit/>
-          </a:bodyPr>
-          <a:lstStyle/>
-          <a:p>
-            <a:r>
-              <a:rPr lang="en-US" sz="2400" b="1" dirty="0"/>
-              <a:t>Pull</a:t>
-            </a:r>
-            <a:endParaRPr lang="en-US" sz="2400" dirty="0"/>
-          </a:p>
-        </p:txBody>
-      </p:sp>
+          <a:ln>
+            <a:tailEnd type="arrow"/>
+          </a:ln>
+        </p:spPr>
+        <p:style>
+          <a:lnRef idx="3">
+            <a:schemeClr val="accent2"/>
+          </a:lnRef>
+          <a:fillRef idx="0">
+            <a:schemeClr val="accent2"/>
+          </a:fillRef>
+          <a:effectRef idx="2">
+            <a:schemeClr val="accent2"/>
+          </a:effectRef>
+          <a:fontRef idx="minor">
+            <a:schemeClr val="tx1"/>
+          </a:fontRef>
+        </p:style>
+      </p:cxnSp>
     </p:spTree>
     <p:extLst>
       <p:ext uri="{BB962C8B-B14F-4D97-AF65-F5344CB8AC3E}">
-        <p14:creationId xmlns:p14="http://schemas.microsoft.com/office/powerpoint/2010/main" val="495853861"/>
+        <p14:creationId xmlns:p14="http://schemas.microsoft.com/office/powerpoint/2010/main" val="3006182696"/>
       </p:ext>
     </p:extLst>
   </p:cSld>
@@ -8495,8 +7813,8 @@
         </p:nvSpPr>
         <p:spPr>
           <a:xfrm>
-            <a:off x="512644" y="4924338"/>
-            <a:ext cx="10728603" cy="1200329"/>
+            <a:off x="492765" y="4626164"/>
+            <a:ext cx="10728603" cy="2031325"/>
           </a:xfrm>
           <a:prstGeom prst="rect">
             <a:avLst/>
@@ -8514,23 +7832,43 @@
               <a:buChar char="•"/>
             </a:pPr>
             <a:r>
-              <a:rPr lang="en-US" dirty="0"/>
+              <a:rPr lang="en-US" sz="3600" dirty="0">
+                <a:highlight>
+                  <a:srgbClr val="FFFF00"/>
+                </a:highlight>
+              </a:rPr>
               <a:t>The </a:t>
             </a:r>
             <a:r>
-              <a:rPr lang="en-US" b="1" dirty="0"/>
+              <a:rPr lang="en-US" sz="3600" b="1" dirty="0">
+                <a:highlight>
+                  <a:srgbClr val="FFFF00"/>
+                </a:highlight>
+              </a:rPr>
               <a:t>FIRST</a:t>
             </a:r>
             <a:r>
-              <a:rPr lang="en-US" dirty="0"/>
+              <a:rPr lang="en-US" sz="3600" dirty="0">
+                <a:highlight>
+                  <a:srgbClr val="FFFF00"/>
+                </a:highlight>
+              </a:rPr>
               <a:t> student should do this and </a:t>
             </a:r>
             <a:r>
-              <a:rPr lang="en-US" b="1" dirty="0"/>
+              <a:rPr lang="en-US" sz="3600" b="1" dirty="0">
+                <a:highlight>
+                  <a:srgbClr val="FFFF00"/>
+                </a:highlight>
+              </a:rPr>
               <a:t>CREATE</a:t>
             </a:r>
             <a:r>
-              <a:rPr lang="en-US" dirty="0"/>
+              <a:rPr lang="en-US" sz="3600" dirty="0">
+                <a:highlight>
+                  <a:srgbClr val="FFFF00"/>
+                </a:highlight>
+              </a:rPr>
               <a:t> the team with the proper name from the Team/TA Spreadsheet</a:t>
             </a:r>
           </a:p>
@@ -8545,7 +7883,7 @@
             </a:r>
             <a:r>
               <a:rPr lang="en-US" b="1" dirty="0"/>
-              <a:t>SECOND/THIRD</a:t>
+              <a:t>SECOND/THIRD/FOURTH</a:t>
             </a:r>
             <a:r>
               <a:rPr lang="en-US" dirty="0"/>
@@ -9159,9 +8497,86 @@
           <a:chExt cx="0" cy="0"/>
         </a:xfrm>
       </p:grpSpPr>
-      <p:sp>
-        <p:nvSpPr>
-          <p:cNvPr id="2" name="Title 1"/>
+      <p:cxnSp>
+        <p:nvCxnSpPr>
+          <p:cNvPr id="53" name="Straight Arrow Connector 52"/>
+          <p:cNvCxnSpPr>
+            <a:endCxn id="51" idx="1"/>
+          </p:cNvCxnSpPr>
+          <p:nvPr/>
+        </p:nvCxnSpPr>
+        <p:spPr>
+          <a:xfrm>
+            <a:off x="3805736" y="6178967"/>
+            <a:ext cx="5369558" cy="1"/>
+          </a:xfrm>
+          <a:prstGeom prst="straightConnector1">
+            <a:avLst/>
+          </a:prstGeom>
+          <a:ln w="34925">
+            <a:solidFill>
+              <a:schemeClr val="tx1"/>
+            </a:solidFill>
+            <a:tailEnd type="arrow"/>
+          </a:ln>
+        </p:spPr>
+        <p:style>
+          <a:lnRef idx="3">
+            <a:schemeClr val="accent2"/>
+          </a:lnRef>
+          <a:fillRef idx="0">
+            <a:schemeClr val="accent2"/>
+          </a:fillRef>
+          <a:effectRef idx="2">
+            <a:schemeClr val="accent2"/>
+          </a:effectRef>
+          <a:fontRef idx="minor">
+            <a:schemeClr val="tx1"/>
+          </a:fontRef>
+        </p:style>
+      </p:cxnSp>
+      <p:cxnSp>
+        <p:nvCxnSpPr>
+          <p:cNvPr id="41" name="Straight Arrow Connector 40"/>
+          <p:cNvCxnSpPr>
+            <a:stCxn id="24" idx="3"/>
+            <a:endCxn id="33" idx="1"/>
+          </p:cNvCxnSpPr>
+          <p:nvPr/>
+        </p:nvCxnSpPr>
+        <p:spPr>
+          <a:xfrm>
+            <a:off x="3805736" y="1407901"/>
+            <a:ext cx="5369558" cy="1187248"/>
+          </a:xfrm>
+          <a:prstGeom prst="straightConnector1">
+            <a:avLst/>
+          </a:prstGeom>
+          <a:ln w="34925">
+            <a:solidFill>
+              <a:schemeClr val="tx1"/>
+            </a:solidFill>
+            <a:tailEnd type="arrow"/>
+          </a:ln>
+        </p:spPr>
+        <p:style>
+          <a:lnRef idx="3">
+            <a:schemeClr val="accent2"/>
+          </a:lnRef>
+          <a:fillRef idx="0">
+            <a:schemeClr val="accent2"/>
+          </a:fillRef>
+          <a:effectRef idx="2">
+            <a:schemeClr val="accent2"/>
+          </a:effectRef>
+          <a:fontRef idx="minor">
+            <a:schemeClr val="tx1"/>
+          </a:fontRef>
+        </p:style>
+      </p:cxnSp>
+      <p:sp>
+        <p:nvSpPr>
+          <p:cNvPr id="23554" name="Title 1"/>
           <p:cNvSpPr>
             <a:spLocks noGrp="1"/>
           </p:cNvSpPr>
@@ -9169,34 +8584,42 @@
             <p:ph type="title"/>
           </p:nvPr>
         </p:nvSpPr>
-        <p:spPr/>
-        <p:txBody>
-          <a:bodyPr>
-            <a:normAutofit/>
-          </a:bodyPr>
-          <a:lstStyle/>
-          <a:p>
-            <a:r>
-              <a:rPr lang="en-US" sz="3800" dirty="0"/>
-              <a:t>What if Two+ People Edit the Same Code?</a:t>
-            </a:r>
-          </a:p>
-        </p:txBody>
-      </p:sp>
-      <p:sp>
-        <p:nvSpPr>
-          <p:cNvPr id="4" name="Rectangle 3"/>
+        <p:spPr>
+          <a:xfrm>
+            <a:off x="620478" y="-337698"/>
+            <a:ext cx="10515600" cy="1325563"/>
+          </a:xfrm>
+        </p:spPr>
+        <p:txBody>
+          <a:bodyPr/>
+          <a:lstStyle/>
+          <a:p>
+            <a:r>
+              <a:rPr lang="en-US" dirty="0"/>
+              <a:t>Programming Code Edits Visualized</a:t>
+            </a:r>
+          </a:p>
+        </p:txBody>
+      </p:sp>
+      <p:sp>
+        <p:nvSpPr>
+          <p:cNvPr id="3" name="Rounded Rectangle 2"/>
           <p:cNvSpPr/>
           <p:nvPr/>
         </p:nvSpPr>
         <p:spPr>
           <a:xfrm>
-            <a:off x="3886200" y="2758440"/>
-            <a:ext cx="1392936" cy="685800"/>
-          </a:xfrm>
-          <a:prstGeom prst="rect">
+            <a:off x="5445890" y="900084"/>
+            <a:ext cx="2786673" cy="1005840"/>
+          </a:xfrm>
+          <a:prstGeom prst="roundRect">
             <a:avLst/>
           </a:prstGeom>
+          <a:solidFill>
+            <a:schemeClr val="accent2">
+              <a:lumMod val="75000"/>
+            </a:schemeClr>
+          </a:solidFill>
         </p:spPr>
         <p:style>
           <a:lnRef idx="2">
@@ -9215,37 +8638,81 @@
           </a:fontRef>
         </p:style>
         <p:txBody>
-          <a:bodyPr rtlCol="0" anchor="ctr"/>
-          <a:lstStyle/>
-          <a:p>
-            <a:pPr algn="ctr"/>
-            <a:r>
-              <a:rPr lang="en-US" dirty="0"/>
-              <a:t>Alice edits </a:t>
-            </a:r>
-            <a:r>
-              <a:rPr lang="en-US" dirty="0" err="1"/>
-              <a:t>sqrt</a:t>
-            </a:r>
-            <a:r>
-              <a:rPr lang="en-US" dirty="0"/>
-              <a:t> method</a:t>
-            </a:r>
-          </a:p>
-        </p:txBody>
-      </p:sp>
-      <p:sp>
-        <p:nvSpPr>
-          <p:cNvPr id="6" name="Rectangle 5"/>
+          <a:bodyPr anchor="ctr"/>
+          <a:lstStyle/>
+          <a:p>
+            <a:pPr>
+              <a:defRPr/>
+            </a:pPr>
+            <a:r>
+              <a:rPr lang="en-US" sz="2400" dirty="0"/>
+              <a:t>David (Driver)</a:t>
+            </a:r>
+          </a:p>
+          <a:p>
+            <a:pPr>
+              <a:defRPr/>
+            </a:pPr>
+            <a:endParaRPr lang="en-US" sz="2400" dirty="0"/>
+          </a:p>
+          <a:p>
+            <a:pPr>
+              <a:defRPr/>
+            </a:pPr>
+            <a:endParaRPr lang="en-US" sz="2400" dirty="0"/>
+          </a:p>
+        </p:txBody>
+      </p:sp>
+      <p:cxnSp>
+        <p:nvCxnSpPr>
+          <p:cNvPr id="8" name="Straight Arrow Connector 7"/>
+          <p:cNvCxnSpPr>
+            <a:endCxn id="32" idx="1"/>
+          </p:cNvCxnSpPr>
+          <p:nvPr/>
+        </p:nvCxnSpPr>
+        <p:spPr>
+          <a:xfrm>
+            <a:off x="3805736" y="1403004"/>
+            <a:ext cx="1640154" cy="1192144"/>
+          </a:xfrm>
+          <a:prstGeom prst="straightConnector1">
+            <a:avLst/>
+          </a:prstGeom>
+          <a:ln w="34925">
+            <a:solidFill>
+              <a:schemeClr val="tx1"/>
+            </a:solidFill>
+            <a:tailEnd type="arrow"/>
+          </a:ln>
+        </p:spPr>
+        <p:style>
+          <a:lnRef idx="3">
+            <a:schemeClr val="accent2"/>
+          </a:lnRef>
+          <a:fillRef idx="0">
+            <a:schemeClr val="accent2"/>
+          </a:fillRef>
+          <a:effectRef idx="2">
+            <a:schemeClr val="accent2"/>
+          </a:effectRef>
+          <a:fontRef idx="minor">
+            <a:schemeClr val="tx1"/>
+          </a:fontRef>
+        </p:style>
+      </p:cxnSp>
+      <p:sp>
+        <p:nvSpPr>
+          <p:cNvPr id="23" name="Rounded Rectangle 22"/>
           <p:cNvSpPr/>
           <p:nvPr/>
         </p:nvSpPr>
         <p:spPr>
           <a:xfrm>
-            <a:off x="5279136" y="1295400"/>
-            <a:ext cx="1219200" cy="685800"/>
-          </a:xfrm>
-          <a:prstGeom prst="rect">
+            <a:off x="9175294" y="900085"/>
+            <a:ext cx="2786673" cy="1005840"/>
+          </a:xfrm>
+          <a:prstGeom prst="roundRect">
             <a:avLst/>
           </a:prstGeom>
         </p:spPr>
@@ -9266,31 +8733,48 @@
           </a:fontRef>
         </p:style>
         <p:txBody>
-          <a:bodyPr rtlCol="0" anchor="ctr"/>
-          <a:lstStyle/>
-          <a:p>
-            <a:pPr algn="ctr"/>
-            <a:r>
-              <a:rPr lang="en-US" dirty="0"/>
-              <a:t>Math.java</a:t>
-            </a:r>
-          </a:p>
-        </p:txBody>
-      </p:sp>
-      <p:sp>
-        <p:nvSpPr>
-          <p:cNvPr id="7" name="Rectangle 6"/>
+          <a:bodyPr anchor="ctr"/>
+          <a:lstStyle/>
+          <a:p>
+            <a:pPr algn="ctr">
+              <a:defRPr/>
+            </a:pPr>
+            <a:r>
+              <a:rPr lang="en-US" sz="2400" dirty="0"/>
+              <a:t>Natalie (Navigator)</a:t>
+            </a:r>
+          </a:p>
+          <a:p>
+            <a:pPr algn="ctr">
+              <a:defRPr/>
+            </a:pPr>
+            <a:endParaRPr lang="en-US" sz="2400" dirty="0"/>
+          </a:p>
+          <a:p>
+            <a:pPr algn="ctr">
+              <a:defRPr/>
+            </a:pPr>
+            <a:endParaRPr lang="en-US" sz="2400" dirty="0"/>
+          </a:p>
+        </p:txBody>
+      </p:sp>
+      <p:sp>
+        <p:nvSpPr>
+          <p:cNvPr id="24" name="Rounded Rectangle 23"/>
           <p:cNvSpPr/>
           <p:nvPr/>
         </p:nvSpPr>
         <p:spPr>
           <a:xfrm>
-            <a:off x="6498336" y="2819400"/>
-            <a:ext cx="1392936" cy="685800"/>
-          </a:xfrm>
-          <a:prstGeom prst="rect">
+            <a:off x="1019063" y="904981"/>
+            <a:ext cx="2786673" cy="1005840"/>
+          </a:xfrm>
+          <a:prstGeom prst="roundRect">
             <a:avLst/>
           </a:prstGeom>
+          <a:solidFill>
+            <a:srgbClr val="00B050"/>
+          </a:solidFill>
         </p:spPr>
         <p:style>
           <a:lnRef idx="2">
@@ -9309,39 +8793,53 @@
           </a:fontRef>
         </p:style>
         <p:txBody>
-          <a:bodyPr rtlCol="0" anchor="ctr"/>
-          <a:lstStyle/>
-          <a:p>
-            <a:pPr algn="ctr"/>
-            <a:r>
-              <a:rPr lang="en-US" dirty="0"/>
-              <a:t>Bob edits </a:t>
-            </a:r>
-            <a:r>
-              <a:rPr lang="en-US" dirty="0" err="1"/>
-              <a:t>sqrt</a:t>
-            </a:r>
-            <a:r>
-              <a:rPr lang="en-US" dirty="0"/>
-              <a:t> method</a:t>
-            </a:r>
-          </a:p>
-        </p:txBody>
-      </p:sp>
-      <p:sp>
-        <p:nvSpPr>
-          <p:cNvPr id="8" name="Rectangle 7"/>
+          <a:bodyPr anchor="ctr"/>
+          <a:lstStyle/>
+          <a:p>
+            <a:pPr algn="ctr">
+              <a:defRPr/>
+            </a:pPr>
+            <a:r>
+              <a:rPr lang="en-US" sz="2400" dirty="0"/>
+              <a:t>Github.com repo</a:t>
+            </a:r>
+          </a:p>
+          <a:p>
+            <a:pPr algn="ctr">
+              <a:defRPr/>
+            </a:pPr>
+            <a:r>
+              <a:rPr lang="en-US" sz="2400" dirty="0"/>
+              <a:t>Main.java</a:t>
+            </a:r>
+          </a:p>
+          <a:p>
+            <a:pPr algn="ctr">
+              <a:defRPr/>
+            </a:pPr>
+            <a:endParaRPr lang="en-US" sz="2400" dirty="0"/>
+          </a:p>
+        </p:txBody>
+      </p:sp>
+      <p:sp>
+        <p:nvSpPr>
+          <p:cNvPr id="32" name="Rounded Rectangle 31"/>
           <p:cNvSpPr/>
           <p:nvPr/>
         </p:nvSpPr>
         <p:spPr>
           <a:xfrm>
-            <a:off x="3782568" y="4000500"/>
-            <a:ext cx="1600200" cy="807720"/>
-          </a:xfrm>
-          <a:prstGeom prst="rect">
+            <a:off x="5445890" y="2092228"/>
+            <a:ext cx="2786673" cy="1005840"/>
+          </a:xfrm>
+          <a:prstGeom prst="roundRect">
             <a:avLst/>
           </a:prstGeom>
+          <a:solidFill>
+            <a:schemeClr val="accent2">
+              <a:lumMod val="75000"/>
+            </a:schemeClr>
+          </a:solidFill>
         </p:spPr>
         <p:style>
           <a:lnRef idx="2">
@@ -9360,29 +8858,46 @@
           </a:fontRef>
         </p:style>
         <p:txBody>
-          <a:bodyPr rtlCol="0" anchor="ctr"/>
-          <a:lstStyle/>
-          <a:p>
-            <a:pPr algn="ctr"/>
-            <a:r>
-              <a:rPr lang="en-US" dirty="0"/>
-              <a:t>Alice commits and pushes changes</a:t>
-            </a:r>
-          </a:p>
-        </p:txBody>
-      </p:sp>
-      <p:sp>
-        <p:nvSpPr>
-          <p:cNvPr id="9" name="Rectangle 8"/>
+          <a:bodyPr anchor="ctr"/>
+          <a:lstStyle/>
+          <a:p>
+            <a:pPr>
+              <a:defRPr/>
+            </a:pPr>
+            <a:r>
+              <a:rPr lang="en-US" sz="2400" dirty="0"/>
+              <a:t>David (Driver)</a:t>
+            </a:r>
+          </a:p>
+          <a:p>
+            <a:pPr>
+              <a:defRPr/>
+            </a:pPr>
+            <a:r>
+              <a:rPr lang="en-US" sz="2400" dirty="0"/>
+              <a:t>Main.java</a:t>
+            </a:r>
+          </a:p>
+          <a:p>
+            <a:pPr>
+              <a:defRPr/>
+            </a:pPr>
+            <a:endParaRPr lang="en-US" sz="2400" dirty="0"/>
+          </a:p>
+        </p:txBody>
+      </p:sp>
+      <p:sp>
+        <p:nvSpPr>
+          <p:cNvPr id="33" name="Rounded Rectangle 32"/>
           <p:cNvSpPr/>
           <p:nvPr/>
         </p:nvSpPr>
         <p:spPr>
           <a:xfrm>
-            <a:off x="7413342" y="3951469"/>
-            <a:ext cx="1725168" cy="798147"/>
-          </a:xfrm>
-          <a:prstGeom prst="rect">
+            <a:off x="9175294" y="2092229"/>
+            <a:ext cx="2786673" cy="1005840"/>
+          </a:xfrm>
+          <a:prstGeom prst="roundRect">
             <a:avLst/>
           </a:prstGeom>
         </p:spPr>
@@ -9403,210 +8918,51 @@
           </a:fontRef>
         </p:style>
         <p:txBody>
-          <a:bodyPr rtlCol="0" anchor="ctr"/>
-          <a:lstStyle/>
-          <a:p>
-            <a:pPr algn="ctr"/>
-            <a:r>
-              <a:rPr lang="en-US" dirty="0"/>
-              <a:t>Bob attempts to commit and push changes</a:t>
-            </a:r>
-          </a:p>
-        </p:txBody>
-      </p:sp>
-      <p:cxnSp>
-        <p:nvCxnSpPr>
-          <p:cNvPr id="11" name="Straight Arrow Connector 10"/>
-          <p:cNvCxnSpPr>
-            <a:stCxn id="6" idx="2"/>
-            <a:endCxn id="7" idx="0"/>
-          </p:cNvCxnSpPr>
+          <a:bodyPr anchor="ctr"/>
+          <a:lstStyle/>
+          <a:p>
+            <a:pPr algn="ctr">
+              <a:defRPr/>
+            </a:pPr>
+            <a:r>
+              <a:rPr lang="en-US" sz="2400" dirty="0"/>
+              <a:t>Natalie (Navigator)</a:t>
+            </a:r>
+          </a:p>
+          <a:p>
+            <a:pPr algn="ctr">
+              <a:defRPr/>
+            </a:pPr>
+            <a:r>
+              <a:rPr lang="en-US" sz="2400" dirty="0"/>
+              <a:t>Main.java</a:t>
+            </a:r>
+          </a:p>
+          <a:p>
+            <a:pPr algn="ctr">
+              <a:defRPr/>
+            </a:pPr>
+            <a:endParaRPr lang="en-US" sz="2400" dirty="0"/>
+          </a:p>
+        </p:txBody>
+      </p:sp>
+      <p:sp>
+        <p:nvSpPr>
+          <p:cNvPr id="34" name="Rounded Rectangle 33"/>
+          <p:cNvSpPr/>
           <p:nvPr/>
-        </p:nvCxnSpPr>
+        </p:nvSpPr>
         <p:spPr>
           <a:xfrm>
-            <a:off x="5888736" y="1981200"/>
-            <a:ext cx="1306068" cy="838200"/>
-          </a:xfrm>
-          <a:prstGeom prst="straightConnector1">
-            <a:avLst/>
-          </a:prstGeom>
-          <a:ln>
-            <a:tailEnd type="triangle"/>
-          </a:ln>
-        </p:spPr>
-        <p:style>
-          <a:lnRef idx="1">
-            <a:schemeClr val="accent1"/>
-          </a:lnRef>
-          <a:fillRef idx="0">
-            <a:schemeClr val="accent1"/>
-          </a:fillRef>
-          <a:effectRef idx="0">
-            <a:schemeClr val="accent1"/>
-          </a:effectRef>
-          <a:fontRef idx="minor">
-            <a:schemeClr val="tx1"/>
-          </a:fontRef>
-        </p:style>
-      </p:cxnSp>
-      <p:cxnSp>
-        <p:nvCxnSpPr>
-          <p:cNvPr id="13" name="Straight Arrow Connector 12"/>
-          <p:cNvCxnSpPr>
-            <a:stCxn id="6" idx="2"/>
-            <a:endCxn id="4" idx="0"/>
-          </p:cNvCxnSpPr>
-          <p:nvPr/>
-        </p:nvCxnSpPr>
-        <p:spPr>
-          <a:xfrm flipH="1">
-            <a:off x="4582668" y="1981200"/>
-            <a:ext cx="1306068" cy="777240"/>
-          </a:xfrm>
-          <a:prstGeom prst="straightConnector1">
-            <a:avLst/>
-          </a:prstGeom>
-          <a:ln>
-            <a:tailEnd type="triangle"/>
-          </a:ln>
-        </p:spPr>
-        <p:style>
-          <a:lnRef idx="1">
-            <a:schemeClr val="accent1"/>
-          </a:lnRef>
-          <a:fillRef idx="0">
-            <a:schemeClr val="accent1"/>
-          </a:fillRef>
-          <a:effectRef idx="0">
-            <a:schemeClr val="accent1"/>
-          </a:effectRef>
-          <a:fontRef idx="minor">
-            <a:schemeClr val="tx1"/>
-          </a:fontRef>
-        </p:style>
-      </p:cxnSp>
-      <p:cxnSp>
-        <p:nvCxnSpPr>
-          <p:cNvPr id="15" name="Straight Arrow Connector 14"/>
-          <p:cNvCxnSpPr>
-            <a:stCxn id="4" idx="2"/>
-            <a:endCxn id="8" idx="0"/>
-          </p:cNvCxnSpPr>
-          <p:nvPr/>
-        </p:nvCxnSpPr>
-        <p:spPr>
-          <a:xfrm>
-            <a:off x="4582668" y="3444240"/>
-            <a:ext cx="0" cy="556260"/>
-          </a:xfrm>
-          <a:prstGeom prst="straightConnector1">
-            <a:avLst/>
-          </a:prstGeom>
-          <a:ln>
-            <a:tailEnd type="triangle"/>
-          </a:ln>
-        </p:spPr>
-        <p:style>
-          <a:lnRef idx="1">
-            <a:schemeClr val="accent1"/>
-          </a:lnRef>
-          <a:fillRef idx="0">
-            <a:schemeClr val="accent1"/>
-          </a:fillRef>
-          <a:effectRef idx="0">
-            <a:schemeClr val="accent1"/>
-          </a:effectRef>
-          <a:fontRef idx="minor">
-            <a:schemeClr val="tx1"/>
-          </a:fontRef>
-        </p:style>
-      </p:cxnSp>
-      <p:cxnSp>
-        <p:nvCxnSpPr>
-          <p:cNvPr id="17" name="Straight Arrow Connector 16"/>
-          <p:cNvCxnSpPr>
-            <a:stCxn id="7" idx="2"/>
-            <a:endCxn id="9" idx="0"/>
-          </p:cNvCxnSpPr>
-          <p:nvPr/>
-        </p:nvCxnSpPr>
-        <p:spPr>
-          <a:xfrm>
-            <a:off x="7194804" y="3505200"/>
-            <a:ext cx="1081122" cy="446270"/>
-          </a:xfrm>
-          <a:prstGeom prst="straightConnector1">
-            <a:avLst/>
-          </a:prstGeom>
-          <a:ln>
-            <a:tailEnd type="triangle"/>
-          </a:ln>
-        </p:spPr>
-        <p:style>
-          <a:lnRef idx="1">
-            <a:schemeClr val="accent1"/>
-          </a:lnRef>
-          <a:fillRef idx="0">
-            <a:schemeClr val="accent1"/>
-          </a:fillRef>
-          <a:effectRef idx="0">
-            <a:schemeClr val="accent1"/>
-          </a:effectRef>
-          <a:fontRef idx="minor">
-            <a:schemeClr val="tx1"/>
-          </a:fontRef>
-        </p:style>
-      </p:cxnSp>
-      <p:sp>
-        <p:nvSpPr>
-          <p:cNvPr id="18" name="TextBox 17"/>
-          <p:cNvSpPr txBox="1"/>
-          <p:nvPr/>
-        </p:nvSpPr>
-        <p:spPr>
-          <a:xfrm>
-            <a:off x="8153400" y="4897166"/>
-            <a:ext cx="1060098" cy="461665"/>
-          </a:xfrm>
-          <a:prstGeom prst="rect">
+            <a:off x="1019063" y="2097125"/>
+            <a:ext cx="2786673" cy="1005840"/>
+          </a:xfrm>
+          <a:prstGeom prst="roundRect">
             <a:avLst/>
           </a:prstGeom>
           <a:solidFill>
-            <a:schemeClr val="bg1"/>
+            <a:srgbClr val="00B050"/>
           </a:solidFill>
-        </p:spPr>
-        <p:txBody>
-          <a:bodyPr wrap="none" rtlCol="0">
-            <a:spAutoFit/>
-          </a:bodyPr>
-          <a:lstStyle/>
-          <a:p>
-            <a:r>
-              <a:rPr lang="en-US" sz="2400" b="1" dirty="0">
-                <a:solidFill>
-                  <a:srgbClr val="FF0000"/>
-                </a:solidFill>
-              </a:rPr>
-              <a:t>ERROR</a:t>
-            </a:r>
-          </a:p>
-        </p:txBody>
-      </p:sp>
-      <p:sp>
-        <p:nvSpPr>
-          <p:cNvPr id="22" name="Rectangle 21"/>
-          <p:cNvSpPr/>
-          <p:nvPr/>
-        </p:nvSpPr>
-        <p:spPr>
-          <a:xfrm>
-            <a:off x="4800600" y="5585460"/>
-            <a:ext cx="1600200" cy="685800"/>
-          </a:xfrm>
-          <a:prstGeom prst="rect">
-            <a:avLst/>
-          </a:prstGeom>
         </p:spPr>
         <p:style>
           <a:lnRef idx="2">
@@ -9625,47 +8981,509 @@
           </a:fontRef>
         </p:style>
         <p:txBody>
-          <a:bodyPr rtlCol="0" anchor="ctr"/>
-          <a:lstStyle/>
-          <a:p>
-            <a:pPr algn="ctr"/>
-            <a:r>
-              <a:rPr lang="en-US" dirty="0"/>
-              <a:t>Updated Math.java</a:t>
-            </a:r>
-          </a:p>
-        </p:txBody>
-      </p:sp>
-      <p:cxnSp>
-        <p:nvCxnSpPr>
-          <p:cNvPr id="24" name="Straight Arrow Connector 23"/>
-          <p:cNvCxnSpPr>
-            <a:stCxn id="8" idx="2"/>
-            <a:endCxn id="22" idx="0"/>
-          </p:cNvCxnSpPr>
+          <a:bodyPr anchor="ctr"/>
+          <a:lstStyle/>
+          <a:p>
+            <a:pPr algn="ctr">
+              <a:defRPr/>
+            </a:pPr>
+            <a:r>
+              <a:rPr lang="en-US" sz="2400" dirty="0"/>
+              <a:t>Github.com repo</a:t>
+            </a:r>
+          </a:p>
+          <a:p>
+            <a:pPr algn="ctr">
+              <a:defRPr/>
+            </a:pPr>
+            <a:r>
+              <a:rPr lang="en-US" sz="2400" dirty="0"/>
+              <a:t>Main.java</a:t>
+            </a:r>
+          </a:p>
+          <a:p>
+            <a:pPr algn="ctr">
+              <a:defRPr/>
+            </a:pPr>
+            <a:endParaRPr lang="en-US" sz="2400" dirty="0"/>
+          </a:p>
+        </p:txBody>
+      </p:sp>
+      <p:sp>
+        <p:nvSpPr>
+          <p:cNvPr id="35" name="Rounded Rectangle 34"/>
+          <p:cNvSpPr/>
           <p:nvPr/>
-        </p:nvCxnSpPr>
+        </p:nvSpPr>
         <p:spPr>
           <a:xfrm>
-            <a:off x="4582668" y="4808220"/>
-            <a:ext cx="1018032" cy="777240"/>
-          </a:xfrm>
-          <a:prstGeom prst="straightConnector1">
+            <a:off x="5445890" y="3284372"/>
+            <a:ext cx="2786673" cy="1005840"/>
+          </a:xfrm>
+          <a:prstGeom prst="roundRect">
             <a:avLst/>
           </a:prstGeom>
-          <a:ln>
-            <a:tailEnd type="triangle"/>
-          </a:ln>
+          <a:solidFill>
+            <a:schemeClr val="accent2">
+              <a:lumMod val="75000"/>
+            </a:schemeClr>
+          </a:solidFill>
         </p:spPr>
         <p:style>
-          <a:lnRef idx="1">
-            <a:schemeClr val="accent1"/>
+          <a:lnRef idx="2">
+            <a:schemeClr val="accent1">
+              <a:shade val="50000"/>
+            </a:schemeClr>
           </a:lnRef>
-          <a:fillRef idx="0">
+          <a:fillRef idx="1">
             <a:schemeClr val="accent1"/>
           </a:fillRef>
           <a:effectRef idx="0">
             <a:schemeClr val="accent1"/>
+          </a:effectRef>
+          <a:fontRef idx="minor">
+            <a:schemeClr val="lt1"/>
+          </a:fontRef>
+        </p:style>
+        <p:txBody>
+          <a:bodyPr anchor="ctr"/>
+          <a:lstStyle/>
+          <a:p>
+            <a:pPr>
+              <a:defRPr/>
+            </a:pPr>
+            <a:r>
+              <a:rPr lang="en-US" sz="2400" dirty="0"/>
+              <a:t>David (Driver)</a:t>
+            </a:r>
+          </a:p>
+          <a:p>
+            <a:pPr>
+              <a:defRPr/>
+            </a:pPr>
+            <a:r>
+              <a:rPr lang="en-US" sz="2400" dirty="0"/>
+              <a:t>Main.java</a:t>
+            </a:r>
+          </a:p>
+          <a:p>
+            <a:pPr>
+              <a:defRPr/>
+            </a:pPr>
+            <a:r>
+              <a:rPr lang="en-US" sz="2400" dirty="0"/>
+              <a:t>Level.java</a:t>
+            </a:r>
+          </a:p>
+        </p:txBody>
+      </p:sp>
+      <p:sp>
+        <p:nvSpPr>
+          <p:cNvPr id="36" name="Rounded Rectangle 35"/>
+          <p:cNvSpPr/>
+          <p:nvPr/>
+        </p:nvSpPr>
+        <p:spPr>
+          <a:xfrm>
+            <a:off x="9175294" y="3284373"/>
+            <a:ext cx="2786673" cy="1005840"/>
+          </a:xfrm>
+          <a:prstGeom prst="roundRect">
+            <a:avLst/>
+          </a:prstGeom>
+        </p:spPr>
+        <p:style>
+          <a:lnRef idx="2">
+            <a:schemeClr val="accent1">
+              <a:shade val="50000"/>
+            </a:schemeClr>
+          </a:lnRef>
+          <a:fillRef idx="1">
+            <a:schemeClr val="accent1"/>
+          </a:fillRef>
+          <a:effectRef idx="0">
+            <a:schemeClr val="accent1"/>
+          </a:effectRef>
+          <a:fontRef idx="minor">
+            <a:schemeClr val="lt1"/>
+          </a:fontRef>
+        </p:style>
+        <p:txBody>
+          <a:bodyPr anchor="ctr"/>
+          <a:lstStyle/>
+          <a:p>
+            <a:pPr algn="ctr">
+              <a:defRPr/>
+            </a:pPr>
+            <a:r>
+              <a:rPr lang="en-US" sz="2400" dirty="0"/>
+              <a:t>Natalie (Navigator)</a:t>
+            </a:r>
+          </a:p>
+          <a:p>
+            <a:pPr algn="ctr">
+              <a:defRPr/>
+            </a:pPr>
+            <a:r>
+              <a:rPr lang="en-US" sz="2400" dirty="0"/>
+              <a:t>Main.java</a:t>
+            </a:r>
+          </a:p>
+          <a:p>
+            <a:pPr algn="ctr">
+              <a:defRPr/>
+            </a:pPr>
+            <a:endParaRPr lang="en-US" sz="2400" dirty="0"/>
+          </a:p>
+        </p:txBody>
+      </p:sp>
+      <p:sp>
+        <p:nvSpPr>
+          <p:cNvPr id="37" name="Rounded Rectangle 36"/>
+          <p:cNvSpPr/>
+          <p:nvPr/>
+        </p:nvSpPr>
+        <p:spPr>
+          <a:xfrm>
+            <a:off x="1019063" y="3289269"/>
+            <a:ext cx="2786673" cy="1005840"/>
+          </a:xfrm>
+          <a:prstGeom prst="roundRect">
+            <a:avLst/>
+          </a:prstGeom>
+          <a:solidFill>
+            <a:srgbClr val="00B050"/>
+          </a:solidFill>
+        </p:spPr>
+        <p:style>
+          <a:lnRef idx="2">
+            <a:schemeClr val="accent1">
+              <a:shade val="50000"/>
+            </a:schemeClr>
+          </a:lnRef>
+          <a:fillRef idx="1">
+            <a:schemeClr val="accent1"/>
+          </a:fillRef>
+          <a:effectRef idx="0">
+            <a:schemeClr val="accent1"/>
+          </a:effectRef>
+          <a:fontRef idx="minor">
+            <a:schemeClr val="lt1"/>
+          </a:fontRef>
+        </p:style>
+        <p:txBody>
+          <a:bodyPr anchor="ctr"/>
+          <a:lstStyle/>
+          <a:p>
+            <a:pPr algn="ctr">
+              <a:defRPr/>
+            </a:pPr>
+            <a:r>
+              <a:rPr lang="en-US" sz="2400" dirty="0"/>
+              <a:t>Github.com repo</a:t>
+            </a:r>
+          </a:p>
+          <a:p>
+            <a:pPr algn="ctr">
+              <a:defRPr/>
+            </a:pPr>
+            <a:r>
+              <a:rPr lang="en-US" sz="2400" dirty="0"/>
+              <a:t>Main.java</a:t>
+            </a:r>
+          </a:p>
+          <a:p>
+            <a:pPr algn="ctr">
+              <a:defRPr/>
+            </a:pPr>
+            <a:endParaRPr lang="en-US" sz="2400" dirty="0"/>
+          </a:p>
+        </p:txBody>
+      </p:sp>
+      <p:sp>
+        <p:nvSpPr>
+          <p:cNvPr id="38" name="Rounded Rectangle 37"/>
+          <p:cNvSpPr/>
+          <p:nvPr/>
+        </p:nvSpPr>
+        <p:spPr>
+          <a:xfrm>
+            <a:off x="5445890" y="4476516"/>
+            <a:ext cx="2786673" cy="1005840"/>
+          </a:xfrm>
+          <a:prstGeom prst="roundRect">
+            <a:avLst/>
+          </a:prstGeom>
+          <a:solidFill>
+            <a:schemeClr val="accent2">
+              <a:lumMod val="75000"/>
+            </a:schemeClr>
+          </a:solidFill>
+        </p:spPr>
+        <p:style>
+          <a:lnRef idx="2">
+            <a:schemeClr val="accent1">
+              <a:shade val="50000"/>
+            </a:schemeClr>
+          </a:lnRef>
+          <a:fillRef idx="1">
+            <a:schemeClr val="accent1"/>
+          </a:fillRef>
+          <a:effectRef idx="0">
+            <a:schemeClr val="accent1"/>
+          </a:effectRef>
+          <a:fontRef idx="minor">
+            <a:schemeClr val="lt1"/>
+          </a:fontRef>
+        </p:style>
+        <p:txBody>
+          <a:bodyPr anchor="ctr"/>
+          <a:lstStyle/>
+          <a:p>
+            <a:pPr>
+              <a:defRPr/>
+            </a:pPr>
+            <a:r>
+              <a:rPr lang="en-US" sz="2400" dirty="0"/>
+              <a:t>David (Driver)</a:t>
+            </a:r>
+          </a:p>
+          <a:p>
+            <a:pPr>
+              <a:defRPr/>
+            </a:pPr>
+            <a:r>
+              <a:rPr lang="en-US" sz="2400" dirty="0"/>
+              <a:t>Main.java</a:t>
+            </a:r>
+          </a:p>
+          <a:p>
+            <a:pPr>
+              <a:defRPr/>
+            </a:pPr>
+            <a:r>
+              <a:rPr lang="en-US" sz="2400" dirty="0"/>
+              <a:t>Level.java</a:t>
+            </a:r>
+          </a:p>
+        </p:txBody>
+      </p:sp>
+      <p:sp>
+        <p:nvSpPr>
+          <p:cNvPr id="39" name="Rounded Rectangle 38"/>
+          <p:cNvSpPr/>
+          <p:nvPr/>
+        </p:nvSpPr>
+        <p:spPr>
+          <a:xfrm>
+            <a:off x="9175294" y="4476517"/>
+            <a:ext cx="2786673" cy="1005840"/>
+          </a:xfrm>
+          <a:prstGeom prst="roundRect">
+            <a:avLst/>
+          </a:prstGeom>
+        </p:spPr>
+        <p:style>
+          <a:lnRef idx="2">
+            <a:schemeClr val="accent1">
+              <a:shade val="50000"/>
+            </a:schemeClr>
+          </a:lnRef>
+          <a:fillRef idx="1">
+            <a:schemeClr val="accent1"/>
+          </a:fillRef>
+          <a:effectRef idx="0">
+            <a:schemeClr val="accent1"/>
+          </a:effectRef>
+          <a:fontRef idx="minor">
+            <a:schemeClr val="lt1"/>
+          </a:fontRef>
+        </p:style>
+        <p:txBody>
+          <a:bodyPr anchor="ctr"/>
+          <a:lstStyle/>
+          <a:p>
+            <a:pPr algn="ctr">
+              <a:defRPr/>
+            </a:pPr>
+            <a:r>
+              <a:rPr lang="en-US" sz="2400" dirty="0"/>
+              <a:t>Natalie (Navigator)</a:t>
+            </a:r>
+          </a:p>
+          <a:p>
+            <a:pPr algn="ctr">
+              <a:defRPr/>
+            </a:pPr>
+            <a:r>
+              <a:rPr lang="en-US" sz="2400" dirty="0"/>
+              <a:t>Main.java</a:t>
+            </a:r>
+          </a:p>
+          <a:p>
+            <a:pPr algn="ctr">
+              <a:defRPr/>
+            </a:pPr>
+            <a:endParaRPr lang="en-US" sz="2400" dirty="0"/>
+          </a:p>
+        </p:txBody>
+      </p:sp>
+      <p:sp>
+        <p:nvSpPr>
+          <p:cNvPr id="40" name="Rounded Rectangle 39"/>
+          <p:cNvSpPr/>
+          <p:nvPr/>
+        </p:nvSpPr>
+        <p:spPr>
+          <a:xfrm>
+            <a:off x="1019063" y="4481413"/>
+            <a:ext cx="2786673" cy="1005840"/>
+          </a:xfrm>
+          <a:prstGeom prst="roundRect">
+            <a:avLst/>
+          </a:prstGeom>
+          <a:solidFill>
+            <a:srgbClr val="00B050"/>
+          </a:solidFill>
+        </p:spPr>
+        <p:style>
+          <a:lnRef idx="2">
+            <a:schemeClr val="accent1">
+              <a:shade val="50000"/>
+            </a:schemeClr>
+          </a:lnRef>
+          <a:fillRef idx="1">
+            <a:schemeClr val="accent1"/>
+          </a:fillRef>
+          <a:effectRef idx="0">
+            <a:schemeClr val="accent1"/>
+          </a:effectRef>
+          <a:fontRef idx="minor">
+            <a:schemeClr val="lt1"/>
+          </a:fontRef>
+        </p:style>
+        <p:txBody>
+          <a:bodyPr anchor="ctr"/>
+          <a:lstStyle/>
+          <a:p>
+            <a:pPr algn="ctr">
+              <a:defRPr/>
+            </a:pPr>
+            <a:r>
+              <a:rPr lang="en-US" sz="2400" dirty="0"/>
+              <a:t>Github.com repo</a:t>
+            </a:r>
+          </a:p>
+          <a:p>
+            <a:pPr algn="ctr">
+              <a:defRPr/>
+            </a:pPr>
+            <a:r>
+              <a:rPr lang="en-US" sz="2400" dirty="0"/>
+              <a:t>Main.java</a:t>
+            </a:r>
+          </a:p>
+          <a:p>
+            <a:pPr algn="ctr">
+              <a:defRPr/>
+            </a:pPr>
+            <a:r>
+              <a:rPr lang="en-US" sz="2400" dirty="0"/>
+              <a:t>Level.java</a:t>
+            </a:r>
+          </a:p>
+        </p:txBody>
+      </p:sp>
+      <p:sp>
+        <p:nvSpPr>
+          <p:cNvPr id="14" name="TextBox 13"/>
+          <p:cNvSpPr txBox="1"/>
+          <p:nvPr/>
+        </p:nvSpPr>
+        <p:spPr>
+          <a:xfrm>
+            <a:off x="3894421" y="1077563"/>
+            <a:ext cx="909223" cy="461665"/>
+          </a:xfrm>
+          <a:prstGeom prst="rect">
+            <a:avLst/>
+          </a:prstGeom>
+          <a:noFill/>
+        </p:spPr>
+        <p:txBody>
+          <a:bodyPr wrap="none" rtlCol="0">
+            <a:spAutoFit/>
+          </a:bodyPr>
+          <a:lstStyle/>
+          <a:p>
+            <a:r>
+              <a:rPr lang="en-US" sz="2400" b="1" dirty="0"/>
+              <a:t>Clone</a:t>
+            </a:r>
+          </a:p>
+        </p:txBody>
+      </p:sp>
+      <p:sp>
+        <p:nvSpPr>
+          <p:cNvPr id="42" name="TextBox 41"/>
+          <p:cNvSpPr txBox="1"/>
+          <p:nvPr/>
+        </p:nvSpPr>
+        <p:spPr>
+          <a:xfrm>
+            <a:off x="6225795" y="2595148"/>
+            <a:ext cx="2129422" cy="461665"/>
+          </a:xfrm>
+          <a:prstGeom prst="rect">
+            <a:avLst/>
+          </a:prstGeom>
+          <a:noFill/>
+        </p:spPr>
+        <p:txBody>
+          <a:bodyPr wrap="square" rtlCol="0">
+            <a:spAutoFit/>
+          </a:bodyPr>
+          <a:lstStyle/>
+          <a:p>
+            <a:r>
+              <a:rPr lang="en-US" sz="2400" b="1" dirty="0"/>
+              <a:t>Edit + Commit</a:t>
+            </a:r>
+          </a:p>
+        </p:txBody>
+      </p:sp>
+      <p:cxnSp>
+        <p:nvCxnSpPr>
+          <p:cNvPr id="43" name="Straight Arrow Connector 42"/>
+          <p:cNvCxnSpPr>
+            <a:endCxn id="40" idx="3"/>
+          </p:cNvCxnSpPr>
+          <p:nvPr/>
+        </p:nvCxnSpPr>
+        <p:spPr>
+          <a:xfrm flipH="1">
+            <a:off x="3805736" y="4138047"/>
+            <a:ext cx="1640155" cy="846286"/>
+          </a:xfrm>
+          <a:prstGeom prst="straightConnector1">
+            <a:avLst/>
+          </a:prstGeom>
+          <a:ln w="34925">
+            <a:solidFill>
+              <a:schemeClr val="tx1"/>
+            </a:solidFill>
+            <a:tailEnd type="arrow"/>
+          </a:ln>
+        </p:spPr>
+        <p:style>
+          <a:lnRef idx="3">
+            <a:schemeClr val="accent2"/>
+          </a:lnRef>
+          <a:fillRef idx="0">
+            <a:schemeClr val="accent2"/>
+          </a:fillRef>
+          <a:effectRef idx="2">
+            <a:schemeClr val="accent2"/>
           </a:effectRef>
           <a:fontRef idx="minor">
             <a:schemeClr val="tx1"/>
@@ -9674,103 +9492,1148 @@
       </p:cxnSp>
       <p:cxnSp>
         <p:nvCxnSpPr>
-          <p:cNvPr id="26" name="Straight Arrow Connector 25"/>
-          <p:cNvCxnSpPr>
-            <a:stCxn id="9" idx="2"/>
-            <a:endCxn id="18" idx="0"/>
-          </p:cNvCxnSpPr>
+          <p:cNvPr id="46" name="Straight Arrow Connector 45"/>
+          <p:cNvCxnSpPr/>
           <p:nvPr/>
         </p:nvCxnSpPr>
         <p:spPr>
-          <a:xfrm>
-            <a:off x="8275926" y="4749616"/>
-            <a:ext cx="407523" cy="147550"/>
+          <a:xfrm flipH="1">
+            <a:off x="6919994" y="2885111"/>
+            <a:ext cx="615145" cy="1248039"/>
           </a:xfrm>
           <a:prstGeom prst="straightConnector1">
             <a:avLst/>
           </a:prstGeom>
-          <a:ln>
-            <a:tailEnd type="triangle"/>
+          <a:ln w="34925">
+            <a:solidFill>
+              <a:schemeClr val="tx1"/>
+            </a:solidFill>
+            <a:tailEnd type="arrow"/>
           </a:ln>
         </p:spPr>
         <p:style>
-          <a:lnRef idx="1">
-            <a:schemeClr val="accent1"/>
+          <a:lnRef idx="3">
+            <a:schemeClr val="accent2"/>
           </a:lnRef>
           <a:fillRef idx="0">
+            <a:schemeClr val="accent2"/>
+          </a:fillRef>
+          <a:effectRef idx="2">
+            <a:schemeClr val="accent2"/>
+          </a:effectRef>
+          <a:fontRef idx="minor">
+            <a:schemeClr val="tx1"/>
+          </a:fontRef>
+        </p:style>
+      </p:cxnSp>
+      <p:sp>
+        <p:nvSpPr>
+          <p:cNvPr id="49" name="TextBox 48"/>
+          <p:cNvSpPr txBox="1"/>
+          <p:nvPr/>
+        </p:nvSpPr>
+        <p:spPr>
+          <a:xfrm>
+            <a:off x="4087770" y="4068763"/>
+            <a:ext cx="801823" cy="461665"/>
+          </a:xfrm>
+          <a:prstGeom prst="rect">
+            <a:avLst/>
+          </a:prstGeom>
+          <a:noFill/>
+        </p:spPr>
+        <p:txBody>
+          <a:bodyPr wrap="none" rtlCol="0">
+            <a:spAutoFit/>
+          </a:bodyPr>
+          <a:lstStyle/>
+          <a:p>
+            <a:r>
+              <a:rPr lang="en-US" sz="2400" b="1" dirty="0"/>
+              <a:t>Push</a:t>
+            </a:r>
+          </a:p>
+        </p:txBody>
+      </p:sp>
+      <p:sp>
+        <p:nvSpPr>
+          <p:cNvPr id="50" name="Rounded Rectangle 49"/>
+          <p:cNvSpPr/>
+          <p:nvPr/>
+        </p:nvSpPr>
+        <p:spPr>
+          <a:xfrm>
+            <a:off x="5445890" y="5676047"/>
+            <a:ext cx="2786673" cy="1005840"/>
+          </a:xfrm>
+          <a:prstGeom prst="roundRect">
+            <a:avLst/>
+          </a:prstGeom>
+          <a:solidFill>
+            <a:schemeClr val="accent2">
+              <a:lumMod val="75000"/>
+            </a:schemeClr>
+          </a:solidFill>
+        </p:spPr>
+        <p:style>
+          <a:lnRef idx="2">
+            <a:schemeClr val="accent1">
+              <a:shade val="50000"/>
+            </a:schemeClr>
+          </a:lnRef>
+          <a:fillRef idx="1">
             <a:schemeClr val="accent1"/>
           </a:fillRef>
           <a:effectRef idx="0">
             <a:schemeClr val="accent1"/>
           </a:effectRef>
           <a:fontRef idx="minor">
-            <a:schemeClr val="tx1"/>
+            <a:schemeClr val="lt1"/>
           </a:fontRef>
         </p:style>
-      </p:cxnSp>
-      <p:sp>
-        <p:nvSpPr>
-          <p:cNvPr id="30" name="TextBox 29"/>
-          <p:cNvSpPr txBox="1"/>
+        <p:txBody>
+          <a:bodyPr anchor="ctr"/>
+          <a:lstStyle/>
+          <a:p>
+            <a:pPr>
+              <a:defRPr/>
+            </a:pPr>
+            <a:r>
+              <a:rPr lang="en-US" sz="2400" dirty="0"/>
+              <a:t>David (Driver)</a:t>
+            </a:r>
+          </a:p>
+          <a:p>
+            <a:pPr>
+              <a:defRPr/>
+            </a:pPr>
+            <a:r>
+              <a:rPr lang="en-US" sz="2400" dirty="0"/>
+              <a:t>Main.java</a:t>
+            </a:r>
+          </a:p>
+          <a:p>
+            <a:pPr>
+              <a:defRPr/>
+            </a:pPr>
+            <a:r>
+              <a:rPr lang="en-US" sz="2400" dirty="0"/>
+              <a:t>Level.java</a:t>
+            </a:r>
+          </a:p>
+        </p:txBody>
+      </p:sp>
+      <p:sp>
+        <p:nvSpPr>
+          <p:cNvPr id="51" name="Rounded Rectangle 50"/>
+          <p:cNvSpPr/>
           <p:nvPr/>
         </p:nvSpPr>
         <p:spPr>
           <a:xfrm>
-            <a:off x="7194804" y="5328195"/>
-            <a:ext cx="3224794" cy="1477328"/>
+            <a:off x="9175294" y="5676048"/>
+            <a:ext cx="2786673" cy="1005840"/>
+          </a:xfrm>
+          <a:prstGeom prst="roundRect">
+            <a:avLst/>
+          </a:prstGeom>
+        </p:spPr>
+        <p:style>
+          <a:lnRef idx="2">
+            <a:schemeClr val="accent1">
+              <a:shade val="50000"/>
+            </a:schemeClr>
+          </a:lnRef>
+          <a:fillRef idx="1">
+            <a:schemeClr val="accent1"/>
+          </a:fillRef>
+          <a:effectRef idx="0">
+            <a:schemeClr val="accent1"/>
+          </a:effectRef>
+          <a:fontRef idx="minor">
+            <a:schemeClr val="lt1"/>
+          </a:fontRef>
+        </p:style>
+        <p:txBody>
+          <a:bodyPr anchor="ctr"/>
+          <a:lstStyle/>
+          <a:p>
+            <a:pPr algn="ctr">
+              <a:defRPr/>
+            </a:pPr>
+            <a:r>
+              <a:rPr lang="en-US" sz="2400" dirty="0"/>
+              <a:t>Natalie (Navigator)</a:t>
+            </a:r>
+          </a:p>
+          <a:p>
+            <a:pPr algn="ctr">
+              <a:defRPr/>
+            </a:pPr>
+            <a:r>
+              <a:rPr lang="en-US" sz="2400" dirty="0"/>
+              <a:t>Main.java</a:t>
+            </a:r>
+          </a:p>
+          <a:p>
+            <a:pPr algn="ctr">
+              <a:defRPr/>
+            </a:pPr>
+            <a:r>
+              <a:rPr lang="en-US" sz="2400" dirty="0"/>
+              <a:t>Level.java</a:t>
+            </a:r>
+          </a:p>
+        </p:txBody>
+      </p:sp>
+      <p:sp>
+        <p:nvSpPr>
+          <p:cNvPr id="52" name="Rounded Rectangle 51"/>
+          <p:cNvSpPr/>
+          <p:nvPr/>
+        </p:nvSpPr>
+        <p:spPr>
+          <a:xfrm>
+            <a:off x="1019063" y="5680944"/>
+            <a:ext cx="2786673" cy="1005840"/>
+          </a:xfrm>
+          <a:prstGeom prst="roundRect">
+            <a:avLst/>
+          </a:prstGeom>
+          <a:solidFill>
+            <a:srgbClr val="00B050"/>
+          </a:solidFill>
+        </p:spPr>
+        <p:style>
+          <a:lnRef idx="2">
+            <a:schemeClr val="accent1">
+              <a:shade val="50000"/>
+            </a:schemeClr>
+          </a:lnRef>
+          <a:fillRef idx="1">
+            <a:schemeClr val="accent1"/>
+          </a:fillRef>
+          <a:effectRef idx="0">
+            <a:schemeClr val="accent1"/>
+          </a:effectRef>
+          <a:fontRef idx="minor">
+            <a:schemeClr val="lt1"/>
+          </a:fontRef>
+        </p:style>
+        <p:txBody>
+          <a:bodyPr anchor="ctr"/>
+          <a:lstStyle/>
+          <a:p>
+            <a:pPr algn="ctr">
+              <a:defRPr/>
+            </a:pPr>
+            <a:r>
+              <a:rPr lang="en-US" sz="2400" dirty="0"/>
+              <a:t>Github.com repo</a:t>
+            </a:r>
+          </a:p>
+          <a:p>
+            <a:pPr algn="ctr">
+              <a:defRPr/>
+            </a:pPr>
+            <a:r>
+              <a:rPr lang="en-US" sz="2400" dirty="0"/>
+              <a:t>Main.java</a:t>
+            </a:r>
+          </a:p>
+          <a:p>
+            <a:pPr algn="ctr">
+              <a:defRPr/>
+            </a:pPr>
+            <a:r>
+              <a:rPr lang="en-US" sz="2400" dirty="0"/>
+              <a:t>Level.java</a:t>
+            </a:r>
+          </a:p>
+        </p:txBody>
+      </p:sp>
+      <p:sp>
+        <p:nvSpPr>
+          <p:cNvPr id="23557" name="Rectangle 23556"/>
+          <p:cNvSpPr/>
+          <p:nvPr/>
+        </p:nvSpPr>
+        <p:spPr>
+          <a:xfrm>
+            <a:off x="3878823" y="5759855"/>
+            <a:ext cx="663964" cy="461665"/>
           </a:xfrm>
           <a:prstGeom prst="rect">
             <a:avLst/>
           </a:prstGeom>
-          <a:noFill/>
-        </p:spPr>
-        <p:txBody>
-          <a:bodyPr wrap="none" rtlCol="0">
+        </p:spPr>
+        <p:txBody>
+          <a:bodyPr wrap="none">
             <a:spAutoFit/>
           </a:bodyPr>
           <a:lstStyle/>
           <a:p>
             <a:r>
-              <a:rPr lang="en-US" dirty="0"/>
-              <a:t>Source control system cannot </a:t>
-            </a:r>
-          </a:p>
-          <a:p>
-            <a:r>
-              <a:rPr lang="en-US" dirty="0"/>
-              <a:t>resolve multiple changes on the </a:t>
-            </a:r>
-          </a:p>
-          <a:p>
-            <a:r>
-              <a:rPr lang="en-US" dirty="0"/>
-              <a:t>same code, Bob should have </a:t>
-            </a:r>
-          </a:p>
-          <a:p>
-            <a:r>
-              <a:rPr lang="en-US" dirty="0"/>
-              <a:t>updated and resolved conflicts</a:t>
-            </a:r>
-          </a:p>
-          <a:p>
-            <a:r>
-              <a:rPr lang="en-US" dirty="0"/>
-              <a:t>before committing.</a:t>
-            </a:r>
+              <a:rPr lang="en-US" sz="2400" b="1" dirty="0"/>
+              <a:t>Pull</a:t>
+            </a:r>
+            <a:endParaRPr lang="en-US" sz="2400" dirty="0"/>
           </a:p>
         </p:txBody>
       </p:sp>
     </p:spTree>
     <p:extLst>
       <p:ext uri="{BB962C8B-B14F-4D97-AF65-F5344CB8AC3E}">
-        <p14:creationId xmlns:p14="http://schemas.microsoft.com/office/powerpoint/2010/main" val="4265926495"/>
+        <p14:creationId xmlns:p14="http://schemas.microsoft.com/office/powerpoint/2010/main" val="495853861"/>
       </p:ext>
     </p:extLst>
   </p:cSld>
   <p:clrMapOvr>
     <a:masterClrMapping/>
   </p:clrMapOvr>
+  <p:timing>
+    <p:tnLst>
+      <p:par>
+        <p:cTn id="1" dur="indefinite" restart="never" nodeType="tmRoot">
+          <p:childTnLst>
+            <p:seq concurrent="1" nextAc="seek">
+              <p:cTn id="2" dur="indefinite" nodeType="mainSeq">
+                <p:childTnLst>
+                  <p:par>
+                    <p:cTn id="3" fill="hold">
+                      <p:stCondLst>
+                        <p:cond delay="indefinite"/>
+                      </p:stCondLst>
+                      <p:childTnLst>
+                        <p:par>
+                          <p:cTn id="4" fill="hold">
+                            <p:stCondLst>
+                              <p:cond delay="0"/>
+                            </p:stCondLst>
+                            <p:childTnLst>
+                              <p:par>
+                                <p:cTn id="5" presetID="1" presetClass="entr" presetSubtype="0" fill="hold" grpId="0" nodeType="clickEffect">
+                                  <p:stCondLst>
+                                    <p:cond delay="0"/>
+                                  </p:stCondLst>
+                                  <p:childTnLst>
+                                    <p:set>
+                                      <p:cBhvr>
+                                        <p:cTn id="6" dur="1" fill="hold">
+                                          <p:stCondLst>
+                                            <p:cond delay="0"/>
+                                          </p:stCondLst>
+                                        </p:cTn>
+                                        <p:tgtEl>
+                                          <p:spTgt spid="24"/>
+                                        </p:tgtEl>
+                                        <p:attrNameLst>
+                                          <p:attrName>style.visibility</p:attrName>
+                                        </p:attrNameLst>
+                                      </p:cBhvr>
+                                      <p:to>
+                                        <p:strVal val="visible"/>
+                                      </p:to>
+                                    </p:set>
+                                  </p:childTnLst>
+                                </p:cTn>
+                              </p:par>
+                              <p:par>
+                                <p:cTn id="7" presetID="1" presetClass="entr" presetSubtype="0" fill="hold" grpId="0" nodeType="withEffect">
+                                  <p:stCondLst>
+                                    <p:cond delay="0"/>
+                                  </p:stCondLst>
+                                  <p:childTnLst>
+                                    <p:set>
+                                      <p:cBhvr>
+                                        <p:cTn id="8" dur="1" fill="hold">
+                                          <p:stCondLst>
+                                            <p:cond delay="0"/>
+                                          </p:stCondLst>
+                                        </p:cTn>
+                                        <p:tgtEl>
+                                          <p:spTgt spid="3"/>
+                                        </p:tgtEl>
+                                        <p:attrNameLst>
+                                          <p:attrName>style.visibility</p:attrName>
+                                        </p:attrNameLst>
+                                      </p:cBhvr>
+                                      <p:to>
+                                        <p:strVal val="visible"/>
+                                      </p:to>
+                                    </p:set>
+                                  </p:childTnLst>
+                                </p:cTn>
+                              </p:par>
+                              <p:par>
+                                <p:cTn id="9" presetID="1" presetClass="entr" presetSubtype="0" fill="hold" grpId="0" nodeType="withEffect">
+                                  <p:stCondLst>
+                                    <p:cond delay="0"/>
+                                  </p:stCondLst>
+                                  <p:childTnLst>
+                                    <p:set>
+                                      <p:cBhvr>
+                                        <p:cTn id="10" dur="1" fill="hold">
+                                          <p:stCondLst>
+                                            <p:cond delay="0"/>
+                                          </p:stCondLst>
+                                        </p:cTn>
+                                        <p:tgtEl>
+                                          <p:spTgt spid="23"/>
+                                        </p:tgtEl>
+                                        <p:attrNameLst>
+                                          <p:attrName>style.visibility</p:attrName>
+                                        </p:attrNameLst>
+                                      </p:cBhvr>
+                                      <p:to>
+                                        <p:strVal val="visible"/>
+                                      </p:to>
+                                    </p:set>
+                                  </p:childTnLst>
+                                </p:cTn>
+                              </p:par>
+                            </p:childTnLst>
+                          </p:cTn>
+                        </p:par>
+                      </p:childTnLst>
+                    </p:cTn>
+                  </p:par>
+                  <p:par>
+                    <p:cTn id="11" fill="hold">
+                      <p:stCondLst>
+                        <p:cond delay="indefinite"/>
+                      </p:stCondLst>
+                      <p:childTnLst>
+                        <p:par>
+                          <p:cTn id="12" fill="hold">
+                            <p:stCondLst>
+                              <p:cond delay="0"/>
+                            </p:stCondLst>
+                            <p:childTnLst>
+                              <p:par>
+                                <p:cTn id="13" presetID="1" presetClass="entr" presetSubtype="0" fill="hold" grpId="0" nodeType="clickEffect">
+                                  <p:stCondLst>
+                                    <p:cond delay="0"/>
+                                  </p:stCondLst>
+                                  <p:childTnLst>
+                                    <p:set>
+                                      <p:cBhvr>
+                                        <p:cTn id="14" dur="1" fill="hold">
+                                          <p:stCondLst>
+                                            <p:cond delay="0"/>
+                                          </p:stCondLst>
+                                        </p:cTn>
+                                        <p:tgtEl>
+                                          <p:spTgt spid="34"/>
+                                        </p:tgtEl>
+                                        <p:attrNameLst>
+                                          <p:attrName>style.visibility</p:attrName>
+                                        </p:attrNameLst>
+                                      </p:cBhvr>
+                                      <p:to>
+                                        <p:strVal val="visible"/>
+                                      </p:to>
+                                    </p:set>
+                                  </p:childTnLst>
+                                </p:cTn>
+                              </p:par>
+                            </p:childTnLst>
+                          </p:cTn>
+                        </p:par>
+                      </p:childTnLst>
+                    </p:cTn>
+                  </p:par>
+                  <p:par>
+                    <p:cTn id="15" fill="hold">
+                      <p:stCondLst>
+                        <p:cond delay="indefinite"/>
+                      </p:stCondLst>
+                      <p:childTnLst>
+                        <p:par>
+                          <p:cTn id="16" fill="hold">
+                            <p:stCondLst>
+                              <p:cond delay="0"/>
+                            </p:stCondLst>
+                            <p:childTnLst>
+                              <p:par>
+                                <p:cTn id="17" presetID="1" presetClass="entr" presetSubtype="0" fill="hold" grpId="0" nodeType="clickEffect">
+                                  <p:stCondLst>
+                                    <p:cond delay="0"/>
+                                  </p:stCondLst>
+                                  <p:childTnLst>
+                                    <p:set>
+                                      <p:cBhvr>
+                                        <p:cTn id="18" dur="1" fill="hold">
+                                          <p:stCondLst>
+                                            <p:cond delay="0"/>
+                                          </p:stCondLst>
+                                        </p:cTn>
+                                        <p:tgtEl>
+                                          <p:spTgt spid="14"/>
+                                        </p:tgtEl>
+                                        <p:attrNameLst>
+                                          <p:attrName>style.visibility</p:attrName>
+                                        </p:attrNameLst>
+                                      </p:cBhvr>
+                                      <p:to>
+                                        <p:strVal val="visible"/>
+                                      </p:to>
+                                    </p:set>
+                                  </p:childTnLst>
+                                </p:cTn>
+                              </p:par>
+                              <p:par>
+                                <p:cTn id="19" presetID="1" presetClass="entr" presetSubtype="0" fill="hold" nodeType="withEffect">
+                                  <p:stCondLst>
+                                    <p:cond delay="0"/>
+                                  </p:stCondLst>
+                                  <p:childTnLst>
+                                    <p:set>
+                                      <p:cBhvr>
+                                        <p:cTn id="20" dur="1" fill="hold">
+                                          <p:stCondLst>
+                                            <p:cond delay="0"/>
+                                          </p:stCondLst>
+                                        </p:cTn>
+                                        <p:tgtEl>
+                                          <p:spTgt spid="8"/>
+                                        </p:tgtEl>
+                                        <p:attrNameLst>
+                                          <p:attrName>style.visibility</p:attrName>
+                                        </p:attrNameLst>
+                                      </p:cBhvr>
+                                      <p:to>
+                                        <p:strVal val="visible"/>
+                                      </p:to>
+                                    </p:set>
+                                  </p:childTnLst>
+                                </p:cTn>
+                              </p:par>
+                              <p:par>
+                                <p:cTn id="21" presetID="1" presetClass="entr" presetSubtype="0" fill="hold" grpId="0" nodeType="withEffect">
+                                  <p:stCondLst>
+                                    <p:cond delay="0"/>
+                                  </p:stCondLst>
+                                  <p:childTnLst>
+                                    <p:set>
+                                      <p:cBhvr>
+                                        <p:cTn id="22" dur="1" fill="hold">
+                                          <p:stCondLst>
+                                            <p:cond delay="0"/>
+                                          </p:stCondLst>
+                                        </p:cTn>
+                                        <p:tgtEl>
+                                          <p:spTgt spid="32"/>
+                                        </p:tgtEl>
+                                        <p:attrNameLst>
+                                          <p:attrName>style.visibility</p:attrName>
+                                        </p:attrNameLst>
+                                      </p:cBhvr>
+                                      <p:to>
+                                        <p:strVal val="visible"/>
+                                      </p:to>
+                                    </p:set>
+                                  </p:childTnLst>
+                                </p:cTn>
+                              </p:par>
+                            </p:childTnLst>
+                          </p:cTn>
+                        </p:par>
+                      </p:childTnLst>
+                    </p:cTn>
+                  </p:par>
+                  <p:par>
+                    <p:cTn id="23" fill="hold">
+                      <p:stCondLst>
+                        <p:cond delay="indefinite"/>
+                      </p:stCondLst>
+                      <p:childTnLst>
+                        <p:par>
+                          <p:cTn id="24" fill="hold">
+                            <p:stCondLst>
+                              <p:cond delay="0"/>
+                            </p:stCondLst>
+                            <p:childTnLst>
+                              <p:par>
+                                <p:cTn id="25" presetID="1" presetClass="entr" presetSubtype="0" fill="hold" nodeType="clickEffect">
+                                  <p:stCondLst>
+                                    <p:cond delay="0"/>
+                                  </p:stCondLst>
+                                  <p:childTnLst>
+                                    <p:set>
+                                      <p:cBhvr>
+                                        <p:cTn id="26" dur="1" fill="hold">
+                                          <p:stCondLst>
+                                            <p:cond delay="0"/>
+                                          </p:stCondLst>
+                                        </p:cTn>
+                                        <p:tgtEl>
+                                          <p:spTgt spid="41"/>
+                                        </p:tgtEl>
+                                        <p:attrNameLst>
+                                          <p:attrName>style.visibility</p:attrName>
+                                        </p:attrNameLst>
+                                      </p:cBhvr>
+                                      <p:to>
+                                        <p:strVal val="visible"/>
+                                      </p:to>
+                                    </p:set>
+                                  </p:childTnLst>
+                                </p:cTn>
+                              </p:par>
+                              <p:par>
+                                <p:cTn id="27" presetID="1" presetClass="entr" presetSubtype="0" fill="hold" grpId="0" nodeType="withEffect">
+                                  <p:stCondLst>
+                                    <p:cond delay="0"/>
+                                  </p:stCondLst>
+                                  <p:childTnLst>
+                                    <p:set>
+                                      <p:cBhvr>
+                                        <p:cTn id="28" dur="1" fill="hold">
+                                          <p:stCondLst>
+                                            <p:cond delay="0"/>
+                                          </p:stCondLst>
+                                        </p:cTn>
+                                        <p:tgtEl>
+                                          <p:spTgt spid="33"/>
+                                        </p:tgtEl>
+                                        <p:attrNameLst>
+                                          <p:attrName>style.visibility</p:attrName>
+                                        </p:attrNameLst>
+                                      </p:cBhvr>
+                                      <p:to>
+                                        <p:strVal val="visible"/>
+                                      </p:to>
+                                    </p:set>
+                                  </p:childTnLst>
+                                </p:cTn>
+                              </p:par>
+                            </p:childTnLst>
+                          </p:cTn>
+                        </p:par>
+                      </p:childTnLst>
+                    </p:cTn>
+                  </p:par>
+                  <p:par>
+                    <p:cTn id="29" fill="hold">
+                      <p:stCondLst>
+                        <p:cond delay="indefinite"/>
+                      </p:stCondLst>
+                      <p:childTnLst>
+                        <p:par>
+                          <p:cTn id="30" fill="hold">
+                            <p:stCondLst>
+                              <p:cond delay="0"/>
+                            </p:stCondLst>
+                            <p:childTnLst>
+                              <p:par>
+                                <p:cTn id="31" presetID="1" presetClass="entr" presetSubtype="0" fill="hold" grpId="0" nodeType="clickEffect">
+                                  <p:stCondLst>
+                                    <p:cond delay="0"/>
+                                  </p:stCondLst>
+                                  <p:childTnLst>
+                                    <p:set>
+                                      <p:cBhvr>
+                                        <p:cTn id="32" dur="1" fill="hold">
+                                          <p:stCondLst>
+                                            <p:cond delay="0"/>
+                                          </p:stCondLst>
+                                        </p:cTn>
+                                        <p:tgtEl>
+                                          <p:spTgt spid="42"/>
+                                        </p:tgtEl>
+                                        <p:attrNameLst>
+                                          <p:attrName>style.visibility</p:attrName>
+                                        </p:attrNameLst>
+                                      </p:cBhvr>
+                                      <p:to>
+                                        <p:strVal val="visible"/>
+                                      </p:to>
+                                    </p:set>
+                                  </p:childTnLst>
+                                </p:cTn>
+                              </p:par>
+                            </p:childTnLst>
+                          </p:cTn>
+                        </p:par>
+                      </p:childTnLst>
+                    </p:cTn>
+                  </p:par>
+                  <p:par>
+                    <p:cTn id="33" fill="hold">
+                      <p:stCondLst>
+                        <p:cond delay="indefinite"/>
+                      </p:stCondLst>
+                      <p:childTnLst>
+                        <p:par>
+                          <p:cTn id="34" fill="hold">
+                            <p:stCondLst>
+                              <p:cond delay="0"/>
+                            </p:stCondLst>
+                            <p:childTnLst>
+                              <p:par>
+                                <p:cTn id="35" presetID="1" presetClass="entr" presetSubtype="0" fill="hold" grpId="0" nodeType="clickEffect">
+                                  <p:stCondLst>
+                                    <p:cond delay="0"/>
+                                  </p:stCondLst>
+                                  <p:childTnLst>
+                                    <p:set>
+                                      <p:cBhvr>
+                                        <p:cTn id="36" dur="1" fill="hold">
+                                          <p:stCondLst>
+                                            <p:cond delay="0"/>
+                                          </p:stCondLst>
+                                        </p:cTn>
+                                        <p:tgtEl>
+                                          <p:spTgt spid="37"/>
+                                        </p:tgtEl>
+                                        <p:attrNameLst>
+                                          <p:attrName>style.visibility</p:attrName>
+                                        </p:attrNameLst>
+                                      </p:cBhvr>
+                                      <p:to>
+                                        <p:strVal val="visible"/>
+                                      </p:to>
+                                    </p:set>
+                                  </p:childTnLst>
+                                </p:cTn>
+                              </p:par>
+                              <p:par>
+                                <p:cTn id="37" presetID="1" presetClass="entr" presetSubtype="0" fill="hold" grpId="0" nodeType="withEffect">
+                                  <p:stCondLst>
+                                    <p:cond delay="0"/>
+                                  </p:stCondLst>
+                                  <p:childTnLst>
+                                    <p:set>
+                                      <p:cBhvr>
+                                        <p:cTn id="38" dur="1" fill="hold">
+                                          <p:stCondLst>
+                                            <p:cond delay="0"/>
+                                          </p:stCondLst>
+                                        </p:cTn>
+                                        <p:tgtEl>
+                                          <p:spTgt spid="35"/>
+                                        </p:tgtEl>
+                                        <p:attrNameLst>
+                                          <p:attrName>style.visibility</p:attrName>
+                                        </p:attrNameLst>
+                                      </p:cBhvr>
+                                      <p:to>
+                                        <p:strVal val="visible"/>
+                                      </p:to>
+                                    </p:set>
+                                  </p:childTnLst>
+                                </p:cTn>
+                              </p:par>
+                              <p:par>
+                                <p:cTn id="39" presetID="1" presetClass="entr" presetSubtype="0" fill="hold" grpId="0" nodeType="withEffect">
+                                  <p:stCondLst>
+                                    <p:cond delay="0"/>
+                                  </p:stCondLst>
+                                  <p:childTnLst>
+                                    <p:set>
+                                      <p:cBhvr>
+                                        <p:cTn id="40" dur="1" fill="hold">
+                                          <p:stCondLst>
+                                            <p:cond delay="0"/>
+                                          </p:stCondLst>
+                                        </p:cTn>
+                                        <p:tgtEl>
+                                          <p:spTgt spid="36"/>
+                                        </p:tgtEl>
+                                        <p:attrNameLst>
+                                          <p:attrName>style.visibility</p:attrName>
+                                        </p:attrNameLst>
+                                      </p:cBhvr>
+                                      <p:to>
+                                        <p:strVal val="visible"/>
+                                      </p:to>
+                                    </p:set>
+                                  </p:childTnLst>
+                                </p:cTn>
+                              </p:par>
+                              <p:par>
+                                <p:cTn id="41" presetID="1" presetClass="entr" presetSubtype="0" fill="hold" nodeType="withEffect">
+                                  <p:stCondLst>
+                                    <p:cond delay="0"/>
+                                  </p:stCondLst>
+                                  <p:childTnLst>
+                                    <p:set>
+                                      <p:cBhvr>
+                                        <p:cTn id="42" dur="1" fill="hold">
+                                          <p:stCondLst>
+                                            <p:cond delay="0"/>
+                                          </p:stCondLst>
+                                        </p:cTn>
+                                        <p:tgtEl>
+                                          <p:spTgt spid="46"/>
+                                        </p:tgtEl>
+                                        <p:attrNameLst>
+                                          <p:attrName>style.visibility</p:attrName>
+                                        </p:attrNameLst>
+                                      </p:cBhvr>
+                                      <p:to>
+                                        <p:strVal val="visible"/>
+                                      </p:to>
+                                    </p:set>
+                                  </p:childTnLst>
+                                </p:cTn>
+                              </p:par>
+                            </p:childTnLst>
+                          </p:cTn>
+                        </p:par>
+                      </p:childTnLst>
+                    </p:cTn>
+                  </p:par>
+                  <p:par>
+                    <p:cTn id="43" fill="hold">
+                      <p:stCondLst>
+                        <p:cond delay="indefinite"/>
+                      </p:stCondLst>
+                      <p:childTnLst>
+                        <p:par>
+                          <p:cTn id="44" fill="hold">
+                            <p:stCondLst>
+                              <p:cond delay="0"/>
+                            </p:stCondLst>
+                            <p:childTnLst>
+                              <p:par>
+                                <p:cTn id="45" presetID="1" presetClass="entr" presetSubtype="0" fill="hold" grpId="0" nodeType="clickEffect">
+                                  <p:stCondLst>
+                                    <p:cond delay="0"/>
+                                  </p:stCondLst>
+                                  <p:childTnLst>
+                                    <p:set>
+                                      <p:cBhvr>
+                                        <p:cTn id="46" dur="1" fill="hold">
+                                          <p:stCondLst>
+                                            <p:cond delay="0"/>
+                                          </p:stCondLst>
+                                        </p:cTn>
+                                        <p:tgtEl>
+                                          <p:spTgt spid="49"/>
+                                        </p:tgtEl>
+                                        <p:attrNameLst>
+                                          <p:attrName>style.visibility</p:attrName>
+                                        </p:attrNameLst>
+                                      </p:cBhvr>
+                                      <p:to>
+                                        <p:strVal val="visible"/>
+                                      </p:to>
+                                    </p:set>
+                                  </p:childTnLst>
+                                </p:cTn>
+                              </p:par>
+                              <p:par>
+                                <p:cTn id="47" presetID="1" presetClass="entr" presetSubtype="0" fill="hold" nodeType="withEffect">
+                                  <p:stCondLst>
+                                    <p:cond delay="0"/>
+                                  </p:stCondLst>
+                                  <p:childTnLst>
+                                    <p:set>
+                                      <p:cBhvr>
+                                        <p:cTn id="48" dur="1" fill="hold">
+                                          <p:stCondLst>
+                                            <p:cond delay="0"/>
+                                          </p:stCondLst>
+                                        </p:cTn>
+                                        <p:tgtEl>
+                                          <p:spTgt spid="43"/>
+                                        </p:tgtEl>
+                                        <p:attrNameLst>
+                                          <p:attrName>style.visibility</p:attrName>
+                                        </p:attrNameLst>
+                                      </p:cBhvr>
+                                      <p:to>
+                                        <p:strVal val="visible"/>
+                                      </p:to>
+                                    </p:set>
+                                  </p:childTnLst>
+                                </p:cTn>
+                              </p:par>
+                              <p:par>
+                                <p:cTn id="49" presetID="1" presetClass="entr" presetSubtype="0" fill="hold" grpId="0" nodeType="withEffect">
+                                  <p:stCondLst>
+                                    <p:cond delay="0"/>
+                                  </p:stCondLst>
+                                  <p:childTnLst>
+                                    <p:set>
+                                      <p:cBhvr>
+                                        <p:cTn id="50" dur="1" fill="hold">
+                                          <p:stCondLst>
+                                            <p:cond delay="0"/>
+                                          </p:stCondLst>
+                                        </p:cTn>
+                                        <p:tgtEl>
+                                          <p:spTgt spid="40"/>
+                                        </p:tgtEl>
+                                        <p:attrNameLst>
+                                          <p:attrName>style.visibility</p:attrName>
+                                        </p:attrNameLst>
+                                      </p:cBhvr>
+                                      <p:to>
+                                        <p:strVal val="visible"/>
+                                      </p:to>
+                                    </p:set>
+                                  </p:childTnLst>
+                                </p:cTn>
+                              </p:par>
+                              <p:par>
+                                <p:cTn id="51" presetID="1" presetClass="entr" presetSubtype="0" fill="hold" grpId="0" nodeType="withEffect">
+                                  <p:stCondLst>
+                                    <p:cond delay="0"/>
+                                  </p:stCondLst>
+                                  <p:childTnLst>
+                                    <p:set>
+                                      <p:cBhvr>
+                                        <p:cTn id="52" dur="1" fill="hold">
+                                          <p:stCondLst>
+                                            <p:cond delay="0"/>
+                                          </p:stCondLst>
+                                        </p:cTn>
+                                        <p:tgtEl>
+                                          <p:spTgt spid="38"/>
+                                        </p:tgtEl>
+                                        <p:attrNameLst>
+                                          <p:attrName>style.visibility</p:attrName>
+                                        </p:attrNameLst>
+                                      </p:cBhvr>
+                                      <p:to>
+                                        <p:strVal val="visible"/>
+                                      </p:to>
+                                    </p:set>
+                                  </p:childTnLst>
+                                </p:cTn>
+                              </p:par>
+                              <p:par>
+                                <p:cTn id="53" presetID="1" presetClass="entr" presetSubtype="0" fill="hold" grpId="0" nodeType="withEffect">
+                                  <p:stCondLst>
+                                    <p:cond delay="0"/>
+                                  </p:stCondLst>
+                                  <p:childTnLst>
+                                    <p:set>
+                                      <p:cBhvr>
+                                        <p:cTn id="54" dur="1" fill="hold">
+                                          <p:stCondLst>
+                                            <p:cond delay="0"/>
+                                          </p:stCondLst>
+                                        </p:cTn>
+                                        <p:tgtEl>
+                                          <p:spTgt spid="39"/>
+                                        </p:tgtEl>
+                                        <p:attrNameLst>
+                                          <p:attrName>style.visibility</p:attrName>
+                                        </p:attrNameLst>
+                                      </p:cBhvr>
+                                      <p:to>
+                                        <p:strVal val="visible"/>
+                                      </p:to>
+                                    </p:set>
+                                  </p:childTnLst>
+                                </p:cTn>
+                              </p:par>
+                            </p:childTnLst>
+                          </p:cTn>
+                        </p:par>
+                      </p:childTnLst>
+                    </p:cTn>
+                  </p:par>
+                  <p:par>
+                    <p:cTn id="55" fill="hold">
+                      <p:stCondLst>
+                        <p:cond delay="indefinite"/>
+                      </p:stCondLst>
+                      <p:childTnLst>
+                        <p:par>
+                          <p:cTn id="56" fill="hold">
+                            <p:stCondLst>
+                              <p:cond delay="0"/>
+                            </p:stCondLst>
+                            <p:childTnLst>
+                              <p:par>
+                                <p:cTn id="57" presetID="1" presetClass="entr" presetSubtype="0" fill="hold" grpId="0" nodeType="clickEffect">
+                                  <p:stCondLst>
+                                    <p:cond delay="0"/>
+                                  </p:stCondLst>
+                                  <p:childTnLst>
+                                    <p:set>
+                                      <p:cBhvr>
+                                        <p:cTn id="58" dur="1" fill="hold">
+                                          <p:stCondLst>
+                                            <p:cond delay="0"/>
+                                          </p:stCondLst>
+                                        </p:cTn>
+                                        <p:tgtEl>
+                                          <p:spTgt spid="52"/>
+                                        </p:tgtEl>
+                                        <p:attrNameLst>
+                                          <p:attrName>style.visibility</p:attrName>
+                                        </p:attrNameLst>
+                                      </p:cBhvr>
+                                      <p:to>
+                                        <p:strVal val="visible"/>
+                                      </p:to>
+                                    </p:set>
+                                  </p:childTnLst>
+                                </p:cTn>
+                              </p:par>
+                              <p:par>
+                                <p:cTn id="59" presetID="1" presetClass="entr" presetSubtype="0" fill="hold" grpId="0" nodeType="withEffect">
+                                  <p:stCondLst>
+                                    <p:cond delay="0"/>
+                                  </p:stCondLst>
+                                  <p:childTnLst>
+                                    <p:set>
+                                      <p:cBhvr>
+                                        <p:cTn id="60" dur="1" fill="hold">
+                                          <p:stCondLst>
+                                            <p:cond delay="0"/>
+                                          </p:stCondLst>
+                                        </p:cTn>
+                                        <p:tgtEl>
+                                          <p:spTgt spid="23557"/>
+                                        </p:tgtEl>
+                                        <p:attrNameLst>
+                                          <p:attrName>style.visibility</p:attrName>
+                                        </p:attrNameLst>
+                                      </p:cBhvr>
+                                      <p:to>
+                                        <p:strVal val="visible"/>
+                                      </p:to>
+                                    </p:set>
+                                  </p:childTnLst>
+                                </p:cTn>
+                              </p:par>
+                              <p:par>
+                                <p:cTn id="61" presetID="1" presetClass="entr" presetSubtype="0" fill="hold" grpId="0" nodeType="withEffect">
+                                  <p:stCondLst>
+                                    <p:cond delay="0"/>
+                                  </p:stCondLst>
+                                  <p:childTnLst>
+                                    <p:set>
+                                      <p:cBhvr>
+                                        <p:cTn id="62" dur="1" fill="hold">
+                                          <p:stCondLst>
+                                            <p:cond delay="0"/>
+                                          </p:stCondLst>
+                                        </p:cTn>
+                                        <p:tgtEl>
+                                          <p:spTgt spid="50"/>
+                                        </p:tgtEl>
+                                        <p:attrNameLst>
+                                          <p:attrName>style.visibility</p:attrName>
+                                        </p:attrNameLst>
+                                      </p:cBhvr>
+                                      <p:to>
+                                        <p:strVal val="visible"/>
+                                      </p:to>
+                                    </p:set>
+                                  </p:childTnLst>
+                                </p:cTn>
+                              </p:par>
+                              <p:par>
+                                <p:cTn id="63" presetID="1" presetClass="entr" presetSubtype="0" fill="hold" grpId="0" nodeType="withEffect">
+                                  <p:stCondLst>
+                                    <p:cond delay="0"/>
+                                  </p:stCondLst>
+                                  <p:childTnLst>
+                                    <p:set>
+                                      <p:cBhvr>
+                                        <p:cTn id="64" dur="1" fill="hold">
+                                          <p:stCondLst>
+                                            <p:cond delay="0"/>
+                                          </p:stCondLst>
+                                        </p:cTn>
+                                        <p:tgtEl>
+                                          <p:spTgt spid="51"/>
+                                        </p:tgtEl>
+                                        <p:attrNameLst>
+                                          <p:attrName>style.visibility</p:attrName>
+                                        </p:attrNameLst>
+                                      </p:cBhvr>
+                                      <p:to>
+                                        <p:strVal val="visible"/>
+                                      </p:to>
+                                    </p:set>
+                                  </p:childTnLst>
+                                </p:cTn>
+                              </p:par>
+                              <p:par>
+                                <p:cTn id="65" presetID="1" presetClass="entr" presetSubtype="0" fill="hold" nodeType="withEffect">
+                                  <p:stCondLst>
+                                    <p:cond delay="0"/>
+                                  </p:stCondLst>
+                                  <p:childTnLst>
+                                    <p:set>
+                                      <p:cBhvr>
+                                        <p:cTn id="66" dur="1" fill="hold">
+                                          <p:stCondLst>
+                                            <p:cond delay="0"/>
+                                          </p:stCondLst>
+                                        </p:cTn>
+                                        <p:tgtEl>
+                                          <p:spTgt spid="53"/>
+                                        </p:tgtEl>
+                                        <p:attrNameLst>
+                                          <p:attrName>style.visibility</p:attrName>
+                                        </p:attrNameLst>
+                                      </p:cBhvr>
+                                      <p:to>
+                                        <p:strVal val="visible"/>
+                                      </p:to>
+                                    </p:set>
+                                  </p:childTnLst>
+                                </p:cTn>
+                              </p:par>
+                            </p:childTnLst>
+                          </p:cTn>
+                        </p:par>
+                      </p:childTnLst>
+                    </p:cTn>
+                  </p:par>
+                </p:childTnLst>
+              </p:cTn>
+              <p:prevCondLst>
+                <p:cond evt="onPrev" delay="0">
+                  <p:tgtEl>
+                    <p:sldTgt/>
+                  </p:tgtEl>
+                </p:cond>
+              </p:prevCondLst>
+              <p:nextCondLst>
+                <p:cond evt="onNext" delay="0">
+                  <p:tgtEl>
+                    <p:sldTgt/>
+                  </p:tgtEl>
+                </p:cond>
+              </p:nextCondLst>
+            </p:seq>
+          </p:childTnLst>
+        </p:cTn>
+      </p:par>
+    </p:tnLst>
+    <p:bldLst>
+      <p:bldP spid="3" grpId="0" animBg="1"/>
+      <p:bldP spid="23" grpId="0" animBg="1"/>
+      <p:bldP spid="24" grpId="0" animBg="1"/>
+      <p:bldP spid="32" grpId="0" animBg="1"/>
+      <p:bldP spid="33" grpId="0" animBg="1"/>
+      <p:bldP spid="34" grpId="0" animBg="1"/>
+      <p:bldP spid="35" grpId="0" animBg="1"/>
+      <p:bldP spid="36" grpId="0" animBg="1"/>
+      <p:bldP spid="37" grpId="0" animBg="1"/>
+      <p:bldP spid="38" grpId="0" animBg="1"/>
+      <p:bldP spid="39" grpId="0" animBg="1"/>
+      <p:bldP spid="40" grpId="0" animBg="1"/>
+      <p:bldP spid="14" grpId="0"/>
+      <p:bldP spid="42" grpId="0"/>
+      <p:bldP spid="49" grpId="0"/>
+      <p:bldP spid="50" grpId="0" animBg="1"/>
+      <p:bldP spid="51" grpId="0" animBg="1"/>
+      <p:bldP spid="52" grpId="0" animBg="1"/>
+      <p:bldP spid="23557" grpId="0"/>
+    </p:bldLst>
+  </p:timing>
 </p:sld>
 </file>
 
